--- a/src/2020-9-3-text-ranker/TextRanker.pptx
+++ b/src/2020-9-3-text-ranker/TextRanker.pptx
@@ -240,7 +240,7 @@
           <a:p>
             <a:fld id="{5401280E-9C21-5147-B3E2-08F52498B9FE}" type="datetimeFigureOut">
               <a:rPr kumimoji="1" lang="zh-CN" altLang="en-US" smtClean="0"/>
-              <a:t>2020/9/3</a:t>
+              <a:t>2020/9/7</a:t>
             </a:fld>
             <a:endParaRPr kumimoji="1" lang="zh-CN" altLang="en-US"/>
           </a:p>
@@ -406,7 +406,7 @@
           <a:p>
             <a:fld id="{9ADC4465-A6AC-F04C-B0E6-FA479ED39315}" type="datetimeFigureOut">
               <a:rPr kumimoji="1" lang="zh-CN" altLang="en-US" smtClean="0"/>
-              <a:t>2020/9/3</a:t>
+              <a:t>2020/9/7</a:t>
             </a:fld>
             <a:endParaRPr kumimoji="1" lang="zh-CN" altLang="en-US"/>
           </a:p>
@@ -2880,7 +2880,7 @@
           <a:p>
             <a:fld id="{72149E17-1610-6341-A525-4FB5593A67E6}" type="datetimeFigureOut">
               <a:rPr kumimoji="1" lang="zh-CN" altLang="en-US" smtClean="0"/>
-              <a:t>2020/9/3</a:t>
+              <a:t>2020/9/7</a:t>
             </a:fld>
             <a:endParaRPr kumimoji="1" lang="zh-CN" altLang="en-US"/>
           </a:p>
@@ -2975,7 +2975,7 @@
           <a:p>
             <a:fld id="{72149E17-1610-6341-A525-4FB5593A67E6}" type="datetimeFigureOut">
               <a:rPr kumimoji="1" lang="zh-CN" altLang="en-US" smtClean="0"/>
-              <a:t>2020/9/3</a:t>
+              <a:t>2020/9/7</a:t>
             </a:fld>
             <a:endParaRPr kumimoji="1" lang="zh-CN" altLang="en-US"/>
           </a:p>
@@ -3250,7 +3250,7 @@
           <a:p>
             <a:fld id="{72149E17-1610-6341-A525-4FB5593A67E6}" type="datetimeFigureOut">
               <a:rPr kumimoji="1" lang="zh-CN" altLang="en-US" smtClean="0"/>
-              <a:t>2020/9/3</a:t>
+              <a:t>2020/9/7</a:t>
             </a:fld>
             <a:endParaRPr kumimoji="1" lang="zh-CN" altLang="en-US"/>
           </a:p>
@@ -3502,7 +3502,7 @@
           <a:p>
             <a:fld id="{72149E17-1610-6341-A525-4FB5593A67E6}" type="datetimeFigureOut">
               <a:rPr kumimoji="1" lang="zh-CN" altLang="en-US" smtClean="0"/>
-              <a:t>2020/9/3</a:t>
+              <a:t>2020/9/7</a:t>
             </a:fld>
             <a:endParaRPr kumimoji="1" lang="zh-CN" altLang="en-US"/>
           </a:p>
@@ -3670,7 +3670,7 @@
           <a:p>
             <a:fld id="{72149E17-1610-6341-A525-4FB5593A67E6}" type="datetimeFigureOut">
               <a:rPr kumimoji="1" lang="zh-CN" altLang="en-US" smtClean="0"/>
-              <a:t>2020/9/3</a:t>
+              <a:t>2020/9/7</a:t>
             </a:fld>
             <a:endParaRPr kumimoji="1" lang="zh-CN" altLang="en-US"/>
           </a:p>
@@ -3848,7 +3848,7 @@
           <a:p>
             <a:fld id="{72149E17-1610-6341-A525-4FB5593A67E6}" type="datetimeFigureOut">
               <a:rPr kumimoji="1" lang="zh-CN" altLang="en-US" smtClean="0"/>
-              <a:t>2020/9/3</a:t>
+              <a:t>2020/9/7</a:t>
             </a:fld>
             <a:endParaRPr kumimoji="1" lang="zh-CN" altLang="en-US"/>
           </a:p>
@@ -4038,7 +4038,7 @@
           <a:p>
             <a:fld id="{19596FE3-A52D-5246-AFDD-E9BC5D86587F}" type="datetimeFigureOut">
               <a:rPr kumimoji="1" lang="zh-CN" altLang="en-US" smtClean="0"/>
-              <a:t>2020/9/3</a:t>
+              <a:t>2020/9/7</a:t>
             </a:fld>
             <a:endParaRPr kumimoji="1" lang="zh-CN" altLang="en-US"/>
           </a:p>
@@ -4206,7 +4206,7 @@
           <a:p>
             <a:fld id="{19596FE3-A52D-5246-AFDD-E9BC5D86587F}" type="datetimeFigureOut">
               <a:rPr kumimoji="1" lang="zh-CN" altLang="en-US" smtClean="0"/>
-              <a:t>2020/9/3</a:t>
+              <a:t>2020/9/7</a:t>
             </a:fld>
             <a:endParaRPr kumimoji="1" lang="zh-CN" altLang="en-US"/>
           </a:p>
@@ -4451,7 +4451,7 @@
           <a:p>
             <a:fld id="{19596FE3-A52D-5246-AFDD-E9BC5D86587F}" type="datetimeFigureOut">
               <a:rPr kumimoji="1" lang="zh-CN" altLang="en-US" smtClean="0"/>
-              <a:t>2020/9/3</a:t>
+              <a:t>2020/9/7</a:t>
             </a:fld>
             <a:endParaRPr kumimoji="1" lang="zh-CN" altLang="en-US"/>
           </a:p>
@@ -4680,7 +4680,7 @@
           <a:p>
             <a:fld id="{19596FE3-A52D-5246-AFDD-E9BC5D86587F}" type="datetimeFigureOut">
               <a:rPr kumimoji="1" lang="zh-CN" altLang="en-US" smtClean="0"/>
-              <a:t>2020/9/3</a:t>
+              <a:t>2020/9/7</a:t>
             </a:fld>
             <a:endParaRPr kumimoji="1" lang="zh-CN" altLang="en-US"/>
           </a:p>
@@ -5228,7 +5228,7 @@
           <a:p>
             <a:fld id="{19596FE3-A52D-5246-AFDD-E9BC5D86587F}" type="datetimeFigureOut">
               <a:rPr kumimoji="1" lang="zh-CN" altLang="en-US" smtClean="0"/>
-              <a:t>2020/9/3</a:t>
+              <a:t>2020/9/7</a:t>
             </a:fld>
             <a:endParaRPr kumimoji="1" lang="zh-CN" altLang="en-US"/>
           </a:p>
@@ -5345,7 +5345,7 @@
           <a:p>
             <a:fld id="{19596FE3-A52D-5246-AFDD-E9BC5D86587F}" type="datetimeFigureOut">
               <a:rPr kumimoji="1" lang="zh-CN" altLang="en-US" smtClean="0"/>
-              <a:t>2020/9/3</a:t>
+              <a:t>2020/9/7</a:t>
             </a:fld>
             <a:endParaRPr kumimoji="1" lang="zh-CN" altLang="en-US"/>
           </a:p>
@@ -5440,7 +5440,7 @@
           <a:p>
             <a:fld id="{19596FE3-A52D-5246-AFDD-E9BC5D86587F}" type="datetimeFigureOut">
               <a:rPr kumimoji="1" lang="zh-CN" altLang="en-US" smtClean="0"/>
-              <a:t>2020/9/3</a:t>
+              <a:t>2020/9/7</a:t>
             </a:fld>
             <a:endParaRPr kumimoji="1" lang="zh-CN" altLang="en-US"/>
           </a:p>
@@ -5715,7 +5715,7 @@
           <a:p>
             <a:fld id="{19596FE3-A52D-5246-AFDD-E9BC5D86587F}" type="datetimeFigureOut">
               <a:rPr kumimoji="1" lang="zh-CN" altLang="en-US" smtClean="0"/>
-              <a:t>2020/9/3</a:t>
+              <a:t>2020/9/7</a:t>
             </a:fld>
             <a:endParaRPr kumimoji="1" lang="zh-CN" altLang="en-US"/>
           </a:p>
@@ -5967,7 +5967,7 @@
           <a:p>
             <a:fld id="{19596FE3-A52D-5246-AFDD-E9BC5D86587F}" type="datetimeFigureOut">
               <a:rPr kumimoji="1" lang="zh-CN" altLang="en-US" smtClean="0"/>
-              <a:t>2020/9/3</a:t>
+              <a:t>2020/9/7</a:t>
             </a:fld>
             <a:endParaRPr kumimoji="1" lang="zh-CN" altLang="en-US"/>
           </a:p>
@@ -6135,7 +6135,7 @@
           <a:p>
             <a:fld id="{19596FE3-A52D-5246-AFDD-E9BC5D86587F}" type="datetimeFigureOut">
               <a:rPr kumimoji="1" lang="zh-CN" altLang="en-US" smtClean="0"/>
-              <a:t>2020/9/3</a:t>
+              <a:t>2020/9/7</a:t>
             </a:fld>
             <a:endParaRPr kumimoji="1" lang="zh-CN" altLang="en-US"/>
           </a:p>
@@ -6313,7 +6313,7 @@
           <a:p>
             <a:fld id="{19596FE3-A52D-5246-AFDD-E9BC5D86587F}" type="datetimeFigureOut">
               <a:rPr kumimoji="1" lang="zh-CN" altLang="en-US" smtClean="0"/>
-              <a:t>2020/9/3</a:t>
+              <a:t>2020/9/7</a:t>
             </a:fld>
             <a:endParaRPr kumimoji="1" lang="zh-CN" altLang="en-US"/>
           </a:p>
@@ -6503,7 +6503,7 @@
           <a:p>
             <a:fld id="{D61E3598-565F-7343-8C64-503116B36FA7}" type="datetimeFigureOut">
               <a:rPr kumimoji="1" lang="zh-CN" altLang="en-US" smtClean="0"/>
-              <a:t>2020/9/3</a:t>
+              <a:t>2020/9/7</a:t>
             </a:fld>
             <a:endParaRPr kumimoji="1" lang="zh-CN" altLang="en-US"/>
           </a:p>
@@ -6671,7 +6671,7 @@
           <a:p>
             <a:fld id="{D61E3598-565F-7343-8C64-503116B36FA7}" type="datetimeFigureOut">
               <a:rPr kumimoji="1" lang="zh-CN" altLang="en-US" smtClean="0"/>
-              <a:t>2020/9/3</a:t>
+              <a:t>2020/9/7</a:t>
             </a:fld>
             <a:endParaRPr kumimoji="1" lang="zh-CN" altLang="en-US"/>
           </a:p>
@@ -6916,7 +6916,7 @@
           <a:p>
             <a:fld id="{D61E3598-565F-7343-8C64-503116B36FA7}" type="datetimeFigureOut">
               <a:rPr kumimoji="1" lang="zh-CN" altLang="en-US" smtClean="0"/>
-              <a:t>2020/9/3</a:t>
+              <a:t>2020/9/7</a:t>
             </a:fld>
             <a:endParaRPr kumimoji="1" lang="zh-CN" altLang="en-US"/>
           </a:p>
@@ -7247,7 +7247,7 @@
           <a:p>
             <a:fld id="{D61E3598-565F-7343-8C64-503116B36FA7}" type="datetimeFigureOut">
               <a:rPr kumimoji="1" lang="zh-CN" altLang="en-US" smtClean="0"/>
-              <a:t>2020/9/3</a:t>
+              <a:t>2020/9/7</a:t>
             </a:fld>
             <a:endParaRPr kumimoji="1" lang="zh-CN" altLang="en-US"/>
           </a:p>
@@ -7611,7 +7611,7 @@
           <a:p>
             <a:fld id="{D61E3598-565F-7343-8C64-503116B36FA7}" type="datetimeFigureOut">
               <a:rPr kumimoji="1" lang="zh-CN" altLang="en-US" smtClean="0"/>
-              <a:t>2020/9/3</a:t>
+              <a:t>2020/9/7</a:t>
             </a:fld>
             <a:endParaRPr kumimoji="1" lang="zh-CN" altLang="en-US"/>
           </a:p>
@@ -7728,7 +7728,7 @@
           <a:p>
             <a:fld id="{D61E3598-565F-7343-8C64-503116B36FA7}" type="datetimeFigureOut">
               <a:rPr kumimoji="1" lang="zh-CN" altLang="en-US" smtClean="0"/>
-              <a:t>2020/9/3</a:t>
+              <a:t>2020/9/7</a:t>
             </a:fld>
             <a:endParaRPr kumimoji="1" lang="zh-CN" altLang="en-US"/>
           </a:p>
@@ -7823,7 +7823,7 @@
           <a:p>
             <a:fld id="{D61E3598-565F-7343-8C64-503116B36FA7}" type="datetimeFigureOut">
               <a:rPr kumimoji="1" lang="zh-CN" altLang="en-US" smtClean="0"/>
-              <a:t>2020/9/3</a:t>
+              <a:t>2020/9/7</a:t>
             </a:fld>
             <a:endParaRPr kumimoji="1" lang="zh-CN" altLang="en-US"/>
           </a:p>
@@ -8098,7 +8098,7 @@
           <a:p>
             <a:fld id="{D61E3598-565F-7343-8C64-503116B36FA7}" type="datetimeFigureOut">
               <a:rPr kumimoji="1" lang="zh-CN" altLang="en-US" smtClean="0"/>
-              <a:t>2020/9/3</a:t>
+              <a:t>2020/9/7</a:t>
             </a:fld>
             <a:endParaRPr kumimoji="1" lang="zh-CN" altLang="en-US"/>
           </a:p>
@@ -8350,7 +8350,7 @@
           <a:p>
             <a:fld id="{D61E3598-565F-7343-8C64-503116B36FA7}" type="datetimeFigureOut">
               <a:rPr kumimoji="1" lang="zh-CN" altLang="en-US" smtClean="0"/>
-              <a:t>2020/9/3</a:t>
+              <a:t>2020/9/7</a:t>
             </a:fld>
             <a:endParaRPr kumimoji="1" lang="zh-CN" altLang="en-US"/>
           </a:p>
@@ -8518,7 +8518,7 @@
           <a:p>
             <a:fld id="{D61E3598-565F-7343-8C64-503116B36FA7}" type="datetimeFigureOut">
               <a:rPr kumimoji="1" lang="zh-CN" altLang="en-US" smtClean="0"/>
-              <a:t>2020/9/3</a:t>
+              <a:t>2020/9/7</a:t>
             </a:fld>
             <a:endParaRPr kumimoji="1" lang="zh-CN" altLang="en-US"/>
           </a:p>
@@ -8696,7 +8696,7 @@
           <a:p>
             <a:fld id="{D61E3598-565F-7343-8C64-503116B36FA7}" type="datetimeFigureOut">
               <a:rPr kumimoji="1" lang="zh-CN" altLang="en-US" smtClean="0"/>
-              <a:t>2020/9/3</a:t>
+              <a:t>2020/9/7</a:t>
             </a:fld>
             <a:endParaRPr kumimoji="1" lang="zh-CN" altLang="en-US"/>
           </a:p>
@@ -8988,7 +8988,7 @@
           <a:p>
             <a:fld id="{72149E17-1610-6341-A525-4FB5593A67E6}" type="datetimeFigureOut">
               <a:rPr kumimoji="1" lang="zh-CN" altLang="en-US" smtClean="0"/>
-              <a:t>2020/9/3</a:t>
+              <a:t>2020/9/7</a:t>
             </a:fld>
             <a:endParaRPr kumimoji="1" lang="zh-CN" altLang="en-US"/>
           </a:p>
@@ -9156,7 +9156,7 @@
           <a:p>
             <a:fld id="{72149E17-1610-6341-A525-4FB5593A67E6}" type="datetimeFigureOut">
               <a:rPr kumimoji="1" lang="zh-CN" altLang="en-US" smtClean="0"/>
-              <a:t>2020/9/3</a:t>
+              <a:t>2020/9/7</a:t>
             </a:fld>
             <a:endParaRPr kumimoji="1" lang="zh-CN" altLang="en-US"/>
           </a:p>
@@ -9401,7 +9401,7 @@
           <a:p>
             <a:fld id="{72149E17-1610-6341-A525-4FB5593A67E6}" type="datetimeFigureOut">
               <a:rPr kumimoji="1" lang="zh-CN" altLang="en-US" smtClean="0"/>
-              <a:t>2020/9/3</a:t>
+              <a:t>2020/9/7</a:t>
             </a:fld>
             <a:endParaRPr kumimoji="1" lang="zh-CN" altLang="en-US"/>
           </a:p>
@@ -9630,7 +9630,7 @@
           <a:p>
             <a:fld id="{72149E17-1610-6341-A525-4FB5593A67E6}" type="datetimeFigureOut">
               <a:rPr kumimoji="1" lang="zh-CN" altLang="en-US" smtClean="0"/>
-              <a:t>2020/9/3</a:t>
+              <a:t>2020/9/7</a:t>
             </a:fld>
             <a:endParaRPr kumimoji="1" lang="zh-CN" altLang="en-US"/>
           </a:p>
@@ -9994,7 +9994,7 @@
           <a:p>
             <a:fld id="{72149E17-1610-6341-A525-4FB5593A67E6}" type="datetimeFigureOut">
               <a:rPr kumimoji="1" lang="zh-CN" altLang="en-US" smtClean="0"/>
-              <a:t>2020/9/3</a:t>
+              <a:t>2020/9/7</a:t>
             </a:fld>
             <a:endParaRPr kumimoji="1" lang="zh-CN" altLang="en-US"/>
           </a:p>
@@ -10902,7 +10902,7 @@
           <a:p>
             <a:fld id="{72149E17-1610-6341-A525-4FB5593A67E6}" type="datetimeFigureOut">
               <a:rPr kumimoji="1" lang="zh-CN" altLang="en-US" smtClean="0"/>
-              <a:t>2020/9/3</a:t>
+              <a:t>2020/9/7</a:t>
             </a:fld>
             <a:endParaRPr kumimoji="1" lang="zh-CN" altLang="en-US"/>
           </a:p>
@@ -11440,7 +11440,7 @@
           <a:p>
             <a:fld id="{19596FE3-A52D-5246-AFDD-E9BC5D86587F}" type="datetimeFigureOut">
               <a:rPr kumimoji="1" lang="zh-CN" altLang="en-US" smtClean="0"/>
-              <a:t>2020/9/3</a:t>
+              <a:t>2020/9/7</a:t>
             </a:fld>
             <a:endParaRPr kumimoji="1" lang="zh-CN" altLang="en-US"/>
           </a:p>
@@ -11978,7 +11978,7 @@
           <a:p>
             <a:fld id="{D61E3598-565F-7343-8C64-503116B36FA7}" type="datetimeFigureOut">
               <a:rPr kumimoji="1" lang="zh-CN" altLang="en-US" smtClean="0"/>
-              <a:t>2020/9/3</a:t>
+              <a:t>2020/9/7</a:t>
             </a:fld>
             <a:endParaRPr kumimoji="1" lang="zh-CN" altLang="en-US"/>
           </a:p>
@@ -12546,267 +12546,888 @@
       </p:sp>
       <p:sp>
         <p:nvSpPr>
-          <p:cNvPr id="4" name="内容占位符 3"/>
-          <p:cNvSpPr>
-            <a:spLocks noGrp="1"/>
-          </p:cNvSpPr>
-          <p:nvPr>
-            <p:ph sz="quarter" idx="1"/>
-          </p:nvPr>
+          <p:cNvPr id="11" name="文本框 10"/>
+          <p:cNvSpPr txBox="1"/>
+          <p:nvPr/>
         </p:nvSpPr>
         <p:spPr>
           <a:xfrm>
-            <a:off x="350323" y="1040128"/>
-            <a:ext cx="8415725" cy="5226560"/>
-          </a:xfrm>
-        </p:spPr>
-        <p:txBody>
-          <a:bodyPr>
-            <a:normAutofit/>
-          </a:bodyPr>
-          <a:lstStyle/>
-          <a:p>
-            <a:pPr marL="365760" lvl="1" indent="0">
-              <a:buNone/>
-            </a:pPr>
-            <a:endParaRPr lang="en-US" altLang="zh-CN" dirty="0"/>
-          </a:p>
-          <a:p>
-            <a:pPr marL="0" indent="0">
-              <a:buNone/>
-            </a:pPr>
-            <a:endParaRPr lang="en-US" altLang="zh-CN" dirty="0">
-              <a:solidFill>
-                <a:srgbClr val="FF0000"/>
-              </a:solidFill>
-            </a:endParaRPr>
-          </a:p>
-          <a:p>
-            <a:pPr marL="0" indent="0">
-              <a:buNone/>
-            </a:pPr>
-            <a:endParaRPr lang="zh-CN" altLang="en-US" dirty="0"/>
-          </a:p>
-        </p:txBody>
-      </p:sp>
-      <p:sp>
-        <p:nvSpPr>
-          <p:cNvPr id="5" name="内容占位符 3"/>
-          <p:cNvSpPr txBox="1">
-            <a:spLocks/>
-          </p:cNvSpPr>
-          <p:nvPr/>
-        </p:nvSpPr>
-        <p:spPr>
-          <a:xfrm>
-            <a:off x="350323" y="1040128"/>
-            <a:ext cx="8415725" cy="5383456"/>
+            <a:off x="502723" y="1697323"/>
+            <a:ext cx="2319866" cy="369332"/>
           </a:xfrm>
           <a:prstGeom prst="rect">
             <a:avLst/>
           </a:prstGeom>
+          <a:noFill/>
         </p:spPr>
         <p:txBody>
-          <a:bodyPr vert="horz">
-            <a:normAutofit/>
+          <a:bodyPr wrap="none" rtlCol="0">
+            <a:spAutoFit/>
           </a:bodyPr>
-          <a:lstStyle>
-            <a:lvl1pPr marL="320040" indent="-320040" algn="l" rtl="0" eaLnBrk="1" latinLnBrk="0" hangingPunct="1">
-              <a:spcBef>
-                <a:spcPts val="700"/>
-              </a:spcBef>
-              <a:buClr>
-                <a:schemeClr val="accent2"/>
-              </a:buClr>
-              <a:buSzPct val="60000"/>
-              <a:buFont typeface="Wingdings"/>
-              <a:buChar char=""/>
-              <a:defRPr kumimoji="0" sz="2600" kern="1200">
-                <a:solidFill>
-                  <a:schemeClr val="tx1"/>
-                </a:solidFill>
-                <a:latin typeface="Times" panose="02020603060405020304" pitchFamily="18" charset="0"/>
-                <a:ea typeface="+mn-ea"/>
-                <a:cs typeface="Lucida Sans"/>
-              </a:defRPr>
-            </a:lvl1pPr>
-            <a:lvl2pPr marL="640080" indent="-274320" algn="l" rtl="0" eaLnBrk="1" latinLnBrk="0" hangingPunct="1">
-              <a:spcBef>
-                <a:spcPts val="550"/>
-              </a:spcBef>
-              <a:buClr>
-                <a:schemeClr val="accent1"/>
-              </a:buClr>
-              <a:buSzPct val="60000"/>
-              <a:buFont typeface="Wingdings" panose="05000000000000000000" pitchFamily="2" charset="2"/>
-              <a:buChar char="l"/>
-              <a:defRPr kumimoji="0" sz="2200" kern="1200">
-                <a:solidFill>
-                  <a:schemeClr val="tx1"/>
-                </a:solidFill>
-                <a:latin typeface="Times" panose="02020603060405020304" pitchFamily="18" charset="0"/>
-                <a:ea typeface="+mn-ea"/>
-                <a:cs typeface="Lucida Sans"/>
-              </a:defRPr>
-            </a:lvl2pPr>
-            <a:lvl3pPr marL="914400" indent="-228600" algn="l" rtl="0" eaLnBrk="1" latinLnBrk="0" hangingPunct="1">
-              <a:spcBef>
-                <a:spcPts val="500"/>
-              </a:spcBef>
-              <a:buClr>
-                <a:schemeClr val="accent2"/>
-              </a:buClr>
-              <a:buSzPct val="75000"/>
-              <a:buFont typeface="Wingdings"/>
-              <a:buChar char=""/>
-              <a:defRPr kumimoji="0" sz="2000" kern="1200">
-                <a:solidFill>
-                  <a:schemeClr val="tx1"/>
-                </a:solidFill>
-                <a:latin typeface="Times" panose="02020603060405020304" pitchFamily="18" charset="0"/>
-                <a:ea typeface="+mn-ea"/>
-                <a:cs typeface="Lucida Sans"/>
-              </a:defRPr>
-            </a:lvl3pPr>
-            <a:lvl4pPr marL="1371600" indent="-228600" algn="l" rtl="0" eaLnBrk="1" latinLnBrk="0" hangingPunct="1">
-              <a:spcBef>
-                <a:spcPts val="400"/>
-              </a:spcBef>
-              <a:buClr>
-                <a:schemeClr val="accent3"/>
-              </a:buClr>
-              <a:buSzPct val="75000"/>
-              <a:buFont typeface="Wingdings"/>
-              <a:buChar char=""/>
-              <a:defRPr kumimoji="0" sz="2000" kern="1200">
-                <a:solidFill>
-                  <a:schemeClr val="tx1"/>
-                </a:solidFill>
-                <a:latin typeface="Times" panose="02020603060405020304" pitchFamily="18" charset="0"/>
-                <a:ea typeface="+mn-ea"/>
-                <a:cs typeface="Lucida Sans"/>
-              </a:defRPr>
-            </a:lvl4pPr>
-            <a:lvl5pPr marL="1828800" indent="-228600" algn="l" rtl="0" eaLnBrk="1" latinLnBrk="0" hangingPunct="1">
-              <a:spcBef>
-                <a:spcPts val="400"/>
-              </a:spcBef>
-              <a:buClr>
-                <a:schemeClr val="accent4"/>
-              </a:buClr>
-              <a:buSzPct val="65000"/>
-              <a:buFont typeface="Wingdings"/>
-              <a:buChar char=""/>
-              <a:defRPr kumimoji="0" sz="2000" kern="1200">
-                <a:solidFill>
-                  <a:schemeClr val="tx1"/>
-                </a:solidFill>
-                <a:latin typeface="Times" panose="02020603060405020304" pitchFamily="18" charset="0"/>
-                <a:ea typeface="+mn-ea"/>
-                <a:cs typeface="Lucida Sans"/>
-              </a:defRPr>
-            </a:lvl5pPr>
-            <a:lvl6pPr marL="2103120" indent="-228600" algn="l" rtl="0" eaLnBrk="1" latinLnBrk="0" hangingPunct="1">
-              <a:spcBef>
-                <a:spcPct val="20000"/>
-              </a:spcBef>
-              <a:buClr>
-                <a:schemeClr val="accent1"/>
-              </a:buClr>
-              <a:buFont typeface="Wingdings"/>
-              <a:buChar char="§"/>
-              <a:defRPr kumimoji="0" sz="1800" kern="1200" baseline="0">
-                <a:solidFill>
-                  <a:schemeClr val="tx1"/>
-                </a:solidFill>
-                <a:latin typeface="+mn-lt"/>
-                <a:ea typeface="+mn-ea"/>
-                <a:cs typeface="+mn-cs"/>
-              </a:defRPr>
-            </a:lvl6pPr>
-            <a:lvl7pPr marL="2377440" indent="-228600" algn="l" rtl="0" eaLnBrk="1" latinLnBrk="0" hangingPunct="1">
-              <a:spcBef>
-                <a:spcPct val="20000"/>
-              </a:spcBef>
-              <a:buClr>
-                <a:schemeClr val="accent2"/>
-              </a:buClr>
-              <a:buFont typeface="Wingdings"/>
-              <a:buChar char="§"/>
-              <a:defRPr kumimoji="0" sz="1800" kern="1200" baseline="0">
-                <a:solidFill>
-                  <a:schemeClr val="tx1"/>
-                </a:solidFill>
-                <a:latin typeface="+mn-lt"/>
-                <a:ea typeface="+mn-ea"/>
-                <a:cs typeface="+mn-cs"/>
-              </a:defRPr>
-            </a:lvl7pPr>
-            <a:lvl8pPr marL="2651760" indent="-228600" algn="l" rtl="0" eaLnBrk="1" latinLnBrk="0" hangingPunct="1">
-              <a:spcBef>
-                <a:spcPct val="20000"/>
-              </a:spcBef>
-              <a:buClr>
-                <a:schemeClr val="accent3"/>
-              </a:buClr>
-              <a:buFont typeface="Wingdings"/>
-              <a:buChar char="§"/>
-              <a:defRPr kumimoji="0" sz="1800" kern="1200" baseline="0">
-                <a:solidFill>
-                  <a:schemeClr val="tx1"/>
-                </a:solidFill>
-                <a:latin typeface="+mn-lt"/>
-                <a:ea typeface="+mn-ea"/>
-                <a:cs typeface="+mn-cs"/>
-              </a:defRPr>
-            </a:lvl8pPr>
-            <a:lvl9pPr marL="2926080" indent="-228600" algn="l" rtl="0" eaLnBrk="1" latinLnBrk="0" hangingPunct="1">
-              <a:spcBef>
-                <a:spcPct val="20000"/>
-              </a:spcBef>
-              <a:buClr>
-                <a:schemeClr val="accent4"/>
-              </a:buClr>
-              <a:buFont typeface="Wingdings"/>
-              <a:buChar char="§"/>
-              <a:defRPr kumimoji="0" sz="1800" kern="1200" baseline="0">
-                <a:solidFill>
-                  <a:schemeClr val="tx1"/>
-                </a:solidFill>
-                <a:latin typeface="+mn-lt"/>
-                <a:ea typeface="+mn-ea"/>
-                <a:cs typeface="+mn-cs"/>
-              </a:defRPr>
-            </a:lvl9pPr>
-          </a:lstStyle>
-          <a:p>
-            <a:pPr lvl="1"/>
-            <a:endParaRPr lang="en-US" altLang="zh-CN" dirty="0" smtClean="0"/>
-          </a:p>
-          <a:p>
-            <a:pPr marL="365760" lvl="1" indent="0">
-              <a:buFont typeface="Wingdings" panose="05000000000000000000" pitchFamily="2" charset="2"/>
-              <a:buNone/>
-            </a:pPr>
-            <a:endParaRPr lang="en-US" altLang="zh-CN" dirty="0" smtClean="0"/>
-          </a:p>
-          <a:p>
-            <a:pPr marL="0" indent="0">
-              <a:buFont typeface="Wingdings"/>
-              <a:buNone/>
-            </a:pPr>
-            <a:endParaRPr lang="en-US" altLang="zh-CN" dirty="0" smtClean="0">
-              <a:solidFill>
-                <a:srgbClr val="FF0000"/>
-              </a:solidFill>
-            </a:endParaRPr>
-          </a:p>
-          <a:p>
-            <a:pPr marL="0" indent="0">
-              <a:buFont typeface="Wingdings"/>
-              <a:buNone/>
-            </a:pPr>
-            <a:endParaRPr lang="zh-CN" altLang="en-US" dirty="0"/>
+          <a:lstStyle/>
+          <a:p>
+            <a:r>
+              <a:rPr kumimoji="1" lang="zh-CN" altLang="en-US" dirty="0" smtClean="0"/>
+              <a:t> 什么是虚拟专用网络</a:t>
+            </a:r>
+            <a:endParaRPr kumimoji="1" lang="zh-CN" altLang="en-US" dirty="0"/>
+          </a:p>
+        </p:txBody>
+      </p:sp>
+      <p:sp>
+        <p:nvSpPr>
+          <p:cNvPr id="12" name="文本框 11"/>
+          <p:cNvSpPr txBox="1"/>
+          <p:nvPr/>
+        </p:nvSpPr>
+        <p:spPr>
+          <a:xfrm>
+            <a:off x="2937541" y="1240401"/>
+            <a:ext cx="1107996" cy="369332"/>
+          </a:xfrm>
+          <a:prstGeom prst="rect">
+            <a:avLst/>
+          </a:prstGeom>
+          <a:noFill/>
+        </p:spPr>
+        <p:txBody>
+          <a:bodyPr wrap="none" rtlCol="0">
+            <a:spAutoFit/>
+          </a:bodyPr>
+          <a:lstStyle/>
+          <a:p>
+            <a:r>
+              <a:rPr kumimoji="1" lang="en-US" altLang="zh-CN" dirty="0" smtClean="0"/>
+              <a:t>VPN</a:t>
+            </a:r>
+            <a:r>
+              <a:rPr kumimoji="1" lang="zh-CN" altLang="en-US" dirty="0" smtClean="0"/>
+              <a:t>网关</a:t>
+            </a:r>
+            <a:endParaRPr kumimoji="1" lang="zh-CN" altLang="en-US" dirty="0"/>
+          </a:p>
+        </p:txBody>
+      </p:sp>
+      <p:sp>
+        <p:nvSpPr>
+          <p:cNvPr id="13" name="文本框 12"/>
+          <p:cNvSpPr txBox="1"/>
+          <p:nvPr/>
+        </p:nvSpPr>
+        <p:spPr>
+          <a:xfrm>
+            <a:off x="2937541" y="1697323"/>
+            <a:ext cx="1338828" cy="369332"/>
+          </a:xfrm>
+          <a:prstGeom prst="rect">
+            <a:avLst/>
+          </a:prstGeom>
+          <a:noFill/>
+        </p:spPr>
+        <p:txBody>
+          <a:bodyPr wrap="none" rtlCol="0">
+            <a:spAutoFit/>
+          </a:bodyPr>
+          <a:lstStyle/>
+          <a:p>
+            <a:r>
+              <a:rPr kumimoji="1" lang="zh-CN" altLang="en-US" dirty="0" smtClean="0"/>
+              <a:t>什么是</a:t>
+            </a:r>
+            <a:r>
+              <a:rPr kumimoji="1" lang="en-US" altLang="zh-CN" dirty="0" smtClean="0"/>
+              <a:t>VPN</a:t>
+            </a:r>
+            <a:endParaRPr kumimoji="1" lang="zh-CN" altLang="en-US" dirty="0"/>
+          </a:p>
+        </p:txBody>
+      </p:sp>
+      <p:sp>
+        <p:nvSpPr>
+          <p:cNvPr id="14" name="文本框 13"/>
+          <p:cNvSpPr txBox="1"/>
+          <p:nvPr/>
+        </p:nvSpPr>
+        <p:spPr>
+          <a:xfrm>
+            <a:off x="2937541" y="2154245"/>
+            <a:ext cx="646331" cy="369332"/>
+          </a:xfrm>
+          <a:prstGeom prst="rect">
+            <a:avLst/>
+          </a:prstGeom>
+          <a:noFill/>
+        </p:spPr>
+        <p:txBody>
+          <a:bodyPr wrap="none" rtlCol="0">
+            <a:spAutoFit/>
+          </a:bodyPr>
+          <a:lstStyle/>
+          <a:p>
+            <a:r>
+              <a:rPr kumimoji="1" lang="en-US" altLang="zh-CN" dirty="0" smtClean="0"/>
+              <a:t>VPN</a:t>
+            </a:r>
+            <a:endParaRPr kumimoji="1" lang="zh-CN" altLang="en-US" dirty="0"/>
+          </a:p>
+        </p:txBody>
+      </p:sp>
+      <p:cxnSp>
+        <p:nvCxnSpPr>
+          <p:cNvPr id="18" name="直线连接符 17"/>
+          <p:cNvCxnSpPr>
+            <a:stCxn id="20" idx="3"/>
+          </p:cNvCxnSpPr>
+          <p:nvPr/>
+        </p:nvCxnSpPr>
+        <p:spPr>
+          <a:xfrm flipV="1">
+            <a:off x="2822589" y="1425067"/>
+            <a:ext cx="114952" cy="456922"/>
+          </a:xfrm>
+          <a:prstGeom prst="line">
+            <a:avLst/>
+          </a:prstGeom>
+          <a:ln>
+            <a:solidFill>
+              <a:schemeClr val="tx1"/>
+            </a:solidFill>
+          </a:ln>
+          <a:effectLst>
+            <a:outerShdw blurRad="38100" dist="30000" dir="5400000" rotWithShape="0">
+              <a:srgbClr val="000000">
+                <a:alpha val="0"/>
+              </a:srgbClr>
+            </a:outerShdw>
+          </a:effectLst>
+        </p:spPr>
+        <p:style>
+          <a:lnRef idx="2">
+            <a:schemeClr val="accent1"/>
+          </a:lnRef>
+          <a:fillRef idx="0">
+            <a:schemeClr val="accent1"/>
+          </a:fillRef>
+          <a:effectRef idx="1">
+            <a:schemeClr val="accent1"/>
+          </a:effectRef>
+          <a:fontRef idx="minor">
+            <a:schemeClr val="tx1"/>
+          </a:fontRef>
+        </p:style>
+      </p:cxnSp>
+      <p:cxnSp>
+        <p:nvCxnSpPr>
+          <p:cNvPr id="19" name="直线连接符 18"/>
+          <p:cNvCxnSpPr>
+            <a:stCxn id="20" idx="3"/>
+          </p:cNvCxnSpPr>
+          <p:nvPr/>
+        </p:nvCxnSpPr>
+        <p:spPr>
+          <a:xfrm>
+            <a:off x="2822589" y="1881989"/>
+            <a:ext cx="114952" cy="0"/>
+          </a:xfrm>
+          <a:prstGeom prst="line">
+            <a:avLst/>
+          </a:prstGeom>
+          <a:ln>
+            <a:solidFill>
+              <a:schemeClr val="tx1"/>
+            </a:solidFill>
+          </a:ln>
+          <a:effectLst>
+            <a:outerShdw blurRad="38100" dist="30000" dir="5400000" rotWithShape="0">
+              <a:srgbClr val="000000">
+                <a:alpha val="0"/>
+              </a:srgbClr>
+            </a:outerShdw>
+          </a:effectLst>
+        </p:spPr>
+        <p:style>
+          <a:lnRef idx="2">
+            <a:schemeClr val="accent1"/>
+          </a:lnRef>
+          <a:fillRef idx="0">
+            <a:schemeClr val="accent1"/>
+          </a:fillRef>
+          <a:effectRef idx="1">
+            <a:schemeClr val="accent1"/>
+          </a:effectRef>
+          <a:fontRef idx="minor">
+            <a:schemeClr val="tx1"/>
+          </a:fontRef>
+        </p:style>
+      </p:cxnSp>
+      <p:cxnSp>
+        <p:nvCxnSpPr>
+          <p:cNvPr id="20" name="直线连接符 19"/>
+          <p:cNvCxnSpPr>
+            <a:stCxn id="20" idx="3"/>
+          </p:cNvCxnSpPr>
+          <p:nvPr/>
+        </p:nvCxnSpPr>
+        <p:spPr>
+          <a:xfrm>
+            <a:off x="2822589" y="1881989"/>
+            <a:ext cx="114952" cy="456922"/>
+          </a:xfrm>
+          <a:prstGeom prst="line">
+            <a:avLst/>
+          </a:prstGeom>
+          <a:ln>
+            <a:solidFill>
+              <a:schemeClr val="tx1"/>
+            </a:solidFill>
+          </a:ln>
+          <a:effectLst>
+            <a:outerShdw blurRad="38100" dist="30000" dir="5400000" rotWithShape="0">
+              <a:srgbClr val="000000">
+                <a:alpha val="0"/>
+              </a:srgbClr>
+            </a:outerShdw>
+          </a:effectLst>
+        </p:spPr>
+        <p:style>
+          <a:lnRef idx="2">
+            <a:schemeClr val="accent1"/>
+          </a:lnRef>
+          <a:fillRef idx="0">
+            <a:schemeClr val="accent1"/>
+          </a:fillRef>
+          <a:effectRef idx="1">
+            <a:schemeClr val="accent1"/>
+          </a:effectRef>
+          <a:fontRef idx="minor">
+            <a:schemeClr val="tx1"/>
+          </a:fontRef>
+        </p:style>
+      </p:cxnSp>
+      <p:sp>
+        <p:nvSpPr>
+          <p:cNvPr id="25" name="矩形 24"/>
+          <p:cNvSpPr/>
+          <p:nvPr/>
+        </p:nvSpPr>
+        <p:spPr>
+          <a:xfrm>
+            <a:off x="502723" y="1192528"/>
+            <a:ext cx="3944341" cy="1331050"/>
+          </a:xfrm>
+          <a:prstGeom prst="rect">
+            <a:avLst/>
+          </a:prstGeom>
+          <a:noFill/>
+          <a:ln>
+            <a:solidFill>
+              <a:schemeClr val="tx1"/>
+            </a:solidFill>
+            <a:prstDash val="dash"/>
+          </a:ln>
+          <a:effectLst>
+            <a:outerShdw blurRad="38100" dist="30000" dir="5400000" rotWithShape="0">
+              <a:srgbClr val="000000">
+                <a:alpha val="0"/>
+              </a:srgbClr>
+            </a:outerShdw>
+          </a:effectLst>
+        </p:spPr>
+        <p:style>
+          <a:lnRef idx="1">
+            <a:schemeClr val="accent1"/>
+          </a:lnRef>
+          <a:fillRef idx="3">
+            <a:schemeClr val="accent1"/>
+          </a:fillRef>
+          <a:effectRef idx="2">
+            <a:schemeClr val="accent1"/>
+          </a:effectRef>
+          <a:fontRef idx="minor">
+            <a:schemeClr val="lt1"/>
+          </a:fontRef>
+        </p:style>
+        <p:txBody>
+          <a:bodyPr rtlCol="0" anchor="ctr"/>
+          <a:lstStyle/>
+          <a:p>
+            <a:pPr algn="ctr"/>
+            <a:endParaRPr kumimoji="1" lang="zh-CN" altLang="en-US"/>
+          </a:p>
+        </p:txBody>
+      </p:sp>
+      <p:sp>
+        <p:nvSpPr>
+          <p:cNvPr id="27" name="文本框 26"/>
+          <p:cNvSpPr txBox="1"/>
+          <p:nvPr/>
+        </p:nvSpPr>
+        <p:spPr>
+          <a:xfrm>
+            <a:off x="502723" y="3131582"/>
+            <a:ext cx="1107996" cy="369332"/>
+          </a:xfrm>
+          <a:prstGeom prst="rect">
+            <a:avLst/>
+          </a:prstGeom>
+          <a:noFill/>
+        </p:spPr>
+        <p:txBody>
+          <a:bodyPr wrap="none" rtlCol="0">
+            <a:spAutoFit/>
+          </a:bodyPr>
+          <a:lstStyle/>
+          <a:p>
+            <a:r>
+              <a:rPr kumimoji="1" lang="en-US" altLang="zh-CN" dirty="0" smtClean="0"/>
+              <a:t>VPN</a:t>
+            </a:r>
+            <a:r>
+              <a:rPr kumimoji="1" lang="zh-CN" altLang="en-US" dirty="0" smtClean="0"/>
+              <a:t>网关</a:t>
+            </a:r>
+            <a:endParaRPr kumimoji="1" lang="zh-CN" altLang="en-US" dirty="0"/>
+          </a:p>
+        </p:txBody>
+      </p:sp>
+      <p:cxnSp>
+        <p:nvCxnSpPr>
+          <p:cNvPr id="29" name="直线箭头连接符 28"/>
+          <p:cNvCxnSpPr>
+            <a:stCxn id="27" idx="2"/>
+            <a:endCxn id="30" idx="0"/>
+          </p:cNvCxnSpPr>
+          <p:nvPr/>
+        </p:nvCxnSpPr>
+        <p:spPr>
+          <a:xfrm>
+            <a:off x="1056721" y="3500914"/>
+            <a:ext cx="14168" cy="996524"/>
+          </a:xfrm>
+          <a:prstGeom prst="straightConnector1">
+            <a:avLst/>
+          </a:prstGeom>
+          <a:ln>
+            <a:solidFill>
+              <a:schemeClr val="tx1"/>
+            </a:solidFill>
+            <a:tailEnd type="triangle"/>
+          </a:ln>
+          <a:effectLst>
+            <a:outerShdw blurRad="38100" dist="30000" dir="5400000" rotWithShape="0">
+              <a:srgbClr val="000000">
+                <a:alpha val="0"/>
+              </a:srgbClr>
+            </a:outerShdw>
+          </a:effectLst>
+        </p:spPr>
+        <p:style>
+          <a:lnRef idx="2">
+            <a:schemeClr val="accent1"/>
+          </a:lnRef>
+          <a:fillRef idx="0">
+            <a:schemeClr val="accent1"/>
+          </a:fillRef>
+          <a:effectRef idx="1">
+            <a:schemeClr val="accent1"/>
+          </a:effectRef>
+          <a:fontRef idx="minor">
+            <a:schemeClr val="tx1"/>
+          </a:fontRef>
+        </p:style>
+      </p:cxnSp>
+      <p:sp>
+        <p:nvSpPr>
+          <p:cNvPr id="30" name="文本框 29"/>
+          <p:cNvSpPr txBox="1"/>
+          <p:nvPr/>
+        </p:nvSpPr>
+        <p:spPr>
+          <a:xfrm>
+            <a:off x="311707" y="4497438"/>
+            <a:ext cx="1518364" cy="369332"/>
+          </a:xfrm>
+          <a:prstGeom prst="rect">
+            <a:avLst/>
+          </a:prstGeom>
+          <a:noFill/>
+        </p:spPr>
+        <p:txBody>
+          <a:bodyPr wrap="none" rtlCol="0">
+            <a:spAutoFit/>
+          </a:bodyPr>
+          <a:lstStyle/>
+          <a:p>
+            <a:r>
+              <a:rPr kumimoji="1" lang="zh-CN" altLang="en-US" dirty="0" smtClean="0"/>
+              <a:t>预处理</a:t>
+            </a:r>
+            <a:r>
+              <a:rPr kumimoji="1" lang="en-US" altLang="zh-CN" dirty="0" smtClean="0"/>
+              <a:t>&amp;</a:t>
+            </a:r>
+            <a:r>
+              <a:rPr kumimoji="1" lang="zh-CN" altLang="en-US" dirty="0" smtClean="0"/>
+              <a:t>初筛</a:t>
+            </a:r>
+            <a:endParaRPr kumimoji="1" lang="zh-CN" altLang="en-US" dirty="0"/>
+          </a:p>
+        </p:txBody>
+      </p:sp>
+      <p:cxnSp>
+        <p:nvCxnSpPr>
+          <p:cNvPr id="31" name="直线箭头连接符 30"/>
+          <p:cNvCxnSpPr>
+            <a:stCxn id="30" idx="3"/>
+          </p:cNvCxnSpPr>
+          <p:nvPr/>
+        </p:nvCxnSpPr>
+        <p:spPr>
+          <a:xfrm>
+            <a:off x="1830071" y="4682104"/>
+            <a:ext cx="657797" cy="0"/>
+          </a:xfrm>
+          <a:prstGeom prst="straightConnector1">
+            <a:avLst/>
+          </a:prstGeom>
+          <a:ln>
+            <a:solidFill>
+              <a:schemeClr val="tx1"/>
+            </a:solidFill>
+            <a:tailEnd type="triangle"/>
+          </a:ln>
+          <a:effectLst>
+            <a:outerShdw blurRad="38100" dist="30000" dir="5400000" rotWithShape="0">
+              <a:srgbClr val="000000">
+                <a:alpha val="0"/>
+              </a:srgbClr>
+            </a:outerShdw>
+          </a:effectLst>
+        </p:spPr>
+        <p:style>
+          <a:lnRef idx="2">
+            <a:schemeClr val="accent1"/>
+          </a:lnRef>
+          <a:fillRef idx="0">
+            <a:schemeClr val="accent1"/>
+          </a:fillRef>
+          <a:effectRef idx="1">
+            <a:schemeClr val="accent1"/>
+          </a:effectRef>
+          <a:fontRef idx="minor">
+            <a:schemeClr val="tx1"/>
+          </a:fontRef>
+        </p:style>
+      </p:cxnSp>
+      <p:sp>
+        <p:nvSpPr>
+          <p:cNvPr id="33" name="文本框 32"/>
+          <p:cNvSpPr txBox="1"/>
+          <p:nvPr/>
+        </p:nvSpPr>
+        <p:spPr>
+          <a:xfrm>
+            <a:off x="2698386" y="4122823"/>
+            <a:ext cx="1697901" cy="1231106"/>
+          </a:xfrm>
+          <a:prstGeom prst="rect">
+            <a:avLst/>
+          </a:prstGeom>
+          <a:noFill/>
+        </p:spPr>
+        <p:txBody>
+          <a:bodyPr wrap="none" rtlCol="0">
+            <a:spAutoFit/>
+          </a:bodyPr>
+          <a:lstStyle/>
+          <a:p>
+            <a:r>
+              <a:rPr kumimoji="1" lang="en-US" altLang="zh-CN" dirty="0" smtClean="0"/>
+              <a:t>Candidate 1 </a:t>
+            </a:r>
+            <a:r>
+              <a:rPr kumimoji="1" lang="zh-CN" altLang="en-US" dirty="0" smtClean="0"/>
+              <a:t> √</a:t>
+            </a:r>
+            <a:endParaRPr kumimoji="1" lang="en-US" altLang="zh-CN" dirty="0" smtClean="0"/>
+          </a:p>
+          <a:p>
+            <a:r>
+              <a:rPr kumimoji="1" lang="en-US" altLang="zh-CN" dirty="0" smtClean="0"/>
+              <a:t>Candidate 2</a:t>
+            </a:r>
+            <a:r>
+              <a:rPr kumimoji="1" lang="zh-CN" altLang="en-US" dirty="0" smtClean="0"/>
+              <a:t>  </a:t>
+            </a:r>
+            <a:r>
+              <a:rPr kumimoji="1" lang="en-US" altLang="zh-CN" dirty="0" smtClean="0"/>
+              <a:t>×</a:t>
+            </a:r>
+          </a:p>
+          <a:p>
+            <a:r>
+              <a:rPr kumimoji="1" lang="en-US" altLang="zh-CN" dirty="0" smtClean="0"/>
+              <a:t>Candidate 3</a:t>
+            </a:r>
+            <a:r>
+              <a:rPr kumimoji="1" lang="zh-CN" altLang="en-US" dirty="0" smtClean="0"/>
+              <a:t>  </a:t>
+            </a:r>
+            <a:r>
+              <a:rPr kumimoji="1" lang="en-US" altLang="zh-CN" dirty="0" smtClean="0"/>
+              <a:t>×</a:t>
+            </a:r>
+          </a:p>
+          <a:p>
+            <a:r>
+              <a:rPr kumimoji="1" lang="en-US" altLang="zh-CN" dirty="0"/>
+              <a:t> </a:t>
+            </a:r>
+            <a:r>
+              <a:rPr kumimoji="1" lang="en-US" altLang="zh-CN" dirty="0" smtClean="0"/>
+              <a:t>        </a:t>
+            </a:r>
+            <a:r>
+              <a:rPr kumimoji="1" lang="en-US" altLang="zh-CN" sz="2000" b="1" dirty="0" smtClean="0"/>
+              <a:t>⋮</a:t>
+            </a:r>
+          </a:p>
+        </p:txBody>
+      </p:sp>
+      <p:cxnSp>
+        <p:nvCxnSpPr>
+          <p:cNvPr id="44" name="直线箭头连接符 43"/>
+          <p:cNvCxnSpPr/>
+          <p:nvPr/>
+        </p:nvCxnSpPr>
+        <p:spPr>
+          <a:xfrm>
+            <a:off x="4276369" y="4649186"/>
+            <a:ext cx="657797" cy="0"/>
+          </a:xfrm>
+          <a:prstGeom prst="straightConnector1">
+            <a:avLst/>
+          </a:prstGeom>
+          <a:ln>
+            <a:solidFill>
+              <a:schemeClr val="tx1"/>
+            </a:solidFill>
+            <a:tailEnd type="triangle"/>
+          </a:ln>
+          <a:effectLst>
+            <a:outerShdw blurRad="38100" dist="30000" dir="5400000" rotWithShape="0">
+              <a:srgbClr val="000000">
+                <a:alpha val="0"/>
+              </a:srgbClr>
+            </a:outerShdw>
+          </a:effectLst>
+        </p:spPr>
+        <p:style>
+          <a:lnRef idx="2">
+            <a:schemeClr val="accent1"/>
+          </a:lnRef>
+          <a:fillRef idx="0">
+            <a:schemeClr val="accent1"/>
+          </a:fillRef>
+          <a:effectRef idx="1">
+            <a:schemeClr val="accent1"/>
+          </a:effectRef>
+          <a:fontRef idx="minor">
+            <a:schemeClr val="tx1"/>
+          </a:fontRef>
+        </p:style>
+      </p:cxnSp>
+      <p:sp>
+        <p:nvSpPr>
+          <p:cNvPr id="45" name="文本框 44"/>
+          <p:cNvSpPr txBox="1"/>
+          <p:nvPr/>
+        </p:nvSpPr>
+        <p:spPr>
+          <a:xfrm>
+            <a:off x="5092505" y="3601329"/>
+            <a:ext cx="1631852" cy="646331"/>
+          </a:xfrm>
+          <a:prstGeom prst="rect">
+            <a:avLst/>
+          </a:prstGeom>
+          <a:noFill/>
+          <a:ln>
+            <a:solidFill>
+              <a:schemeClr val="tx1"/>
+            </a:solidFill>
+          </a:ln>
+        </p:spPr>
+        <p:txBody>
+          <a:bodyPr wrap="square" rtlCol="0">
+            <a:spAutoFit/>
+          </a:bodyPr>
+          <a:lstStyle/>
+          <a:p>
+            <a:r>
+              <a:rPr kumimoji="1" lang="en-US" altLang="zh-CN" dirty="0" smtClean="0"/>
+              <a:t>Candidate</a:t>
+            </a:r>
+            <a:r>
+              <a:rPr kumimoji="1" lang="zh-CN" altLang="en-US" dirty="0" smtClean="0"/>
+              <a:t> </a:t>
+            </a:r>
+            <a:r>
+              <a:rPr kumimoji="1" lang="en-US" altLang="zh-CN" dirty="0" smtClean="0"/>
+              <a:t>1 </a:t>
+            </a:r>
+            <a:r>
+              <a:rPr kumimoji="1" lang="zh-CN" altLang="en-US" dirty="0" smtClean="0"/>
+              <a:t>√</a:t>
+            </a:r>
+            <a:endParaRPr kumimoji="1" lang="en-US" altLang="zh-CN" dirty="0" smtClean="0"/>
+          </a:p>
+          <a:p>
+            <a:r>
+              <a:rPr kumimoji="1" lang="en-US" altLang="zh-CN" dirty="0"/>
+              <a:t> </a:t>
+            </a:r>
+            <a:r>
+              <a:rPr kumimoji="1" lang="en-US" altLang="zh-CN" dirty="0" smtClean="0"/>
+              <a:t>         </a:t>
+            </a:r>
+            <a:r>
+              <a:rPr kumimoji="1" lang="en-US" altLang="zh-CN" b="1" dirty="0" smtClean="0"/>
+              <a:t>⋮</a:t>
+            </a:r>
+            <a:endParaRPr kumimoji="1" lang="en-US" altLang="zh-CN" b="1" dirty="0"/>
+          </a:p>
+        </p:txBody>
+      </p:sp>
+      <p:sp>
+        <p:nvSpPr>
+          <p:cNvPr id="46" name="文本框 45"/>
+          <p:cNvSpPr txBox="1"/>
+          <p:nvPr/>
+        </p:nvSpPr>
+        <p:spPr>
+          <a:xfrm>
+            <a:off x="5078437" y="4951178"/>
+            <a:ext cx="1631852" cy="923330"/>
+          </a:xfrm>
+          <a:prstGeom prst="rect">
+            <a:avLst/>
+          </a:prstGeom>
+          <a:noFill/>
+          <a:ln>
+            <a:solidFill>
+              <a:schemeClr val="tx1"/>
+            </a:solidFill>
+          </a:ln>
+        </p:spPr>
+        <p:txBody>
+          <a:bodyPr wrap="square" rtlCol="0">
+            <a:spAutoFit/>
+          </a:bodyPr>
+          <a:lstStyle/>
+          <a:p>
+            <a:r>
+              <a:rPr kumimoji="1" lang="en-US" altLang="zh-CN" dirty="0" smtClean="0"/>
+              <a:t>Candidate</a:t>
+            </a:r>
+            <a:r>
+              <a:rPr kumimoji="1" lang="zh-CN" altLang="en-US" dirty="0" smtClean="0"/>
+              <a:t> </a:t>
+            </a:r>
+            <a:r>
+              <a:rPr kumimoji="1" lang="en-US" altLang="zh-CN" dirty="0" smtClean="0"/>
+              <a:t>2 ×</a:t>
+            </a:r>
+          </a:p>
+          <a:p>
+            <a:r>
+              <a:rPr kumimoji="1" lang="en-US" altLang="zh-CN" dirty="0" smtClean="0"/>
+              <a:t>Candidate</a:t>
+            </a:r>
+            <a:r>
+              <a:rPr kumimoji="1" lang="zh-CN" altLang="en-US" dirty="0" smtClean="0"/>
+              <a:t> </a:t>
+            </a:r>
+            <a:r>
+              <a:rPr kumimoji="1" lang="en-US" altLang="zh-CN" dirty="0" smtClean="0"/>
+              <a:t>3</a:t>
+            </a:r>
+            <a:r>
+              <a:rPr kumimoji="1" lang="zh-CN" altLang="en-US" dirty="0" smtClean="0"/>
+              <a:t> </a:t>
+            </a:r>
+            <a:r>
+              <a:rPr kumimoji="1" lang="en-US" altLang="zh-CN" dirty="0" smtClean="0"/>
+              <a:t>×</a:t>
+            </a:r>
+          </a:p>
+          <a:p>
+            <a:r>
+              <a:rPr kumimoji="1" lang="en-US" altLang="zh-CN" dirty="0" smtClean="0"/>
+              <a:t>          </a:t>
+            </a:r>
+            <a:r>
+              <a:rPr kumimoji="1" lang="en-US" altLang="zh-CN" b="1" dirty="0" smtClean="0"/>
+              <a:t>⋮</a:t>
+            </a:r>
+            <a:endParaRPr kumimoji="1" lang="en-US" altLang="zh-CN" dirty="0" smtClean="0"/>
+          </a:p>
+        </p:txBody>
+      </p:sp>
+      <mc:AlternateContent xmlns:mc="http://schemas.openxmlformats.org/markup-compatibility/2006">
+        <mc:Choice xmlns:a14="http://schemas.microsoft.com/office/drawing/2010/main" Requires="a14">
+          <p:sp>
+            <p:nvSpPr>
+              <p:cNvPr id="49" name="文本框 48"/>
+              <p:cNvSpPr txBox="1"/>
+              <p:nvPr/>
+            </p:nvSpPr>
+            <p:spPr>
+              <a:xfrm>
+                <a:off x="5627077" y="4353763"/>
+                <a:ext cx="530915" cy="523220"/>
+              </a:xfrm>
+              <a:prstGeom prst="rect">
+                <a:avLst/>
+              </a:prstGeom>
+              <a:noFill/>
+            </p:spPr>
+            <p:txBody>
+              <a:bodyPr wrap="none" rtlCol="0">
+                <a:spAutoFit/>
+              </a:bodyPr>
+              <a:lstStyle/>
+              <a:p>
+                <a14:m>
+                  <m:oMathPara xmlns:m="http://schemas.openxmlformats.org/officeDocument/2006/math">
+                    <m:oMathParaPr>
+                      <m:jc m:val="centerGroup"/>
+                    </m:oMathParaPr>
+                    <m:oMath xmlns:m="http://schemas.openxmlformats.org/officeDocument/2006/math">
+                      <m:r>
+                        <a:rPr kumimoji="1" lang="en-US" altLang="zh-CN" sz="2800" b="1" i="1" smtClean="0">
+                          <a:latin typeface="Cambria Math" charset="0"/>
+                        </a:rPr>
+                        <m:t>×</m:t>
+                      </m:r>
+                    </m:oMath>
+                  </m:oMathPara>
+                </a14:m>
+                <a:endParaRPr kumimoji="1" lang="zh-CN" altLang="en-US" sz="2800" b="1" dirty="0"/>
+              </a:p>
+            </p:txBody>
+          </p:sp>
+        </mc:Choice>
+        <mc:Fallback>
+          <p:sp>
+            <p:nvSpPr>
+              <p:cNvPr id="49" name="文本框 48"/>
+              <p:cNvSpPr txBox="1">
+                <a:spLocks noRot="1" noChangeAspect="1" noMove="1" noResize="1" noEditPoints="1" noAdjustHandles="1" noChangeArrowheads="1" noChangeShapeType="1" noTextEdit="1"/>
+              </p:cNvSpPr>
+              <p:nvPr/>
+            </p:nvSpPr>
+            <p:spPr>
+              <a:xfrm>
+                <a:off x="5627077" y="4353763"/>
+                <a:ext cx="530915" cy="523220"/>
+              </a:xfrm>
+              <a:prstGeom prst="rect">
+                <a:avLst/>
+              </a:prstGeom>
+              <a:blipFill rotWithShape="0">
+                <a:blip r:embed="rId3"/>
+                <a:stretch>
+                  <a:fillRect/>
+                </a:stretch>
+              </a:blipFill>
+            </p:spPr>
+            <p:txBody>
+              <a:bodyPr/>
+              <a:lstStyle/>
+              <a:p>
+                <a:r>
+                  <a:rPr lang="zh-CN" altLang="en-US">
+                    <a:noFill/>
+                  </a:rPr>
+                  <a:t> </a:t>
+                </a:r>
+              </a:p>
+            </p:txBody>
+          </p:sp>
+        </mc:Fallback>
+      </mc:AlternateContent>
+      <p:cxnSp>
+        <p:nvCxnSpPr>
+          <p:cNvPr id="50" name="直线箭头连接符 49"/>
+          <p:cNvCxnSpPr/>
+          <p:nvPr/>
+        </p:nvCxnSpPr>
+        <p:spPr>
+          <a:xfrm>
+            <a:off x="6894801" y="4682104"/>
+            <a:ext cx="657797" cy="0"/>
+          </a:xfrm>
+          <a:prstGeom prst="straightConnector1">
+            <a:avLst/>
+          </a:prstGeom>
+          <a:ln>
+            <a:solidFill>
+              <a:schemeClr val="tx1"/>
+            </a:solidFill>
+            <a:tailEnd type="triangle"/>
+          </a:ln>
+          <a:effectLst>
+            <a:outerShdw blurRad="38100" dist="30000" dir="5400000" rotWithShape="0">
+              <a:srgbClr val="000000">
+                <a:alpha val="0"/>
+              </a:srgbClr>
+            </a:outerShdw>
+          </a:effectLst>
+        </p:spPr>
+        <p:style>
+          <a:lnRef idx="2">
+            <a:schemeClr val="accent1"/>
+          </a:lnRef>
+          <a:fillRef idx="0">
+            <a:schemeClr val="accent1"/>
+          </a:fillRef>
+          <a:effectRef idx="1">
+            <a:schemeClr val="accent1"/>
+          </a:effectRef>
+          <a:fontRef idx="minor">
+            <a:schemeClr val="tx1"/>
+          </a:fontRef>
+        </p:style>
+      </p:cxnSp>
+      <p:sp>
+        <p:nvSpPr>
+          <p:cNvPr id="51" name="文本框 50"/>
+          <p:cNvSpPr txBox="1"/>
+          <p:nvPr/>
+        </p:nvSpPr>
+        <p:spPr>
+          <a:xfrm>
+            <a:off x="7695028" y="4497438"/>
+            <a:ext cx="894732" cy="369332"/>
+          </a:xfrm>
+          <a:prstGeom prst="rect">
+            <a:avLst/>
+          </a:prstGeom>
+          <a:noFill/>
+        </p:spPr>
+        <p:txBody>
+          <a:bodyPr wrap="none" rtlCol="0">
+            <a:spAutoFit/>
+          </a:bodyPr>
+          <a:lstStyle/>
+          <a:p>
+            <a:r>
+              <a:rPr kumimoji="1" lang="en-US" altLang="zh-CN" dirty="0" smtClean="0"/>
+              <a:t>Triplets</a:t>
+            </a:r>
+            <a:endParaRPr kumimoji="1" lang="zh-CN" altLang="en-US" dirty="0"/>
           </a:p>
         </p:txBody>
       </p:sp>
@@ -13150,6 +13771,20 @@
                   </a:rPr>
                   <a:t>Loss</a:t>
                 </a:r>
+              </a:p>
+              <a:p>
+                <a:pPr lvl="1"/>
+                <a:r>
+                  <a:rPr lang="en-US" altLang="zh-CN" b="1" dirty="0" smtClean="0">
+                    <a:latin typeface="宋体" panose="02010600030101010101" pitchFamily="2" charset="-122"/>
+                    <a:ea typeface="宋体" panose="02010600030101010101" pitchFamily="2" charset="-122"/>
+                  </a:rPr>
+                  <a:t>q=query, p=positive candidate, n=negative candidate</a:t>
+                </a:r>
+                <a:endParaRPr lang="en-US" altLang="zh-CN" b="1" dirty="0" smtClean="0">
+                  <a:latin typeface="宋体" panose="02010600030101010101" pitchFamily="2" charset="-122"/>
+                  <a:ea typeface="宋体" panose="02010600030101010101" pitchFamily="2" charset="-122"/>
+                </a:endParaRPr>
               </a:p>
               <a:p>
                 <a:pPr lvl="1"/>
@@ -13681,7 +14316,7 @@
           <p:cNvPr id="6" name="表格 5">
             <a:extLst>
               <a:ext uri="{FF2B5EF4-FFF2-40B4-BE49-F238E27FC236}">
-                <a16:creationId xmlns="" xmlns:a16="http://schemas.microsoft.com/office/drawing/2014/main" id="{D699D869-F231-4563-94A3-03B14486F76B}"/>
+                <a16:creationId xmlns:a16="http://schemas.microsoft.com/office/drawing/2014/main" xmlns="" id="{D699D869-F231-4563-94A3-03B14486F76B}"/>
               </a:ext>
             </a:extLst>
           </p:cNvPr>
@@ -13710,28 +14345,28 @@
                 <a:gridCol w="1927350">
                   <a:extLst>
                     <a:ext uri="{9D8B030D-6E8A-4147-A177-3AD203B41FA5}">
-                      <a16:colId xmlns="" xmlns:a16="http://schemas.microsoft.com/office/drawing/2014/main" val="323982264"/>
+                      <a16:colId xmlns:a16="http://schemas.microsoft.com/office/drawing/2014/main" xmlns="" val="323982264"/>
                     </a:ext>
                   </a:extLst>
                 </a:gridCol>
                 <a:gridCol w="1472752">
                   <a:extLst>
                     <a:ext uri="{9D8B030D-6E8A-4147-A177-3AD203B41FA5}">
-                      <a16:colId xmlns="" xmlns:a16="http://schemas.microsoft.com/office/drawing/2014/main" val="3244197200"/>
+                      <a16:colId xmlns:a16="http://schemas.microsoft.com/office/drawing/2014/main" xmlns="" val="3244197200"/>
                     </a:ext>
                   </a:extLst>
                 </a:gridCol>
                 <a:gridCol w="1463040">
                   <a:extLst>
                     <a:ext uri="{9D8B030D-6E8A-4147-A177-3AD203B41FA5}">
-                      <a16:colId xmlns="" xmlns:a16="http://schemas.microsoft.com/office/drawing/2014/main" val="1784650501"/>
+                      <a16:colId xmlns:a16="http://schemas.microsoft.com/office/drawing/2014/main" xmlns="" val="1784650501"/>
                     </a:ext>
                   </a:extLst>
                 </a:gridCol>
                 <a:gridCol w="1446135">
                   <a:extLst>
                     <a:ext uri="{9D8B030D-6E8A-4147-A177-3AD203B41FA5}">
-                      <a16:colId xmlns="" xmlns:a16="http://schemas.microsoft.com/office/drawing/2014/main" val="1626703488"/>
+                      <a16:colId xmlns:a16="http://schemas.microsoft.com/office/drawing/2014/main" xmlns="" val="1626703488"/>
                     </a:ext>
                   </a:extLst>
                 </a:gridCol>
@@ -13818,7 +14453,7 @@
                 </a:tc>
                 <a:extLst>
                   <a:ext uri="{0D108BD9-81ED-4DB2-BD59-A6C34878D82A}">
-                    <a16:rowId xmlns="" xmlns:a16="http://schemas.microsoft.com/office/drawing/2014/main" val="2750491912"/>
+                    <a16:rowId xmlns:a16="http://schemas.microsoft.com/office/drawing/2014/main" xmlns="" val="2750491912"/>
                   </a:ext>
                 </a:extLst>
               </a:tr>
@@ -13938,7 +14573,7 @@
                 </a:tc>
                 <a:extLst>
                   <a:ext uri="{0D108BD9-81ED-4DB2-BD59-A6C34878D82A}">
-                    <a16:rowId xmlns="" xmlns:a16="http://schemas.microsoft.com/office/drawing/2014/main" val="2192882660"/>
+                    <a16:rowId xmlns:a16="http://schemas.microsoft.com/office/drawing/2014/main" xmlns="" val="2192882660"/>
                   </a:ext>
                 </a:extLst>
               </a:tr>
@@ -14040,7 +14675,7 @@
                 </a:tc>
                 <a:extLst>
                   <a:ext uri="{0D108BD9-81ED-4DB2-BD59-A6C34878D82A}">
-                    <a16:rowId xmlns="" xmlns:a16="http://schemas.microsoft.com/office/drawing/2014/main" val="4188706716"/>
+                    <a16:rowId xmlns:a16="http://schemas.microsoft.com/office/drawing/2014/main" xmlns="" val="4188706716"/>
                   </a:ext>
                 </a:extLst>
               </a:tr>
@@ -14112,7 +14747,6 @@
               <a:rPr lang="zh-CN" altLang="en-US" dirty="0"/>
               <a:t>对比实验</a:t>
             </a:r>
-            <a:endParaRPr lang="zh-CN" altLang="en-US" dirty="0"/>
           </a:p>
         </p:txBody>
       </p:sp>
@@ -15011,8 +15645,8 @@
             </p:nvSpPr>
             <p:spPr>
               <a:xfrm>
-                <a:off x="4747500" y="4612168"/>
-                <a:ext cx="3144477" cy="523220"/>
+                <a:off x="4558185" y="4584032"/>
+                <a:ext cx="3819725" cy="523220"/>
               </a:xfrm>
               <a:prstGeom prst="rect">
                 <a:avLst/>
@@ -15025,6 +15659,7 @@
               </a:bodyPr>
               <a:lstStyle/>
               <a:p>
+                <a:pPr/>
                 <a14:m>
                   <m:oMathPara xmlns:m="http://schemas.openxmlformats.org/officeDocument/2006/math">
                     <m:oMathParaPr>
@@ -15110,8 +15745,8 @@
             </p:nvSpPr>
             <p:spPr>
               <a:xfrm>
-                <a:off x="4747500" y="4612168"/>
-                <a:ext cx="3144477" cy="523220"/>
+                <a:off x="4558185" y="4584032"/>
+                <a:ext cx="3819725" cy="523220"/>
               </a:xfrm>
               <a:prstGeom prst="rect">
                 <a:avLst/>
@@ -15202,7 +15837,6 @@
               <a:rPr lang="zh-CN" altLang="en-US" dirty="0"/>
               <a:t>对比实验</a:t>
             </a:r>
-            <a:endParaRPr lang="zh-CN" altLang="en-US" dirty="0"/>
           </a:p>
         </p:txBody>
       </p:sp>
@@ -15243,7 +15877,7 @@
         <p:spPr>
           <a:xfrm>
             <a:off x="350323" y="1040128"/>
-            <a:ext cx="8415725" cy="5226560"/>
+            <a:ext cx="8415725" cy="2434592"/>
           </a:xfrm>
         </p:spPr>
         <p:txBody>
@@ -15635,7 +16269,7 @@
           <p:cNvPr id="6" name="表格 5">
             <a:extLst>
               <a:ext uri="{FF2B5EF4-FFF2-40B4-BE49-F238E27FC236}">
-                <a16:creationId xmlns="" xmlns:a16="http://schemas.microsoft.com/office/drawing/2014/main" id="{D699D869-F231-4563-94A3-03B14486F76B}"/>
+                <a16:creationId xmlns:a16="http://schemas.microsoft.com/office/drawing/2014/main" xmlns="" id="{D699D869-F231-4563-94A3-03B14486F76B}"/>
               </a:ext>
             </a:extLst>
           </p:cNvPr>
@@ -15645,7 +16279,7 @@
           <p:nvPr>
             <p:extLst>
               <p:ext uri="{D42A27DB-BD31-4B8C-83A1-F6EECF244321}">
-                <p14:modId xmlns:p14="http://schemas.microsoft.com/office/powerpoint/2010/main" val="742710662"/>
+                <p14:modId xmlns:p14="http://schemas.microsoft.com/office/powerpoint/2010/main" val="906083776"/>
               </p:ext>
             </p:extLst>
           </p:nvPr>
@@ -15664,28 +16298,28 @@
                 <a:gridCol w="1927350">
                   <a:extLst>
                     <a:ext uri="{9D8B030D-6E8A-4147-A177-3AD203B41FA5}">
-                      <a16:colId xmlns="" xmlns:a16="http://schemas.microsoft.com/office/drawing/2014/main" val="323982264"/>
+                      <a16:colId xmlns:a16="http://schemas.microsoft.com/office/drawing/2014/main" xmlns="" val="323982264"/>
                     </a:ext>
                   </a:extLst>
                 </a:gridCol>
                 <a:gridCol w="1227289">
                   <a:extLst>
                     <a:ext uri="{9D8B030D-6E8A-4147-A177-3AD203B41FA5}">
-                      <a16:colId xmlns="" xmlns:a16="http://schemas.microsoft.com/office/drawing/2014/main" val="3244197200"/>
+                      <a16:colId xmlns:a16="http://schemas.microsoft.com/office/drawing/2014/main" xmlns="" val="3244197200"/>
                     </a:ext>
                   </a:extLst>
                 </a:gridCol>
                 <a:gridCol w="1577319">
                   <a:extLst>
                     <a:ext uri="{9D8B030D-6E8A-4147-A177-3AD203B41FA5}">
-                      <a16:colId xmlns="" xmlns:a16="http://schemas.microsoft.com/office/drawing/2014/main" val="1784650501"/>
+                      <a16:colId xmlns:a16="http://schemas.microsoft.com/office/drawing/2014/main" xmlns="" val="1784650501"/>
                     </a:ext>
                   </a:extLst>
                 </a:gridCol>
                 <a:gridCol w="1577319">
                   <a:extLst>
                     <a:ext uri="{9D8B030D-6E8A-4147-A177-3AD203B41FA5}">
-                      <a16:colId xmlns="" xmlns:a16="http://schemas.microsoft.com/office/drawing/2014/main" val="1626703488"/>
+                      <a16:colId xmlns:a16="http://schemas.microsoft.com/office/drawing/2014/main" xmlns="" val="1626703488"/>
                     </a:ext>
                   </a:extLst>
                 </a:gridCol>
@@ -15772,7 +16406,7 @@
                 </a:tc>
                 <a:extLst>
                   <a:ext uri="{0D108BD9-81ED-4DB2-BD59-A6C34878D82A}">
-                    <a16:rowId xmlns="" xmlns:a16="http://schemas.microsoft.com/office/drawing/2014/main" val="2750491912"/>
+                    <a16:rowId xmlns:a16="http://schemas.microsoft.com/office/drawing/2014/main" xmlns="" val="2750491912"/>
                   </a:ext>
                 </a:extLst>
               </a:tr>
@@ -15900,7 +16534,7 @@
                 </a:tc>
                 <a:extLst>
                   <a:ext uri="{0D108BD9-81ED-4DB2-BD59-A6C34878D82A}">
-                    <a16:rowId xmlns="" xmlns:a16="http://schemas.microsoft.com/office/drawing/2014/main" val="2192882660"/>
+                    <a16:rowId xmlns:a16="http://schemas.microsoft.com/office/drawing/2014/main" xmlns="" val="2192882660"/>
                   </a:ext>
                 </a:extLst>
               </a:tr>
@@ -16002,7 +16636,7 @@
                 </a:tc>
                 <a:extLst>
                   <a:ext uri="{0D108BD9-81ED-4DB2-BD59-A6C34878D82A}">
-                    <a16:rowId xmlns="" xmlns:a16="http://schemas.microsoft.com/office/drawing/2014/main" val="4188706716"/>
+                    <a16:rowId xmlns:a16="http://schemas.microsoft.com/office/drawing/2014/main" xmlns="" val="4188706716"/>
                   </a:ext>
                 </a:extLst>
               </a:tr>
@@ -16215,6 +16849,12 @@
                     <a:lstStyle/>
                     <a:p>
                       <a:pPr algn="ctr"/>
+                      <a:r>
+                        <a:rPr lang="sk-SK" dirty="0" smtClean="0">
+                          <a:effectLst/>
+                        </a:rPr>
+                        <a:t>81.65</a:t>
+                      </a:r>
                       <a:endParaRPr lang="sk-SK" dirty="0">
                         <a:effectLst/>
                       </a:endParaRPr>
@@ -16234,6 +16874,12 @@
                     <a:lstStyle/>
                     <a:p>
                       <a:pPr algn="ctr"/>
+                      <a:r>
+                        <a:rPr lang="en-US" dirty="0" smtClean="0">
+                          <a:effectLst/>
+                        </a:rPr>
+                        <a:t>94.23</a:t>
+                      </a:r>
                       <a:endParaRPr lang="ru-RU" dirty="0">
                         <a:effectLst/>
                       </a:endParaRPr>
@@ -16253,6 +16899,12 @@
                     <a:lstStyle/>
                     <a:p>
                       <a:pPr algn="ctr"/>
+                      <a:r>
+                        <a:rPr lang="en-US" dirty="0" smtClean="0">
+                          <a:effectLst/>
+                        </a:rPr>
+                        <a:t>96.91</a:t>
+                      </a:r>
                       <a:endParaRPr lang="ru-RU" dirty="0">
                         <a:effectLst/>
                       </a:endParaRPr>
@@ -16271,6 +16923,96 @@
           </a:graphicData>
         </a:graphic>
       </p:graphicFrame>
+      <p:sp>
+        <p:nvSpPr>
+          <p:cNvPr id="9" name="文本框 8"/>
+          <p:cNvSpPr txBox="1"/>
+          <p:nvPr/>
+        </p:nvSpPr>
+        <p:spPr>
+          <a:xfrm>
+            <a:off x="844061" y="4431323"/>
+            <a:ext cx="311304" cy="369332"/>
+          </a:xfrm>
+          <a:prstGeom prst="rect">
+            <a:avLst/>
+          </a:prstGeom>
+          <a:noFill/>
+        </p:spPr>
+        <p:txBody>
+          <a:bodyPr wrap="none" rtlCol="0">
+            <a:spAutoFit/>
+          </a:bodyPr>
+          <a:lstStyle/>
+          <a:p>
+            <a:r>
+              <a:rPr kumimoji="1" lang="zh-CN" altLang="en-US" dirty="0" smtClean="0"/>
+              <a:t>√</a:t>
+            </a:r>
+            <a:endParaRPr kumimoji="1" lang="zh-CN" altLang="en-US" dirty="0"/>
+          </a:p>
+        </p:txBody>
+      </p:sp>
+      <p:sp>
+        <p:nvSpPr>
+          <p:cNvPr id="10" name="文本框 9"/>
+          <p:cNvSpPr txBox="1"/>
+          <p:nvPr/>
+        </p:nvSpPr>
+        <p:spPr>
+          <a:xfrm>
+            <a:off x="845876" y="5516320"/>
+            <a:ext cx="311304" cy="369332"/>
+          </a:xfrm>
+          <a:prstGeom prst="rect">
+            <a:avLst/>
+          </a:prstGeom>
+          <a:noFill/>
+        </p:spPr>
+        <p:txBody>
+          <a:bodyPr wrap="none" rtlCol="0">
+            <a:spAutoFit/>
+          </a:bodyPr>
+          <a:lstStyle/>
+          <a:p>
+            <a:r>
+              <a:rPr kumimoji="1" lang="zh-CN" altLang="en-US" dirty="0" smtClean="0"/>
+              <a:t>√</a:t>
+            </a:r>
+            <a:endParaRPr kumimoji="1" lang="zh-CN" altLang="en-US" dirty="0"/>
+          </a:p>
+        </p:txBody>
+      </p:sp>
+      <p:sp>
+        <p:nvSpPr>
+          <p:cNvPr id="11" name="文本框 10"/>
+          <p:cNvSpPr txBox="1"/>
+          <p:nvPr/>
+        </p:nvSpPr>
+        <p:spPr>
+          <a:xfrm>
+            <a:off x="841715" y="5835748"/>
+            <a:ext cx="311304" cy="369332"/>
+          </a:xfrm>
+          <a:prstGeom prst="rect">
+            <a:avLst/>
+          </a:prstGeom>
+          <a:noFill/>
+        </p:spPr>
+        <p:txBody>
+          <a:bodyPr wrap="none" rtlCol="0">
+            <a:spAutoFit/>
+          </a:bodyPr>
+          <a:lstStyle/>
+          <a:p>
+            <a:r>
+              <a:rPr kumimoji="1" lang="zh-CN" altLang="en-US" dirty="0" smtClean="0"/>
+              <a:t>√</a:t>
+            </a:r>
+            <a:endParaRPr kumimoji="1" lang="zh-CN" altLang="en-US" dirty="0"/>
+          </a:p>
+        </p:txBody>
+      </p:sp>
     </p:spTree>
     <p:extLst>
       <p:ext uri="{BB962C8B-B14F-4D97-AF65-F5344CB8AC3E}">
@@ -16335,7 +17077,6 @@
               <a:rPr lang="zh-CN" altLang="en-US" dirty="0"/>
               <a:t>对比实验</a:t>
             </a:r>
-            <a:endParaRPr lang="zh-CN" altLang="en-US" dirty="0"/>
           </a:p>
         </p:txBody>
       </p:sp>
@@ -16743,7 +17484,7 @@
           <p:cNvPr id="7" name="表格 6">
             <a:extLst>
               <a:ext uri="{FF2B5EF4-FFF2-40B4-BE49-F238E27FC236}">
-                <a16:creationId xmlns="" xmlns:a16="http://schemas.microsoft.com/office/drawing/2014/main" id="{D699D869-F231-4563-94A3-03B14486F76B}"/>
+                <a16:creationId xmlns:a16="http://schemas.microsoft.com/office/drawing/2014/main" xmlns="" id="{D699D869-F231-4563-94A3-03B14486F76B}"/>
               </a:ext>
             </a:extLst>
           </p:cNvPr>
@@ -16772,28 +17513,28 @@
                 <a:gridCol w="1927350">
                   <a:extLst>
                     <a:ext uri="{9D8B030D-6E8A-4147-A177-3AD203B41FA5}">
-                      <a16:colId xmlns="" xmlns:a16="http://schemas.microsoft.com/office/drawing/2014/main" val="323982264"/>
+                      <a16:colId xmlns:a16="http://schemas.microsoft.com/office/drawing/2014/main" xmlns="" val="323982264"/>
                     </a:ext>
                   </a:extLst>
                 </a:gridCol>
                 <a:gridCol w="1227289">
                   <a:extLst>
                     <a:ext uri="{9D8B030D-6E8A-4147-A177-3AD203B41FA5}">
-                      <a16:colId xmlns="" xmlns:a16="http://schemas.microsoft.com/office/drawing/2014/main" val="3244197200"/>
+                      <a16:colId xmlns:a16="http://schemas.microsoft.com/office/drawing/2014/main" xmlns="" val="3244197200"/>
                     </a:ext>
                   </a:extLst>
                 </a:gridCol>
                 <a:gridCol w="1577319">
                   <a:extLst>
                     <a:ext uri="{9D8B030D-6E8A-4147-A177-3AD203B41FA5}">
-                      <a16:colId xmlns="" xmlns:a16="http://schemas.microsoft.com/office/drawing/2014/main" val="1784650501"/>
+                      <a16:colId xmlns:a16="http://schemas.microsoft.com/office/drawing/2014/main" xmlns="" val="1784650501"/>
                     </a:ext>
                   </a:extLst>
                 </a:gridCol>
                 <a:gridCol w="1577319">
                   <a:extLst>
                     <a:ext uri="{9D8B030D-6E8A-4147-A177-3AD203B41FA5}">
-                      <a16:colId xmlns="" xmlns:a16="http://schemas.microsoft.com/office/drawing/2014/main" val="1626703488"/>
+                      <a16:colId xmlns:a16="http://schemas.microsoft.com/office/drawing/2014/main" xmlns="" val="1626703488"/>
                     </a:ext>
                   </a:extLst>
                 </a:gridCol>
@@ -16880,7 +17621,7 @@
                 </a:tc>
                 <a:extLst>
                   <a:ext uri="{0D108BD9-81ED-4DB2-BD59-A6C34878D82A}">
-                    <a16:rowId xmlns="" xmlns:a16="http://schemas.microsoft.com/office/drawing/2014/main" val="2750491912"/>
+                    <a16:rowId xmlns:a16="http://schemas.microsoft.com/office/drawing/2014/main" xmlns="" val="2750491912"/>
                   </a:ext>
                 </a:extLst>
               </a:tr>
@@ -17008,7 +17749,7 @@
                 </a:tc>
                 <a:extLst>
                   <a:ext uri="{0D108BD9-81ED-4DB2-BD59-A6C34878D82A}">
-                    <a16:rowId xmlns="" xmlns:a16="http://schemas.microsoft.com/office/drawing/2014/main" val="2192882660"/>
+                    <a16:rowId xmlns:a16="http://schemas.microsoft.com/office/drawing/2014/main" xmlns="" val="2192882660"/>
                   </a:ext>
                 </a:extLst>
               </a:tr>
@@ -17114,7 +17855,7 @@
                 </a:tc>
                 <a:extLst>
                   <a:ext uri="{0D108BD9-81ED-4DB2-BD59-A6C34878D82A}">
-                    <a16:rowId xmlns="" xmlns:a16="http://schemas.microsoft.com/office/drawing/2014/main" val="4188706716"/>
+                    <a16:rowId xmlns:a16="http://schemas.microsoft.com/office/drawing/2014/main" xmlns="" val="4188706716"/>
                   </a:ext>
                 </a:extLst>
               </a:tr>
@@ -17216,7 +17957,7 @@
                 </a:tc>
                 <a:extLst>
                   <a:ext uri="{0D108BD9-81ED-4DB2-BD59-A6C34878D82A}">
-                    <a16:rowId xmlns="" xmlns:a16="http://schemas.microsoft.com/office/drawing/2014/main" val="3727776120"/>
+                    <a16:rowId xmlns:a16="http://schemas.microsoft.com/office/drawing/2014/main" xmlns="" val="3727776120"/>
                   </a:ext>
                 </a:extLst>
               </a:tr>
@@ -17288,7 +18029,6 @@
               <a:rPr lang="zh-CN" altLang="en-US" dirty="0"/>
               <a:t>对比实验</a:t>
             </a:r>
-            <a:endParaRPr lang="zh-CN" altLang="en-US" dirty="0"/>
           </a:p>
         </p:txBody>
       </p:sp>
@@ -17615,7 +18355,7 @@
           <p:cNvPr id="8" name="表格 7">
             <a:extLst>
               <a:ext uri="{FF2B5EF4-FFF2-40B4-BE49-F238E27FC236}">
-                <a16:creationId xmlns="" xmlns:a16="http://schemas.microsoft.com/office/drawing/2014/main" id="{D699D869-F231-4563-94A3-03B14486F76B}"/>
+                <a16:creationId xmlns:a16="http://schemas.microsoft.com/office/drawing/2014/main" xmlns="" id="{D699D869-F231-4563-94A3-03B14486F76B}"/>
               </a:ext>
             </a:extLst>
           </p:cNvPr>
@@ -17644,28 +18384,28 @@
                 <a:gridCol w="1927350">
                   <a:extLst>
                     <a:ext uri="{9D8B030D-6E8A-4147-A177-3AD203B41FA5}">
-                      <a16:colId xmlns="" xmlns:a16="http://schemas.microsoft.com/office/drawing/2014/main" val="323982264"/>
+                      <a16:colId xmlns:a16="http://schemas.microsoft.com/office/drawing/2014/main" xmlns="" val="323982264"/>
                     </a:ext>
                   </a:extLst>
                 </a:gridCol>
                 <a:gridCol w="1227289">
                   <a:extLst>
                     <a:ext uri="{9D8B030D-6E8A-4147-A177-3AD203B41FA5}">
-                      <a16:colId xmlns="" xmlns:a16="http://schemas.microsoft.com/office/drawing/2014/main" val="3244197200"/>
+                      <a16:colId xmlns:a16="http://schemas.microsoft.com/office/drawing/2014/main" xmlns="" val="3244197200"/>
                     </a:ext>
                   </a:extLst>
                 </a:gridCol>
                 <a:gridCol w="1577319">
                   <a:extLst>
                     <a:ext uri="{9D8B030D-6E8A-4147-A177-3AD203B41FA5}">
-                      <a16:colId xmlns="" xmlns:a16="http://schemas.microsoft.com/office/drawing/2014/main" val="1784650501"/>
+                      <a16:colId xmlns:a16="http://schemas.microsoft.com/office/drawing/2014/main" xmlns="" val="1784650501"/>
                     </a:ext>
                   </a:extLst>
                 </a:gridCol>
                 <a:gridCol w="1577319">
                   <a:extLst>
                     <a:ext uri="{9D8B030D-6E8A-4147-A177-3AD203B41FA5}">
-                      <a16:colId xmlns="" xmlns:a16="http://schemas.microsoft.com/office/drawing/2014/main" val="1626703488"/>
+                      <a16:colId xmlns:a16="http://schemas.microsoft.com/office/drawing/2014/main" xmlns="" val="1626703488"/>
                     </a:ext>
                   </a:extLst>
                 </a:gridCol>
@@ -17752,7 +18492,7 @@
                 </a:tc>
                 <a:extLst>
                   <a:ext uri="{0D108BD9-81ED-4DB2-BD59-A6C34878D82A}">
-                    <a16:rowId xmlns="" xmlns:a16="http://schemas.microsoft.com/office/drawing/2014/main" val="2750491912"/>
+                    <a16:rowId xmlns:a16="http://schemas.microsoft.com/office/drawing/2014/main" xmlns="" val="2750491912"/>
                   </a:ext>
                 </a:extLst>
               </a:tr>
@@ -17880,7 +18620,7 @@
                 </a:tc>
                 <a:extLst>
                   <a:ext uri="{0D108BD9-81ED-4DB2-BD59-A6C34878D82A}">
-                    <a16:rowId xmlns="" xmlns:a16="http://schemas.microsoft.com/office/drawing/2014/main" val="2192882660"/>
+                    <a16:rowId xmlns:a16="http://schemas.microsoft.com/office/drawing/2014/main" xmlns="" val="2192882660"/>
                   </a:ext>
                 </a:extLst>
               </a:tr>
@@ -17986,7 +18726,7 @@
                 </a:tc>
                 <a:extLst>
                   <a:ext uri="{0D108BD9-81ED-4DB2-BD59-A6C34878D82A}">
-                    <a16:rowId xmlns="" xmlns:a16="http://schemas.microsoft.com/office/drawing/2014/main" val="4188706716"/>
+                    <a16:rowId xmlns:a16="http://schemas.microsoft.com/office/drawing/2014/main" xmlns="" val="4188706716"/>
                   </a:ext>
                 </a:extLst>
               </a:tr>
@@ -18058,7 +18798,6 @@
               <a:rPr lang="zh-CN" altLang="en-US" dirty="0"/>
               <a:t>对比实验</a:t>
             </a:r>
-            <a:endParaRPr lang="zh-CN" altLang="en-US" dirty="0"/>
           </a:p>
         </p:txBody>
       </p:sp>
@@ -18395,7 +19134,7 @@
           <p:cNvPr id="7" name="表格 6">
             <a:extLst>
               <a:ext uri="{FF2B5EF4-FFF2-40B4-BE49-F238E27FC236}">
-                <a16:creationId xmlns="" xmlns:a16="http://schemas.microsoft.com/office/drawing/2014/main" id="{D699D869-F231-4563-94A3-03B14486F76B}"/>
+                <a16:creationId xmlns:a16="http://schemas.microsoft.com/office/drawing/2014/main" xmlns="" id="{D699D869-F231-4563-94A3-03B14486F76B}"/>
               </a:ext>
             </a:extLst>
           </p:cNvPr>
@@ -18424,28 +19163,28 @@
                 <a:gridCol w="1927350">
                   <a:extLst>
                     <a:ext uri="{9D8B030D-6E8A-4147-A177-3AD203B41FA5}">
-                      <a16:colId xmlns="" xmlns:a16="http://schemas.microsoft.com/office/drawing/2014/main" val="323982264"/>
+                      <a16:colId xmlns:a16="http://schemas.microsoft.com/office/drawing/2014/main" xmlns="" val="323982264"/>
                     </a:ext>
                   </a:extLst>
                 </a:gridCol>
                 <a:gridCol w="1227289">
                   <a:extLst>
                     <a:ext uri="{9D8B030D-6E8A-4147-A177-3AD203B41FA5}">
-                      <a16:colId xmlns="" xmlns:a16="http://schemas.microsoft.com/office/drawing/2014/main" val="3244197200"/>
+                      <a16:colId xmlns:a16="http://schemas.microsoft.com/office/drawing/2014/main" xmlns="" val="3244197200"/>
                     </a:ext>
                   </a:extLst>
                 </a:gridCol>
                 <a:gridCol w="1577319">
                   <a:extLst>
                     <a:ext uri="{9D8B030D-6E8A-4147-A177-3AD203B41FA5}">
-                      <a16:colId xmlns="" xmlns:a16="http://schemas.microsoft.com/office/drawing/2014/main" val="1784650501"/>
+                      <a16:colId xmlns:a16="http://schemas.microsoft.com/office/drawing/2014/main" xmlns="" val="1784650501"/>
                     </a:ext>
                   </a:extLst>
                 </a:gridCol>
                 <a:gridCol w="1577319">
                   <a:extLst>
                     <a:ext uri="{9D8B030D-6E8A-4147-A177-3AD203B41FA5}">
-                      <a16:colId xmlns="" xmlns:a16="http://schemas.microsoft.com/office/drawing/2014/main" val="1626703488"/>
+                      <a16:colId xmlns:a16="http://schemas.microsoft.com/office/drawing/2014/main" xmlns="" val="1626703488"/>
                     </a:ext>
                   </a:extLst>
                 </a:gridCol>
@@ -18532,7 +19271,7 @@
                 </a:tc>
                 <a:extLst>
                   <a:ext uri="{0D108BD9-81ED-4DB2-BD59-A6C34878D82A}">
-                    <a16:rowId xmlns="" xmlns:a16="http://schemas.microsoft.com/office/drawing/2014/main" val="2750491912"/>
+                    <a16:rowId xmlns:a16="http://schemas.microsoft.com/office/drawing/2014/main" xmlns="" val="2750491912"/>
                   </a:ext>
                 </a:extLst>
               </a:tr>
@@ -18660,7 +19399,7 @@
                 </a:tc>
                 <a:extLst>
                   <a:ext uri="{0D108BD9-81ED-4DB2-BD59-A6C34878D82A}">
-                    <a16:rowId xmlns="" xmlns:a16="http://schemas.microsoft.com/office/drawing/2014/main" val="2192882660"/>
+                    <a16:rowId xmlns:a16="http://schemas.microsoft.com/office/drawing/2014/main" xmlns="" val="2192882660"/>
                   </a:ext>
                 </a:extLst>
               </a:tr>
@@ -18762,7 +19501,7 @@
                 </a:tc>
                 <a:extLst>
                   <a:ext uri="{0D108BD9-81ED-4DB2-BD59-A6C34878D82A}">
-                    <a16:rowId xmlns="" xmlns:a16="http://schemas.microsoft.com/office/drawing/2014/main" val="4188706716"/>
+                    <a16:rowId xmlns:a16="http://schemas.microsoft.com/office/drawing/2014/main" xmlns="" val="4188706716"/>
                   </a:ext>
                 </a:extLst>
               </a:tr>
@@ -18834,7 +19573,6 @@
               <a:rPr lang="zh-CN" altLang="en-US" dirty="0"/>
               <a:t>对比实验</a:t>
             </a:r>
-            <a:endParaRPr lang="zh-CN" altLang="en-US" dirty="0"/>
           </a:p>
         </p:txBody>
       </p:sp>
@@ -19179,7 +19917,7 @@
           <p:cNvPr id="8" name="表格 7">
             <a:extLst>
               <a:ext uri="{FF2B5EF4-FFF2-40B4-BE49-F238E27FC236}">
-                <a16:creationId xmlns="" xmlns:a16="http://schemas.microsoft.com/office/drawing/2014/main" id="{D699D869-F231-4563-94A3-03B14486F76B}"/>
+                <a16:creationId xmlns:a16="http://schemas.microsoft.com/office/drawing/2014/main" xmlns="" id="{D699D869-F231-4563-94A3-03B14486F76B}"/>
               </a:ext>
             </a:extLst>
           </p:cNvPr>
@@ -19208,28 +19946,28 @@
                 <a:gridCol w="1927350">
                   <a:extLst>
                     <a:ext uri="{9D8B030D-6E8A-4147-A177-3AD203B41FA5}">
-                      <a16:colId xmlns="" xmlns:a16="http://schemas.microsoft.com/office/drawing/2014/main" val="323982264"/>
+                      <a16:colId xmlns:a16="http://schemas.microsoft.com/office/drawing/2014/main" xmlns="" val="323982264"/>
                     </a:ext>
                   </a:extLst>
                 </a:gridCol>
                 <a:gridCol w="1227289">
                   <a:extLst>
                     <a:ext uri="{9D8B030D-6E8A-4147-A177-3AD203B41FA5}">
-                      <a16:colId xmlns="" xmlns:a16="http://schemas.microsoft.com/office/drawing/2014/main" val="3244197200"/>
+                      <a16:colId xmlns:a16="http://schemas.microsoft.com/office/drawing/2014/main" xmlns="" val="3244197200"/>
                     </a:ext>
                   </a:extLst>
                 </a:gridCol>
                 <a:gridCol w="1577319">
                   <a:extLst>
                     <a:ext uri="{9D8B030D-6E8A-4147-A177-3AD203B41FA5}">
-                      <a16:colId xmlns="" xmlns:a16="http://schemas.microsoft.com/office/drawing/2014/main" val="1784650501"/>
+                      <a16:colId xmlns:a16="http://schemas.microsoft.com/office/drawing/2014/main" xmlns="" val="1784650501"/>
                     </a:ext>
                   </a:extLst>
                 </a:gridCol>
                 <a:gridCol w="1577319">
                   <a:extLst>
                     <a:ext uri="{9D8B030D-6E8A-4147-A177-3AD203B41FA5}">
-                      <a16:colId xmlns="" xmlns:a16="http://schemas.microsoft.com/office/drawing/2014/main" val="1626703488"/>
+                      <a16:colId xmlns:a16="http://schemas.microsoft.com/office/drawing/2014/main" xmlns="" val="1626703488"/>
                     </a:ext>
                   </a:extLst>
                 </a:gridCol>
@@ -19316,7 +20054,7 @@
                 </a:tc>
                 <a:extLst>
                   <a:ext uri="{0D108BD9-81ED-4DB2-BD59-A6C34878D82A}">
-                    <a16:rowId xmlns="" xmlns:a16="http://schemas.microsoft.com/office/drawing/2014/main" val="2750491912"/>
+                    <a16:rowId xmlns:a16="http://schemas.microsoft.com/office/drawing/2014/main" xmlns="" val="2750491912"/>
                   </a:ext>
                 </a:extLst>
               </a:tr>
@@ -19418,7 +20156,7 @@
                 </a:tc>
                 <a:extLst>
                   <a:ext uri="{0D108BD9-81ED-4DB2-BD59-A6C34878D82A}">
-                    <a16:rowId xmlns="" xmlns:a16="http://schemas.microsoft.com/office/drawing/2014/main" val="2192882660"/>
+                    <a16:rowId xmlns:a16="http://schemas.microsoft.com/office/drawing/2014/main" xmlns="" val="2192882660"/>
                   </a:ext>
                 </a:extLst>
               </a:tr>
@@ -19546,7 +20284,7 @@
                 </a:tc>
                 <a:extLst>
                   <a:ext uri="{0D108BD9-81ED-4DB2-BD59-A6C34878D82A}">
-                    <a16:rowId xmlns="" xmlns:a16="http://schemas.microsoft.com/office/drawing/2014/main" val="4188706716"/>
+                    <a16:rowId xmlns:a16="http://schemas.microsoft.com/office/drawing/2014/main" xmlns="" val="4188706716"/>
                   </a:ext>
                 </a:extLst>
               </a:tr>
@@ -19779,7 +20517,6 @@
               <a:rPr lang="zh-CN" altLang="en-US" dirty="0"/>
               <a:t>对比实验</a:t>
             </a:r>
-            <a:endParaRPr lang="zh-CN" altLang="en-US" dirty="0"/>
           </a:p>
         </p:txBody>
       </p:sp>
@@ -20057,12 +20794,37 @@
           <a:p>
             <a:pPr lvl="1"/>
             <a:r>
+              <a:rPr lang="en-US" altLang="zh-CN" b="1" dirty="0">
+                <a:latin typeface="宋体" panose="02010600030101010101" pitchFamily="2" charset="-122"/>
+                <a:ea typeface="宋体" panose="02010600030101010101" pitchFamily="2" charset="-122"/>
+              </a:rPr>
+              <a:t>M</a:t>
+            </a:r>
+            <a:r>
               <a:rPr lang="en-US" altLang="zh-CN" b="1" dirty="0" smtClean="0">
                 <a:latin typeface="宋体" panose="02010600030101010101" pitchFamily="2" charset="-122"/>
                 <a:ea typeface="宋体" panose="02010600030101010101" pitchFamily="2" charset="-122"/>
               </a:rPr>
-              <a:t>Max Pooling</a:t>
-            </a:r>
+              <a:t>ax </a:t>
+            </a:r>
+            <a:r>
+              <a:rPr lang="en-US" altLang="zh-CN" b="1" dirty="0">
+                <a:latin typeface="宋体" panose="02010600030101010101" pitchFamily="2" charset="-122"/>
+                <a:ea typeface="宋体" panose="02010600030101010101" pitchFamily="2" charset="-122"/>
+              </a:rPr>
+              <a:t>P</a:t>
+            </a:r>
+            <a:r>
+              <a:rPr lang="en-US" altLang="zh-CN" b="1" dirty="0" smtClean="0">
+                <a:latin typeface="宋体" panose="02010600030101010101" pitchFamily="2" charset="-122"/>
+                <a:ea typeface="宋体" panose="02010600030101010101" pitchFamily="2" charset="-122"/>
+              </a:rPr>
+              <a:t>ooling</a:t>
+            </a:r>
+            <a:endParaRPr lang="en-US" altLang="zh-CN" b="1" dirty="0" smtClean="0">
+              <a:latin typeface="宋体" panose="02010600030101010101" pitchFamily="2" charset="-122"/>
+              <a:ea typeface="宋体" panose="02010600030101010101" pitchFamily="2" charset="-122"/>
+            </a:endParaRPr>
           </a:p>
           <a:p>
             <a:pPr lvl="1"/>
@@ -20071,15 +20833,40 @@
                 <a:latin typeface="宋体" panose="02010600030101010101" pitchFamily="2" charset="-122"/>
                 <a:ea typeface="宋体" panose="02010600030101010101" pitchFamily="2" charset="-122"/>
               </a:rPr>
-              <a:t>Avg</a:t>
+              <a:t>A</a:t>
+            </a:r>
+            <a:r>
+              <a:rPr lang="en-US" altLang="zh-CN" b="1" dirty="0" err="1" smtClean="0">
+                <a:latin typeface="宋体" panose="02010600030101010101" pitchFamily="2" charset="-122"/>
+                <a:ea typeface="宋体" panose="02010600030101010101" pitchFamily="2" charset="-122"/>
+              </a:rPr>
+              <a:t>vg</a:t>
             </a:r>
             <a:r>
               <a:rPr lang="en-US" altLang="zh-CN" b="1" dirty="0" smtClean="0">
                 <a:latin typeface="宋体" panose="02010600030101010101" pitchFamily="2" charset="-122"/>
                 <a:ea typeface="宋体" panose="02010600030101010101" pitchFamily="2" charset="-122"/>
               </a:rPr>
-              <a:t> pooling</a:t>
-            </a:r>
+              <a:t> </a:t>
+            </a:r>
+            <a:r>
+              <a:rPr lang="en-US" altLang="zh-CN" b="1" dirty="0">
+                <a:latin typeface="宋体" panose="02010600030101010101" pitchFamily="2" charset="-122"/>
+                <a:ea typeface="宋体" panose="02010600030101010101" pitchFamily="2" charset="-122"/>
+              </a:rPr>
+              <a:t>P</a:t>
+            </a:r>
+            <a:r>
+              <a:rPr lang="en-US" altLang="zh-CN" b="1" dirty="0" smtClean="0">
+                <a:latin typeface="宋体" panose="02010600030101010101" pitchFamily="2" charset="-122"/>
+                <a:ea typeface="宋体" panose="02010600030101010101" pitchFamily="2" charset="-122"/>
+              </a:rPr>
+              <a:t>ooling</a:t>
+            </a:r>
+            <a:endParaRPr lang="en-US" altLang="zh-CN" b="1" dirty="0" smtClean="0">
+              <a:latin typeface="宋体" panose="02010600030101010101" pitchFamily="2" charset="-122"/>
+              <a:ea typeface="宋体" panose="02010600030101010101" pitchFamily="2" charset="-122"/>
+            </a:endParaRPr>
           </a:p>
           <a:p>
             <a:pPr lvl="1"/>
@@ -20088,7 +20875,14 @@
                 <a:latin typeface="宋体" panose="02010600030101010101" pitchFamily="2" charset="-122"/>
                 <a:ea typeface="宋体" panose="02010600030101010101" pitchFamily="2" charset="-122"/>
               </a:rPr>
-              <a:t>Cls</a:t>
+              <a:t>C</a:t>
+            </a:r>
+            <a:r>
+              <a:rPr lang="en-US" altLang="zh-CN" b="1" dirty="0" err="1" smtClean="0">
+                <a:latin typeface="宋体" panose="02010600030101010101" pitchFamily="2" charset="-122"/>
+                <a:ea typeface="宋体" panose="02010600030101010101" pitchFamily="2" charset="-122"/>
+              </a:rPr>
+              <a:t>ls</a:t>
             </a:r>
             <a:endParaRPr lang="en-US" altLang="zh-CN" b="1" dirty="0" smtClean="0">
               <a:latin typeface="宋体" panose="02010600030101010101" pitchFamily="2" charset="-122"/>
@@ -20127,7 +20921,7 @@
           <p:cNvPr id="7" name="表格 6">
             <a:extLst>
               <a:ext uri="{FF2B5EF4-FFF2-40B4-BE49-F238E27FC236}">
-                <a16:creationId xmlns="" xmlns:a16="http://schemas.microsoft.com/office/drawing/2014/main" id="{D699D869-F231-4563-94A3-03B14486F76B}"/>
+                <a16:creationId xmlns:a16="http://schemas.microsoft.com/office/drawing/2014/main" xmlns="" id="{D699D869-F231-4563-94A3-03B14486F76B}"/>
               </a:ext>
             </a:extLst>
           </p:cNvPr>
@@ -20137,7 +20931,7 @@
           <p:nvPr>
             <p:extLst>
               <p:ext uri="{D42A27DB-BD31-4B8C-83A1-F6EECF244321}">
-                <p14:modId xmlns:p14="http://schemas.microsoft.com/office/powerpoint/2010/main" val="1337145587"/>
+                <p14:modId xmlns:p14="http://schemas.microsoft.com/office/powerpoint/2010/main" val="806557518"/>
               </p:ext>
             </p:extLst>
           </p:nvPr>
@@ -20156,28 +20950,28 @@
                 <a:gridCol w="1927350">
                   <a:extLst>
                     <a:ext uri="{9D8B030D-6E8A-4147-A177-3AD203B41FA5}">
-                      <a16:colId xmlns="" xmlns:a16="http://schemas.microsoft.com/office/drawing/2014/main" val="323982264"/>
+                      <a16:colId xmlns:a16="http://schemas.microsoft.com/office/drawing/2014/main" xmlns="" val="323982264"/>
                     </a:ext>
                   </a:extLst>
                 </a:gridCol>
                 <a:gridCol w="1468859">
                   <a:extLst>
                     <a:ext uri="{9D8B030D-6E8A-4147-A177-3AD203B41FA5}">
-                      <a16:colId xmlns="" xmlns:a16="http://schemas.microsoft.com/office/drawing/2014/main" val="3244197200"/>
+                      <a16:colId xmlns:a16="http://schemas.microsoft.com/office/drawing/2014/main" xmlns="" val="3244197200"/>
                     </a:ext>
                   </a:extLst>
                 </a:gridCol>
                 <a:gridCol w="1505244">
                   <a:extLst>
                     <a:ext uri="{9D8B030D-6E8A-4147-A177-3AD203B41FA5}">
-                      <a16:colId xmlns="" xmlns:a16="http://schemas.microsoft.com/office/drawing/2014/main" val="1784650501"/>
+                      <a16:colId xmlns:a16="http://schemas.microsoft.com/office/drawing/2014/main" xmlns="" val="1784650501"/>
                     </a:ext>
                   </a:extLst>
                 </a:gridCol>
                 <a:gridCol w="1407824">
                   <a:extLst>
                     <a:ext uri="{9D8B030D-6E8A-4147-A177-3AD203B41FA5}">
-                      <a16:colId xmlns="" xmlns:a16="http://schemas.microsoft.com/office/drawing/2014/main" val="1626703488"/>
+                      <a16:colId xmlns:a16="http://schemas.microsoft.com/office/drawing/2014/main" xmlns="" val="1626703488"/>
                     </a:ext>
                   </a:extLst>
                 </a:gridCol>
@@ -20264,7 +21058,7 @@
                 </a:tc>
                 <a:extLst>
                   <a:ext uri="{0D108BD9-81ED-4DB2-BD59-A6C34878D82A}">
-                    <a16:rowId xmlns="" xmlns:a16="http://schemas.microsoft.com/office/drawing/2014/main" val="2750491912"/>
+                    <a16:rowId xmlns:a16="http://schemas.microsoft.com/office/drawing/2014/main" xmlns="" val="2750491912"/>
                   </a:ext>
                 </a:extLst>
               </a:tr>
@@ -20295,99 +21089,11 @@
                     <a:lstStyle/>
                     <a:p>
                       <a:pPr algn="ctr"/>
-                      <a:endParaRPr lang="sk-SK" dirty="0">
-                        <a:effectLst/>
-                      </a:endParaRPr>
-                    </a:p>
-                  </a:txBody>
-                  <a:tcPr anchor="ctr">
-                    <a:solidFill>
-                      <a:schemeClr val="bg1">
-                        <a:lumMod val="85000"/>
-                      </a:schemeClr>
-                    </a:solidFill>
-                  </a:tcPr>
-                </a:tc>
-                <a:tc>
-                  <a:txBody>
-                    <a:bodyPr/>
-                    <a:lstStyle/>
-                    <a:p>
-                      <a:pPr algn="ctr"/>
-                      <a:endParaRPr lang="sk-SK" dirty="0">
-                        <a:effectLst/>
-                      </a:endParaRPr>
-                    </a:p>
-                  </a:txBody>
-                  <a:tcPr anchor="ctr">
-                    <a:solidFill>
-                      <a:schemeClr val="bg1">
-                        <a:lumMod val="85000"/>
-                      </a:schemeClr>
-                    </a:solidFill>
-                  </a:tcPr>
-                </a:tc>
-                <a:tc>
-                  <a:txBody>
-                    <a:bodyPr/>
-                    <a:lstStyle/>
-                    <a:p>
-                      <a:pPr algn="ctr"/>
-                      <a:endParaRPr lang="sk-SK" dirty="0">
-                        <a:effectLst/>
-                      </a:endParaRPr>
-                    </a:p>
-                  </a:txBody>
-                  <a:tcPr anchor="ctr">
-                    <a:solidFill>
-                      <a:schemeClr val="bg1">
-                        <a:lumMod val="85000"/>
-                      </a:schemeClr>
-                    </a:solidFill>
-                  </a:tcPr>
-                </a:tc>
-                <a:extLst>
-                  <a:ext uri="{0D108BD9-81ED-4DB2-BD59-A6C34878D82A}">
-                    <a16:rowId xmlns="" xmlns:a16="http://schemas.microsoft.com/office/drawing/2014/main" val="2192882660"/>
-                  </a:ext>
-                </a:extLst>
-              </a:tr>
-              <a:tr h="290054">
-                <a:tc>
-                  <a:txBody>
-                    <a:bodyPr/>
-                    <a:lstStyle/>
-                    <a:p>
-                      <a:r>
-                        <a:rPr lang="en-US" altLang="zh-CN" dirty="0" err="1" smtClean="0"/>
-                        <a:t>avg</a:t>
-                      </a:r>
-                      <a:r>
-                        <a:rPr lang="en-US" altLang="zh-CN" baseline="0" dirty="0" smtClean="0"/>
-                        <a:t> pooling</a:t>
-                      </a:r>
-                      <a:endParaRPr lang="zh-CN" altLang="en-US" dirty="0"/>
-                    </a:p>
-                  </a:txBody>
-                  <a:tcPr>
-                    <a:solidFill>
-                      <a:schemeClr val="bg1">
-                        <a:lumMod val="85000"/>
-                      </a:schemeClr>
-                    </a:solidFill>
-                  </a:tcPr>
-                </a:tc>
-                <a:tc>
-                  <a:txBody>
-                    <a:bodyPr/>
-                    <a:lstStyle/>
-                    <a:p>
-                      <a:pPr algn="ctr"/>
                       <a:r>
                         <a:rPr lang="sk-SK" dirty="0" smtClean="0">
                           <a:effectLst/>
                         </a:rPr>
-                        <a:t>88.04</a:t>
+                        <a:t>87.26</a:t>
                       </a:r>
                       <a:endParaRPr lang="sk-SK" dirty="0">
                         <a:effectLst/>
@@ -20412,7 +21118,7 @@
                         <a:rPr lang="sk-SK" dirty="0" smtClean="0">
                           <a:effectLst/>
                         </a:rPr>
-                        <a:t>95.09</a:t>
+                        <a:t>94.21</a:t>
                       </a:r>
                       <a:endParaRPr lang="sk-SK" dirty="0">
                         <a:effectLst/>
@@ -20437,7 +21143,7 @@
                         <a:rPr lang="sk-SK" dirty="0" smtClean="0">
                           <a:effectLst/>
                         </a:rPr>
-                        <a:t>96.69</a:t>
+                        <a:t>96.11</a:t>
                       </a:r>
                       <a:endParaRPr lang="sk-SK" dirty="0">
                         <a:effectLst/>
@@ -20454,7 +21160,143 @@
                 </a:tc>
                 <a:extLst>
                   <a:ext uri="{0D108BD9-81ED-4DB2-BD59-A6C34878D82A}">
-                    <a16:rowId xmlns="" xmlns:a16="http://schemas.microsoft.com/office/drawing/2014/main" val="4188706716"/>
+                    <a16:rowId xmlns:a16="http://schemas.microsoft.com/office/drawing/2014/main" xmlns="" val="2192882660"/>
+                  </a:ext>
+                </a:extLst>
+              </a:tr>
+              <a:tr h="290054">
+                <a:tc>
+                  <a:txBody>
+                    <a:bodyPr/>
+                    <a:lstStyle/>
+                    <a:p>
+                      <a:r>
+                        <a:rPr lang="en-US" altLang="zh-CN" dirty="0" err="1" smtClean="0">
+                          <a:solidFill>
+                            <a:srgbClr val="FF0000"/>
+                          </a:solidFill>
+                        </a:rPr>
+                        <a:t>avg</a:t>
+                      </a:r>
+                      <a:r>
+                        <a:rPr lang="en-US" altLang="zh-CN" baseline="0" dirty="0" smtClean="0">
+                          <a:solidFill>
+                            <a:srgbClr val="FF0000"/>
+                          </a:solidFill>
+                        </a:rPr>
+                        <a:t> pooling</a:t>
+                      </a:r>
+                      <a:endParaRPr lang="zh-CN" altLang="en-US" dirty="0">
+                        <a:solidFill>
+                          <a:srgbClr val="FF0000"/>
+                        </a:solidFill>
+                      </a:endParaRPr>
+                    </a:p>
+                  </a:txBody>
+                  <a:tcPr>
+                    <a:solidFill>
+                      <a:schemeClr val="bg1">
+                        <a:lumMod val="85000"/>
+                      </a:schemeClr>
+                    </a:solidFill>
+                  </a:tcPr>
+                </a:tc>
+                <a:tc>
+                  <a:txBody>
+                    <a:bodyPr/>
+                    <a:lstStyle/>
+                    <a:p>
+                      <a:pPr algn="ctr"/>
+                      <a:r>
+                        <a:rPr lang="sk-SK" dirty="0" smtClean="0">
+                          <a:solidFill>
+                            <a:srgbClr val="FF0000"/>
+                          </a:solidFill>
+                          <a:effectLst/>
+                        </a:rPr>
+                        <a:t>88.04</a:t>
+                      </a:r>
+                      <a:endParaRPr lang="sk-SK" dirty="0">
+                        <a:solidFill>
+                          <a:srgbClr val="FF0000"/>
+                        </a:solidFill>
+                        <a:effectLst/>
+                      </a:endParaRPr>
+                    </a:p>
+                  </a:txBody>
+                  <a:tcPr anchor="ctr">
+                    <a:solidFill>
+                      <a:schemeClr val="bg1">
+                        <a:lumMod val="85000"/>
+                      </a:schemeClr>
+                    </a:solidFill>
+                  </a:tcPr>
+                </a:tc>
+                <a:tc>
+                  <a:txBody>
+                    <a:bodyPr/>
+                    <a:lstStyle/>
+                    <a:p>
+                      <a:pPr algn="ctr"/>
+                      <a:r>
+                        <a:rPr lang="sk-SK" dirty="0" smtClean="0">
+                          <a:solidFill>
+                            <a:srgbClr val="FF0000"/>
+                          </a:solidFill>
+                          <a:effectLst/>
+                        </a:rPr>
+                        <a:t>95.09</a:t>
+                      </a:r>
+                      <a:endParaRPr lang="sk-SK" dirty="0">
+                        <a:solidFill>
+                          <a:srgbClr val="FF0000"/>
+                        </a:solidFill>
+                        <a:effectLst/>
+                      </a:endParaRPr>
+                    </a:p>
+                  </a:txBody>
+                  <a:tcPr anchor="ctr">
+                    <a:solidFill>
+                      <a:schemeClr val="bg1">
+                        <a:lumMod val="85000"/>
+                      </a:schemeClr>
+                    </a:solidFill>
+                  </a:tcPr>
+                </a:tc>
+                <a:tc>
+                  <a:txBody>
+                    <a:bodyPr/>
+                    <a:lstStyle/>
+                    <a:p>
+                      <a:pPr algn="ctr"/>
+                      <a:r>
+                        <a:rPr lang="sk-SK" dirty="0" smtClean="0">
+                          <a:solidFill>
+                            <a:srgbClr val="FF0000"/>
+                          </a:solidFill>
+                          <a:effectLst/>
+                        </a:rPr>
+                        <a:t>96.69</a:t>
+                      </a:r>
+                      <a:endParaRPr lang="sk-SK" dirty="0">
+                        <a:solidFill>
+                          <a:srgbClr val="FF0000"/>
+                        </a:solidFill>
+                        <a:effectLst/>
+                      </a:endParaRPr>
+                    </a:p>
+                  </a:txBody>
+                  <a:tcPr anchor="ctr">
+                    <a:solidFill>
+                      <a:schemeClr val="bg1">
+                        <a:lumMod val="85000"/>
+                      </a:schemeClr>
+                    </a:solidFill>
+                  </a:tcPr>
+                </a:tc>
+                <a:extLst>
+                  <a:ext uri="{0D108BD9-81ED-4DB2-BD59-A6C34878D82A}">
+                    <a16:rowId xmlns:a16="http://schemas.microsoft.com/office/drawing/2014/main" xmlns="" val="4188706716"/>
                   </a:ext>
                 </a:extLst>
               </a:tr>
@@ -20485,6 +21327,12 @@
                     <a:lstStyle/>
                     <a:p>
                       <a:pPr algn="ctr"/>
+                      <a:r>
+                        <a:rPr lang="sk-SK" dirty="0" smtClean="0">
+                          <a:effectLst/>
+                        </a:rPr>
+                        <a:t>87.81</a:t>
+                      </a:r>
                       <a:endParaRPr lang="sk-SK" dirty="0">
                         <a:effectLst/>
                       </a:endParaRPr>
@@ -20504,6 +21352,12 @@
                     <a:lstStyle/>
                     <a:p>
                       <a:pPr algn="ctr"/>
+                      <a:r>
+                        <a:rPr lang="en-US" dirty="0" smtClean="0">
+                          <a:effectLst/>
+                        </a:rPr>
+                        <a:t>94.45</a:t>
+                      </a:r>
                       <a:endParaRPr lang="ru-RU" dirty="0">
                         <a:effectLst/>
                       </a:endParaRPr>
@@ -20523,6 +21377,12 @@
                     <a:lstStyle/>
                     <a:p>
                       <a:pPr algn="ctr"/>
+                      <a:r>
+                        <a:rPr lang="en-US" dirty="0" smtClean="0">
+                          <a:effectLst/>
+                        </a:rPr>
+                        <a:t>96.26</a:t>
+                      </a:r>
                       <a:endParaRPr lang="ru-RU" dirty="0">
                         <a:effectLst/>
                       </a:endParaRPr>
@@ -20538,7 +21398,7 @@
                 </a:tc>
                 <a:extLst>
                   <a:ext uri="{0D108BD9-81ED-4DB2-BD59-A6C34878D82A}">
-                    <a16:rowId xmlns="" xmlns:a16="http://schemas.microsoft.com/office/drawing/2014/main" val="3727776120"/>
+                    <a16:rowId xmlns:a16="http://schemas.microsoft.com/office/drawing/2014/main" xmlns="" val="3727776120"/>
                   </a:ext>
                 </a:extLst>
               </a:tr>
@@ -20668,7 +21528,27 @@
                 <a:latin typeface="宋体" panose="02010600030101010101" pitchFamily="2" charset="-122"/>
                 <a:ea typeface="宋体" panose="02010600030101010101" pitchFamily="2" charset="-122"/>
               </a:rPr>
-              <a:t>用户输入一个问题，模型从问题库中找出语义最相似的（几个）标准问题</a:t>
+              <a:t>用户输入一个问题，模型</a:t>
+            </a:r>
+            <a:r>
+              <a:rPr lang="zh-CN" altLang="en-US" b="1" dirty="0" smtClean="0">
+                <a:solidFill>
+                  <a:srgbClr val="0000FF"/>
+                </a:solidFill>
+                <a:latin typeface="宋体" panose="02010600030101010101" pitchFamily="2" charset="-122"/>
+                <a:ea typeface="宋体" panose="02010600030101010101" pitchFamily="2" charset="-122"/>
+              </a:rPr>
+              <a:t>从知识库</a:t>
+            </a:r>
+            <a:r>
+              <a:rPr lang="zh-CN" altLang="en-US" b="1" dirty="0" smtClean="0">
+                <a:solidFill>
+                  <a:srgbClr val="0000FF"/>
+                </a:solidFill>
+                <a:latin typeface="宋体" panose="02010600030101010101" pitchFamily="2" charset="-122"/>
+                <a:ea typeface="宋体" panose="02010600030101010101" pitchFamily="2" charset="-122"/>
+              </a:rPr>
+              <a:t>中找出语义最相似的（几个）标准问题</a:t>
             </a:r>
             <a:endParaRPr lang="en-US" altLang="zh-CN" dirty="0"/>
           </a:p>
@@ -20708,7 +21588,7 @@
         </p:nvSpPr>
         <p:spPr>
           <a:xfrm>
-            <a:off x="3427130" y="2381932"/>
+            <a:off x="3427130" y="2719558"/>
             <a:ext cx="2287806" cy="369332"/>
           </a:xfrm>
           <a:prstGeom prst="rect">
@@ -20746,7 +21626,7 @@
         </p:nvSpPr>
         <p:spPr>
           <a:xfrm>
-            <a:off x="5861948" y="1925010"/>
+            <a:off x="5861948" y="2262636"/>
             <a:ext cx="3282052" cy="369332"/>
           </a:xfrm>
           <a:prstGeom prst="rect">
@@ -20796,7 +21676,7 @@
         </p:nvSpPr>
         <p:spPr>
           <a:xfrm>
-            <a:off x="5861948" y="2381932"/>
+            <a:off x="5861948" y="2719558"/>
             <a:ext cx="3147015" cy="369332"/>
           </a:xfrm>
           <a:prstGeom prst="rect">
@@ -20834,7 +21714,7 @@
         </p:nvSpPr>
         <p:spPr>
           <a:xfrm>
-            <a:off x="5861948" y="2838854"/>
+            <a:off x="5861948" y="3176480"/>
             <a:ext cx="2217274" cy="369332"/>
           </a:xfrm>
           <a:prstGeom prst="rect">
@@ -20872,7 +21752,7 @@
         </p:nvSpPr>
         <p:spPr>
           <a:xfrm>
-            <a:off x="3427130" y="3779563"/>
+            <a:off x="3427130" y="4117189"/>
             <a:ext cx="2319866" cy="369332"/>
           </a:xfrm>
           <a:prstGeom prst="rect">
@@ -20902,7 +21782,7 @@
         </p:nvSpPr>
         <p:spPr>
           <a:xfrm>
-            <a:off x="5861948" y="3322641"/>
+            <a:off x="5861948" y="3660267"/>
             <a:ext cx="1107996" cy="369332"/>
           </a:xfrm>
           <a:prstGeom prst="rect">
@@ -20936,7 +21816,7 @@
         </p:nvSpPr>
         <p:spPr>
           <a:xfrm>
-            <a:off x="5861948" y="3779563"/>
+            <a:off x="5861948" y="4117189"/>
             <a:ext cx="1338828" cy="369332"/>
           </a:xfrm>
           <a:prstGeom prst="rect">
@@ -20970,7 +21850,7 @@
         </p:nvSpPr>
         <p:spPr>
           <a:xfrm>
-            <a:off x="5861948" y="4236485"/>
+            <a:off x="5861948" y="4574111"/>
             <a:ext cx="646331" cy="369332"/>
           </a:xfrm>
           <a:prstGeom prst="rect">
@@ -21000,7 +21880,7 @@
         </p:nvSpPr>
         <p:spPr>
           <a:xfrm>
-            <a:off x="499469" y="3067753"/>
+            <a:off x="499469" y="3349109"/>
             <a:ext cx="1569660" cy="369332"/>
           </a:xfrm>
           <a:prstGeom prst="rect">
@@ -21037,7 +21917,7 @@
         </p:nvCxnSpPr>
         <p:spPr>
           <a:xfrm flipV="1">
-            <a:off x="5714936" y="2109676"/>
+            <a:off x="5714936" y="2447302"/>
             <a:ext cx="147012" cy="456922"/>
           </a:xfrm>
           <a:prstGeom prst="line">
@@ -21081,7 +21961,7 @@
         </p:nvCxnSpPr>
         <p:spPr>
           <a:xfrm>
-            <a:off x="5714936" y="2566598"/>
+            <a:off x="5714936" y="2904224"/>
             <a:ext cx="147012" cy="0"/>
           </a:xfrm>
           <a:prstGeom prst="line">
@@ -21126,7 +22006,7 @@
         </p:nvCxnSpPr>
         <p:spPr>
           <a:xfrm>
-            <a:off x="5714936" y="2566598"/>
+            <a:off x="5714936" y="2904224"/>
             <a:ext cx="147012" cy="456922"/>
           </a:xfrm>
           <a:prstGeom prst="line">
@@ -21171,7 +22051,7 @@
         </p:nvCxnSpPr>
         <p:spPr>
           <a:xfrm flipV="1">
-            <a:off x="5746996" y="3507307"/>
+            <a:off x="5746996" y="3844933"/>
             <a:ext cx="114952" cy="456922"/>
           </a:xfrm>
           <a:prstGeom prst="line">
@@ -21216,7 +22096,7 @@
         </p:nvCxnSpPr>
         <p:spPr>
           <a:xfrm>
-            <a:off x="5746996" y="3964229"/>
+            <a:off x="5746996" y="4301855"/>
             <a:ext cx="114952" cy="0"/>
           </a:xfrm>
           <a:prstGeom prst="line">
@@ -21261,7 +22141,7 @@
         </p:nvCxnSpPr>
         <p:spPr>
           <a:xfrm>
-            <a:off x="5746996" y="3964229"/>
+            <a:off x="5746996" y="4301855"/>
             <a:ext cx="114952" cy="456922"/>
           </a:xfrm>
           <a:prstGeom prst="line">
@@ -21303,7 +22183,7 @@
         </p:nvSpPr>
         <p:spPr>
           <a:xfrm>
-            <a:off x="4119603" y="5401056"/>
+            <a:off x="4119603" y="5738682"/>
             <a:ext cx="877163" cy="369332"/>
           </a:xfrm>
           <a:prstGeom prst="rect">
@@ -21320,20 +22200,14 @@
             <a:r>
               <a:rPr kumimoji="1" lang="zh-CN" altLang="en-US" dirty="0" smtClean="0">
                 <a:solidFill>
-                  <a:schemeClr val="tx2">
-                    <a:lumMod val="60000"/>
-                    <a:lumOff val="40000"/>
-                  </a:schemeClr>
+                  <a:srgbClr val="0000FF"/>
                 </a:solidFill>
               </a:rPr>
               <a:t>标准问</a:t>
             </a:r>
             <a:endParaRPr kumimoji="1" lang="zh-CN" altLang="en-US" dirty="0">
               <a:solidFill>
-                <a:schemeClr val="tx2">
-                  <a:lumMod val="60000"/>
-                  <a:lumOff val="40000"/>
-                </a:schemeClr>
+                <a:srgbClr val="0000FF"/>
               </a:solidFill>
             </a:endParaRPr>
           </a:p>
@@ -21347,7 +22221,7 @@
         </p:nvSpPr>
         <p:spPr>
           <a:xfrm>
-            <a:off x="6108169" y="5425440"/>
+            <a:off x="6108169" y="5763066"/>
             <a:ext cx="1723549" cy="369332"/>
           </a:xfrm>
           <a:prstGeom prst="rect">
@@ -21364,10 +22238,7 @@
             <a:r>
               <a:rPr kumimoji="1" lang="zh-CN" altLang="en-US" dirty="0" smtClean="0">
                 <a:solidFill>
-                  <a:schemeClr val="tx2">
-                    <a:lumMod val="60000"/>
-                    <a:lumOff val="40000"/>
-                  </a:schemeClr>
+                  <a:srgbClr val="0000FF"/>
                 </a:solidFill>
               </a:rPr>
               <a:t>扩展问</a:t>
@@ -21375,10 +22246,7 @@
             <a:r>
               <a:rPr kumimoji="1" lang="en-US" altLang="zh-CN" dirty="0" smtClean="0">
                 <a:solidFill>
-                  <a:schemeClr val="tx2">
-                    <a:lumMod val="60000"/>
-                    <a:lumOff val="40000"/>
-                  </a:schemeClr>
+                  <a:srgbClr val="0000FF"/>
                 </a:solidFill>
               </a:rPr>
               <a:t>(</a:t>
@@ -21386,10 +22254,7 @@
             <a:r>
               <a:rPr kumimoji="1" lang="zh-CN" altLang="en-US" dirty="0" smtClean="0">
                 <a:solidFill>
-                  <a:schemeClr val="tx2">
-                    <a:lumMod val="60000"/>
-                    <a:lumOff val="40000"/>
-                  </a:schemeClr>
+                  <a:srgbClr val="0000FF"/>
                 </a:solidFill>
               </a:rPr>
               <a:t>相似问</a:t>
@@ -21397,20 +22262,14 @@
             <a:r>
               <a:rPr kumimoji="1" lang="en-US" altLang="zh-CN" dirty="0" smtClean="0">
                 <a:solidFill>
-                  <a:schemeClr val="tx2">
-                    <a:lumMod val="60000"/>
-                    <a:lumOff val="40000"/>
-                  </a:schemeClr>
+                  <a:srgbClr val="0000FF"/>
                 </a:solidFill>
               </a:rPr>
               <a:t>)</a:t>
             </a:r>
             <a:endParaRPr kumimoji="1" lang="zh-CN" altLang="en-US" dirty="0">
               <a:solidFill>
-                <a:schemeClr val="tx2">
-                  <a:lumMod val="60000"/>
-                  <a:lumOff val="40000"/>
-                </a:schemeClr>
+                <a:srgbClr val="0000FF"/>
               </a:solidFill>
             </a:endParaRPr>
           </a:p>
@@ -21424,7 +22283,7 @@
         </p:nvSpPr>
         <p:spPr>
           <a:xfrm>
-            <a:off x="833859" y="5401056"/>
+            <a:off x="833859" y="5682412"/>
             <a:ext cx="710451" cy="369332"/>
           </a:xfrm>
           <a:prstGeom prst="rect">
@@ -21441,20 +22300,14 @@
             <a:r>
               <a:rPr kumimoji="1" lang="en-US" altLang="zh-CN" dirty="0" smtClean="0">
                 <a:solidFill>
-                  <a:schemeClr val="tx2">
-                    <a:lumMod val="60000"/>
-                    <a:lumOff val="40000"/>
-                  </a:schemeClr>
+                  <a:srgbClr val="0000FF"/>
                 </a:solidFill>
               </a:rPr>
               <a:t>query</a:t>
             </a:r>
             <a:endParaRPr kumimoji="1" lang="zh-CN" altLang="en-US" dirty="0">
               <a:solidFill>
-                <a:schemeClr val="tx2">
-                  <a:lumMod val="60000"/>
-                  <a:lumOff val="40000"/>
-                </a:schemeClr>
+                <a:srgbClr val="0000FF"/>
               </a:solidFill>
             </a:endParaRPr>
           </a:p>
@@ -21468,13 +22321,16 @@
         </p:nvCxnSpPr>
         <p:spPr>
           <a:xfrm>
-            <a:off x="4413504" y="4236485"/>
+            <a:off x="4413504" y="4574111"/>
             <a:ext cx="173559" cy="1042651"/>
           </a:xfrm>
           <a:prstGeom prst="line">
             <a:avLst/>
           </a:prstGeom>
           <a:ln>
+            <a:solidFill>
+              <a:srgbClr val="0000FF"/>
+            </a:solidFill>
             <a:prstDash val="dash"/>
           </a:ln>
           <a:effectLst>
@@ -21511,13 +22367,16 @@
         </p:nvCxnSpPr>
         <p:spPr>
           <a:xfrm>
-            <a:off x="6531362" y="4148895"/>
+            <a:off x="6531362" y="4486521"/>
             <a:ext cx="438582" cy="1276545"/>
           </a:xfrm>
           <a:prstGeom prst="line">
             <a:avLst/>
           </a:prstGeom>
           <a:ln>
+            <a:solidFill>
+              <a:srgbClr val="0000FF"/>
+            </a:solidFill>
             <a:prstDash val="dash"/>
           </a:ln>
           <a:effectLst>
@@ -21553,13 +22412,16 @@
         </p:nvCxnSpPr>
         <p:spPr>
           <a:xfrm>
-            <a:off x="1189084" y="3507307"/>
+            <a:off x="1189084" y="3788663"/>
             <a:ext cx="1" cy="1893749"/>
           </a:xfrm>
           <a:prstGeom prst="line">
             <a:avLst/>
           </a:prstGeom>
           <a:ln>
+            <a:solidFill>
+              <a:srgbClr val="0000FF"/>
+            </a:solidFill>
             <a:prstDash val="dash"/>
           </a:ln>
           <a:effectLst>
@@ -21593,7 +22455,7 @@
         </p:nvSpPr>
         <p:spPr>
           <a:xfrm>
-            <a:off x="3121152" y="1837419"/>
+            <a:off x="3121152" y="2175045"/>
             <a:ext cx="5887811" cy="3149107"/>
           </a:xfrm>
           <a:prstGeom prst="rect">
@@ -21701,7 +22563,6 @@
               <a:rPr lang="zh-CN" altLang="en-US" dirty="0"/>
               <a:t>对比实验</a:t>
             </a:r>
-            <a:endParaRPr lang="zh-CN" altLang="en-US" dirty="0"/>
           </a:p>
         </p:txBody>
       </p:sp>
@@ -22049,7 +22910,7 @@
           <p:cNvPr id="6" name="表格 5">
             <a:extLst>
               <a:ext uri="{FF2B5EF4-FFF2-40B4-BE49-F238E27FC236}">
-                <a16:creationId xmlns="" xmlns:a16="http://schemas.microsoft.com/office/drawing/2014/main" id="{D699D869-F231-4563-94A3-03B14486F76B}"/>
+                <a16:creationId xmlns:a16="http://schemas.microsoft.com/office/drawing/2014/main" xmlns="" id="{D699D869-F231-4563-94A3-03B14486F76B}"/>
               </a:ext>
             </a:extLst>
           </p:cNvPr>
@@ -22078,28 +22939,28 @@
                 <a:gridCol w="3087821">
                   <a:extLst>
                     <a:ext uri="{9D8B030D-6E8A-4147-A177-3AD203B41FA5}">
-                      <a16:colId xmlns="" xmlns:a16="http://schemas.microsoft.com/office/drawing/2014/main" val="323982264"/>
+                      <a16:colId xmlns:a16="http://schemas.microsoft.com/office/drawing/2014/main" xmlns="" val="323982264"/>
                     </a:ext>
                   </a:extLst>
                 </a:gridCol>
                 <a:gridCol w="1901952">
                   <a:extLst>
                     <a:ext uri="{9D8B030D-6E8A-4147-A177-3AD203B41FA5}">
-                      <a16:colId xmlns="" xmlns:a16="http://schemas.microsoft.com/office/drawing/2014/main" val="3244197200"/>
+                      <a16:colId xmlns:a16="http://schemas.microsoft.com/office/drawing/2014/main" xmlns="" val="3244197200"/>
                     </a:ext>
                   </a:extLst>
                 </a:gridCol>
                 <a:gridCol w="1706880">
                   <a:extLst>
                     <a:ext uri="{9D8B030D-6E8A-4147-A177-3AD203B41FA5}">
-                      <a16:colId xmlns="" xmlns:a16="http://schemas.microsoft.com/office/drawing/2014/main" val="1784650501"/>
+                      <a16:colId xmlns:a16="http://schemas.microsoft.com/office/drawing/2014/main" xmlns="" val="1784650501"/>
                     </a:ext>
                   </a:extLst>
                 </a:gridCol>
                 <a:gridCol w="1480738">
                   <a:extLst>
                     <a:ext uri="{9D8B030D-6E8A-4147-A177-3AD203B41FA5}">
-                      <a16:colId xmlns="" xmlns:a16="http://schemas.microsoft.com/office/drawing/2014/main" val="1626703488"/>
+                      <a16:colId xmlns:a16="http://schemas.microsoft.com/office/drawing/2014/main" xmlns="" val="1626703488"/>
                     </a:ext>
                   </a:extLst>
                 </a:gridCol>
@@ -22186,7 +23047,7 @@
                 </a:tc>
                 <a:extLst>
                   <a:ext uri="{0D108BD9-81ED-4DB2-BD59-A6C34878D82A}">
-                    <a16:rowId xmlns="" xmlns:a16="http://schemas.microsoft.com/office/drawing/2014/main" val="2750491912"/>
+                    <a16:rowId xmlns:a16="http://schemas.microsoft.com/office/drawing/2014/main" xmlns="" val="2750491912"/>
                   </a:ext>
                 </a:extLst>
               </a:tr>
@@ -22322,7 +23183,7 @@
                 </a:tc>
                 <a:extLst>
                   <a:ext uri="{0D108BD9-81ED-4DB2-BD59-A6C34878D82A}">
-                    <a16:rowId xmlns="" xmlns:a16="http://schemas.microsoft.com/office/drawing/2014/main" val="2192882660"/>
+                    <a16:rowId xmlns:a16="http://schemas.microsoft.com/office/drawing/2014/main" xmlns="" val="2192882660"/>
                   </a:ext>
                 </a:extLst>
               </a:tr>
@@ -22432,7 +23293,7 @@
                 </a:tc>
                 <a:extLst>
                   <a:ext uri="{0D108BD9-81ED-4DB2-BD59-A6C34878D82A}">
-                    <a16:rowId xmlns="" xmlns:a16="http://schemas.microsoft.com/office/drawing/2014/main" val="4188706716"/>
+                    <a16:rowId xmlns:a16="http://schemas.microsoft.com/office/drawing/2014/main" xmlns="" val="4188706716"/>
                   </a:ext>
                 </a:extLst>
               </a:tr>
@@ -22542,7 +23403,7 @@
           <p:cNvPr id="7" name="表格 6">
             <a:extLst>
               <a:ext uri="{FF2B5EF4-FFF2-40B4-BE49-F238E27FC236}">
-                <a16:creationId xmlns="" xmlns:a16="http://schemas.microsoft.com/office/drawing/2014/main" id="{D699D869-F231-4563-94A3-03B14486F76B}"/>
+                <a16:creationId xmlns:a16="http://schemas.microsoft.com/office/drawing/2014/main" xmlns="" id="{D699D869-F231-4563-94A3-03B14486F76B}"/>
               </a:ext>
             </a:extLst>
           </p:cNvPr>
@@ -22571,28 +23432,28 @@
                 <a:gridCol w="3087821">
                   <a:extLst>
                     <a:ext uri="{9D8B030D-6E8A-4147-A177-3AD203B41FA5}">
-                      <a16:colId xmlns="" xmlns:a16="http://schemas.microsoft.com/office/drawing/2014/main" val="323982264"/>
+                      <a16:colId xmlns:a16="http://schemas.microsoft.com/office/drawing/2014/main" xmlns="" val="323982264"/>
                     </a:ext>
                   </a:extLst>
                 </a:gridCol>
                 <a:gridCol w="1901952">
                   <a:extLst>
                     <a:ext uri="{9D8B030D-6E8A-4147-A177-3AD203B41FA5}">
-                      <a16:colId xmlns="" xmlns:a16="http://schemas.microsoft.com/office/drawing/2014/main" val="3244197200"/>
+                      <a16:colId xmlns:a16="http://schemas.microsoft.com/office/drawing/2014/main" xmlns="" val="3244197200"/>
                     </a:ext>
                   </a:extLst>
                 </a:gridCol>
                 <a:gridCol w="1706880">
                   <a:extLst>
                     <a:ext uri="{9D8B030D-6E8A-4147-A177-3AD203B41FA5}">
-                      <a16:colId xmlns="" xmlns:a16="http://schemas.microsoft.com/office/drawing/2014/main" val="1784650501"/>
+                      <a16:colId xmlns:a16="http://schemas.microsoft.com/office/drawing/2014/main" xmlns="" val="1784650501"/>
                     </a:ext>
                   </a:extLst>
                 </a:gridCol>
                 <a:gridCol w="1480738">
                   <a:extLst>
                     <a:ext uri="{9D8B030D-6E8A-4147-A177-3AD203B41FA5}">
-                      <a16:colId xmlns="" xmlns:a16="http://schemas.microsoft.com/office/drawing/2014/main" val="1626703488"/>
+                      <a16:colId xmlns:a16="http://schemas.microsoft.com/office/drawing/2014/main" xmlns="" val="1626703488"/>
                     </a:ext>
                   </a:extLst>
                 </a:gridCol>
@@ -22679,7 +23540,7 @@
                 </a:tc>
                 <a:extLst>
                   <a:ext uri="{0D108BD9-81ED-4DB2-BD59-A6C34878D82A}">
-                    <a16:rowId xmlns="" xmlns:a16="http://schemas.microsoft.com/office/drawing/2014/main" val="2750491912"/>
+                    <a16:rowId xmlns:a16="http://schemas.microsoft.com/office/drawing/2014/main" xmlns="" val="2750491912"/>
                   </a:ext>
                 </a:extLst>
               </a:tr>
@@ -22878,7 +23739,7 @@
                 </a:tc>
                 <a:extLst>
                   <a:ext uri="{0D108BD9-81ED-4DB2-BD59-A6C34878D82A}">
-                    <a16:rowId xmlns="" xmlns:a16="http://schemas.microsoft.com/office/drawing/2014/main" val="2192882660"/>
+                    <a16:rowId xmlns:a16="http://schemas.microsoft.com/office/drawing/2014/main" xmlns="" val="2192882660"/>
                   </a:ext>
                 </a:extLst>
               </a:tr>
@@ -23014,7 +23875,7 @@
                 </a:tc>
                 <a:extLst>
                   <a:ext uri="{0D108BD9-81ED-4DB2-BD59-A6C34878D82A}">
-                    <a16:rowId xmlns="" xmlns:a16="http://schemas.microsoft.com/office/drawing/2014/main" val="4188706716"/>
+                    <a16:rowId xmlns:a16="http://schemas.microsoft.com/office/drawing/2014/main" xmlns="" val="4188706716"/>
                   </a:ext>
                 </a:extLst>
               </a:tr>
@@ -23187,7 +24048,6 @@
               <a:rPr lang="zh-CN" altLang="en-US" dirty="0"/>
               <a:t>对比实验</a:t>
             </a:r>
-            <a:endParaRPr lang="zh-CN" altLang="en-US" dirty="0"/>
           </a:p>
         </p:txBody>
       </p:sp>
@@ -23531,7 +24391,7 @@
           <p:cNvPr id="6" name="表格 5">
             <a:extLst>
               <a:ext uri="{FF2B5EF4-FFF2-40B4-BE49-F238E27FC236}">
-                <a16:creationId xmlns="" xmlns:a16="http://schemas.microsoft.com/office/drawing/2014/main" id="{D699D869-F231-4563-94A3-03B14486F76B}"/>
+                <a16:creationId xmlns:a16="http://schemas.microsoft.com/office/drawing/2014/main" xmlns="" id="{D699D869-F231-4563-94A3-03B14486F76B}"/>
               </a:ext>
             </a:extLst>
           </p:cNvPr>
@@ -23541,7 +24401,7 @@
           <p:nvPr>
             <p:extLst>
               <p:ext uri="{D42A27DB-BD31-4B8C-83A1-F6EECF244321}">
-                <p14:modId xmlns:p14="http://schemas.microsoft.com/office/powerpoint/2010/main" val="2047943713"/>
+                <p14:modId xmlns:p14="http://schemas.microsoft.com/office/powerpoint/2010/main" val="1567744025"/>
               </p:ext>
             </p:extLst>
           </p:nvPr>
@@ -23560,28 +24420,28 @@
                 <a:gridCol w="3087821">
                   <a:extLst>
                     <a:ext uri="{9D8B030D-6E8A-4147-A177-3AD203B41FA5}">
-                      <a16:colId xmlns="" xmlns:a16="http://schemas.microsoft.com/office/drawing/2014/main" val="323982264"/>
+                      <a16:colId xmlns:a16="http://schemas.microsoft.com/office/drawing/2014/main" xmlns="" val="323982264"/>
                     </a:ext>
                   </a:extLst>
                 </a:gridCol>
                 <a:gridCol w="1901952">
                   <a:extLst>
                     <a:ext uri="{9D8B030D-6E8A-4147-A177-3AD203B41FA5}">
-                      <a16:colId xmlns="" xmlns:a16="http://schemas.microsoft.com/office/drawing/2014/main" val="3244197200"/>
+                      <a16:colId xmlns:a16="http://schemas.microsoft.com/office/drawing/2014/main" xmlns="" val="3244197200"/>
                     </a:ext>
                   </a:extLst>
                 </a:gridCol>
                 <a:gridCol w="1706880">
                   <a:extLst>
                     <a:ext uri="{9D8B030D-6E8A-4147-A177-3AD203B41FA5}">
-                      <a16:colId xmlns="" xmlns:a16="http://schemas.microsoft.com/office/drawing/2014/main" val="1784650501"/>
+                      <a16:colId xmlns:a16="http://schemas.microsoft.com/office/drawing/2014/main" xmlns="" val="1784650501"/>
                     </a:ext>
                   </a:extLst>
                 </a:gridCol>
                 <a:gridCol w="1480738">
                   <a:extLst>
                     <a:ext uri="{9D8B030D-6E8A-4147-A177-3AD203B41FA5}">
-                      <a16:colId xmlns="" xmlns:a16="http://schemas.microsoft.com/office/drawing/2014/main" val="1626703488"/>
+                      <a16:colId xmlns:a16="http://schemas.microsoft.com/office/drawing/2014/main" xmlns="" val="1626703488"/>
                     </a:ext>
                   </a:extLst>
                 </a:gridCol>
@@ -23668,7 +24528,7 @@
                 </a:tc>
                 <a:extLst>
                   <a:ext uri="{0D108BD9-81ED-4DB2-BD59-A6C34878D82A}">
-                    <a16:rowId xmlns="" xmlns:a16="http://schemas.microsoft.com/office/drawing/2014/main" val="2750491912"/>
+                    <a16:rowId xmlns:a16="http://schemas.microsoft.com/office/drawing/2014/main" xmlns="" val="2750491912"/>
                   </a:ext>
                 </a:extLst>
               </a:tr>
@@ -23879,7 +24739,7 @@
                 </a:tc>
                 <a:extLst>
                   <a:ext uri="{0D108BD9-81ED-4DB2-BD59-A6C34878D82A}">
-                    <a16:rowId xmlns="" xmlns:a16="http://schemas.microsoft.com/office/drawing/2014/main" val="2192882660"/>
+                    <a16:rowId xmlns:a16="http://schemas.microsoft.com/office/drawing/2014/main" xmlns="" val="2192882660"/>
                   </a:ext>
                 </a:extLst>
               </a:tr>
@@ -23985,7 +24845,7 @@
                 </a:tc>
                 <a:extLst>
                   <a:ext uri="{0D108BD9-81ED-4DB2-BD59-A6C34878D82A}">
-                    <a16:rowId xmlns="" xmlns:a16="http://schemas.microsoft.com/office/drawing/2014/main" val="4188706716"/>
+                    <a16:rowId xmlns:a16="http://schemas.microsoft.com/office/drawing/2014/main" xmlns="" val="4188706716"/>
                   </a:ext>
                 </a:extLst>
               </a:tr>
@@ -24016,6 +24876,12 @@
                     <a:lstStyle/>
                     <a:p>
                       <a:pPr algn="ctr"/>
+                      <a:r>
+                        <a:rPr lang="sk-SK" dirty="0" smtClean="0">
+                          <a:effectLst/>
+                        </a:rPr>
+                        <a:t>89.76(+1.26)</a:t>
+                      </a:r>
                       <a:endParaRPr lang="sk-SK" dirty="0">
                         <a:effectLst/>
                       </a:endParaRPr>
@@ -24035,6 +24901,12 @@
                     <a:lstStyle/>
                     <a:p>
                       <a:pPr algn="ctr"/>
+                      <a:r>
+                        <a:rPr lang="en-US" dirty="0" smtClean="0">
+                          <a:effectLst/>
+                        </a:rPr>
+                        <a:t>95.90</a:t>
+                      </a:r>
                       <a:endParaRPr lang="ru-RU" dirty="0">
                         <a:effectLst/>
                       </a:endParaRPr>
@@ -24054,6 +24926,12 @@
                     <a:lstStyle/>
                     <a:p>
                       <a:pPr algn="ctr"/>
+                      <a:r>
+                        <a:rPr lang="sk-SK" dirty="0" smtClean="0">
+                          <a:effectLst/>
+                        </a:rPr>
+                        <a:t>97.51</a:t>
+                      </a:r>
                       <a:endParaRPr lang="sk-SK" dirty="0">
                         <a:effectLst/>
                       </a:endParaRPr>
@@ -24520,7 +25398,7 @@
           <p:cNvPr id="8" name="表格 7">
             <a:extLst>
               <a:ext uri="{FF2B5EF4-FFF2-40B4-BE49-F238E27FC236}">
-                <a16:creationId xmlns="" xmlns:a16="http://schemas.microsoft.com/office/drawing/2014/main" id="{D699D869-F231-4563-94A3-03B14486F76B}"/>
+                <a16:creationId xmlns:a16="http://schemas.microsoft.com/office/drawing/2014/main" xmlns="" id="{D699D869-F231-4563-94A3-03B14486F76B}"/>
               </a:ext>
             </a:extLst>
           </p:cNvPr>
@@ -24549,28 +25427,28 @@
                 <a:gridCol w="3087821">
                   <a:extLst>
                     <a:ext uri="{9D8B030D-6E8A-4147-A177-3AD203B41FA5}">
-                      <a16:colId xmlns="" xmlns:a16="http://schemas.microsoft.com/office/drawing/2014/main" val="323982264"/>
+                      <a16:colId xmlns:a16="http://schemas.microsoft.com/office/drawing/2014/main" xmlns="" val="323982264"/>
                     </a:ext>
                   </a:extLst>
                 </a:gridCol>
                 <a:gridCol w="1901952">
                   <a:extLst>
                     <a:ext uri="{9D8B030D-6E8A-4147-A177-3AD203B41FA5}">
-                      <a16:colId xmlns="" xmlns:a16="http://schemas.microsoft.com/office/drawing/2014/main" val="3244197200"/>
+                      <a16:colId xmlns:a16="http://schemas.microsoft.com/office/drawing/2014/main" xmlns="" val="3244197200"/>
                     </a:ext>
                   </a:extLst>
                 </a:gridCol>
                 <a:gridCol w="1706880">
                   <a:extLst>
                     <a:ext uri="{9D8B030D-6E8A-4147-A177-3AD203B41FA5}">
-                      <a16:colId xmlns="" xmlns:a16="http://schemas.microsoft.com/office/drawing/2014/main" val="1784650501"/>
+                      <a16:colId xmlns:a16="http://schemas.microsoft.com/office/drawing/2014/main" xmlns="" val="1784650501"/>
                     </a:ext>
                   </a:extLst>
                 </a:gridCol>
                 <a:gridCol w="1480738">
                   <a:extLst>
                     <a:ext uri="{9D8B030D-6E8A-4147-A177-3AD203B41FA5}">
-                      <a16:colId xmlns="" xmlns:a16="http://schemas.microsoft.com/office/drawing/2014/main" val="1626703488"/>
+                      <a16:colId xmlns:a16="http://schemas.microsoft.com/office/drawing/2014/main" xmlns="" val="1626703488"/>
                     </a:ext>
                   </a:extLst>
                 </a:gridCol>
@@ -24657,7 +25535,7 @@
                 </a:tc>
                 <a:extLst>
                   <a:ext uri="{0D108BD9-81ED-4DB2-BD59-A6C34878D82A}">
-                    <a16:rowId xmlns="" xmlns:a16="http://schemas.microsoft.com/office/drawing/2014/main" val="2750491912"/>
+                    <a16:rowId xmlns:a16="http://schemas.microsoft.com/office/drawing/2014/main" xmlns="" val="2750491912"/>
                   </a:ext>
                 </a:extLst>
               </a:tr>
@@ -24759,7 +25637,7 @@
                 </a:tc>
                 <a:extLst>
                   <a:ext uri="{0D108BD9-81ED-4DB2-BD59-A6C34878D82A}">
-                    <a16:rowId xmlns="" xmlns:a16="http://schemas.microsoft.com/office/drawing/2014/main" val="2192882660"/>
+                    <a16:rowId xmlns:a16="http://schemas.microsoft.com/office/drawing/2014/main" xmlns="" val="2192882660"/>
                   </a:ext>
                 </a:extLst>
               </a:tr>
@@ -24865,7 +25743,7 @@
                 </a:tc>
                 <a:extLst>
                   <a:ext uri="{0D108BD9-81ED-4DB2-BD59-A6C34878D82A}">
-                    <a16:rowId xmlns="" xmlns:a16="http://schemas.microsoft.com/office/drawing/2014/main" val="4188706716"/>
+                    <a16:rowId xmlns:a16="http://schemas.microsoft.com/office/drawing/2014/main" xmlns="" val="4188706716"/>
                   </a:ext>
                 </a:extLst>
               </a:tr>
@@ -24970,7 +25848,7 @@
           <p:cNvPr id="9" name="表格 8">
             <a:extLst>
               <a:ext uri="{FF2B5EF4-FFF2-40B4-BE49-F238E27FC236}">
-                <a16:creationId xmlns="" xmlns:a16="http://schemas.microsoft.com/office/drawing/2014/main" id="{D699D869-F231-4563-94A3-03B14486F76B}"/>
+                <a16:creationId xmlns:a16="http://schemas.microsoft.com/office/drawing/2014/main" xmlns="" id="{D699D869-F231-4563-94A3-03B14486F76B}"/>
               </a:ext>
             </a:extLst>
           </p:cNvPr>
@@ -24980,7 +25858,7 @@
           <p:nvPr>
             <p:extLst>
               <p:ext uri="{D42A27DB-BD31-4B8C-83A1-F6EECF244321}">
-                <p14:modId xmlns:p14="http://schemas.microsoft.com/office/powerpoint/2010/main" val="1245960707"/>
+                <p14:modId xmlns:p14="http://schemas.microsoft.com/office/powerpoint/2010/main" val="1094263255"/>
               </p:ext>
             </p:extLst>
           </p:nvPr>
@@ -24999,28 +25877,28 @@
                 <a:gridCol w="3087821">
                   <a:extLst>
                     <a:ext uri="{9D8B030D-6E8A-4147-A177-3AD203B41FA5}">
-                      <a16:colId xmlns="" xmlns:a16="http://schemas.microsoft.com/office/drawing/2014/main" val="323982264"/>
+                      <a16:colId xmlns:a16="http://schemas.microsoft.com/office/drawing/2014/main" xmlns="" val="323982264"/>
                     </a:ext>
                   </a:extLst>
                 </a:gridCol>
                 <a:gridCol w="1901952">
                   <a:extLst>
                     <a:ext uri="{9D8B030D-6E8A-4147-A177-3AD203B41FA5}">
-                      <a16:colId xmlns="" xmlns:a16="http://schemas.microsoft.com/office/drawing/2014/main" val="3244197200"/>
+                      <a16:colId xmlns:a16="http://schemas.microsoft.com/office/drawing/2014/main" xmlns="" val="3244197200"/>
                     </a:ext>
                   </a:extLst>
                 </a:gridCol>
                 <a:gridCol w="1706880">
                   <a:extLst>
                     <a:ext uri="{9D8B030D-6E8A-4147-A177-3AD203B41FA5}">
-                      <a16:colId xmlns="" xmlns:a16="http://schemas.microsoft.com/office/drawing/2014/main" val="1784650501"/>
+                      <a16:colId xmlns:a16="http://schemas.microsoft.com/office/drawing/2014/main" xmlns="" val="1784650501"/>
                     </a:ext>
                   </a:extLst>
                 </a:gridCol>
                 <a:gridCol w="1480738">
                   <a:extLst>
                     <a:ext uri="{9D8B030D-6E8A-4147-A177-3AD203B41FA5}">
-                      <a16:colId xmlns="" xmlns:a16="http://schemas.microsoft.com/office/drawing/2014/main" val="1626703488"/>
+                      <a16:colId xmlns:a16="http://schemas.microsoft.com/office/drawing/2014/main" xmlns="" val="1626703488"/>
                     </a:ext>
                   </a:extLst>
                 </a:gridCol>
@@ -25107,7 +25985,7 @@
                 </a:tc>
                 <a:extLst>
                   <a:ext uri="{0D108BD9-81ED-4DB2-BD59-A6C34878D82A}">
-                    <a16:rowId xmlns="" xmlns:a16="http://schemas.microsoft.com/office/drawing/2014/main" val="2750491912"/>
+                    <a16:rowId xmlns:a16="http://schemas.microsoft.com/office/drawing/2014/main" xmlns="" val="2750491912"/>
                   </a:ext>
                 </a:extLst>
               </a:tr>
@@ -25306,7 +26184,7 @@
                 </a:tc>
                 <a:extLst>
                   <a:ext uri="{0D108BD9-81ED-4DB2-BD59-A6C34878D82A}">
-                    <a16:rowId xmlns="" xmlns:a16="http://schemas.microsoft.com/office/drawing/2014/main" val="2192882660"/>
+                    <a16:rowId xmlns:a16="http://schemas.microsoft.com/office/drawing/2014/main" xmlns="" val="2192882660"/>
                   </a:ext>
                 </a:extLst>
               </a:tr>
@@ -25317,14 +26195,26 @@
                     <a:lstStyle/>
                     <a:p>
                       <a:r>
-                        <a:rPr lang="en-US" altLang="zh-CN" dirty="0" smtClean="0"/>
+                        <a:rPr lang="en-US" altLang="zh-CN" dirty="0" smtClean="0">
+                          <a:solidFill>
+                            <a:srgbClr val="FF0000"/>
+                          </a:solidFill>
+                        </a:rPr>
                         <a:t>Multilingual</a:t>
                       </a:r>
                       <a:r>
-                        <a:rPr lang="en-US" altLang="zh-CN" baseline="0" dirty="0" smtClean="0"/>
+                        <a:rPr lang="en-US" altLang="zh-CN" baseline="0" dirty="0" smtClean="0">
+                          <a:solidFill>
+                            <a:srgbClr val="FF0000"/>
+                          </a:solidFill>
+                        </a:rPr>
                         <a:t> BERT</a:t>
                       </a:r>
-                      <a:endParaRPr lang="zh-CN" altLang="en-US" dirty="0"/>
+                      <a:endParaRPr lang="zh-CN" altLang="en-US" dirty="0">
+                        <a:solidFill>
+                          <a:srgbClr val="FF0000"/>
+                        </a:solidFill>
+                      </a:endParaRPr>
                     </a:p>
                   </a:txBody>
                   <a:tcPr>
@@ -25343,11 +26233,17 @@
                       <a:pPr algn="ctr"/>
                       <a:r>
                         <a:rPr lang="sk-SK" dirty="0" smtClean="0">
+                          <a:solidFill>
+                            <a:srgbClr val="FF0000"/>
+                          </a:solidFill>
                           <a:effectLst/>
                         </a:rPr>
                         <a:t>85.64</a:t>
                       </a:r>
                       <a:endParaRPr lang="sk-SK" dirty="0">
+                        <a:solidFill>
+                          <a:srgbClr val="FF0000"/>
+                        </a:solidFill>
                         <a:effectLst/>
                       </a:endParaRPr>
                     </a:p>
@@ -25368,11 +26264,17 @@
                       <a:pPr algn="ctr"/>
                       <a:r>
                         <a:rPr lang="en-US" dirty="0" smtClean="0">
+                          <a:solidFill>
+                            <a:srgbClr val="FF0000"/>
+                          </a:solidFill>
                           <a:effectLst/>
                         </a:rPr>
                         <a:t>94.01</a:t>
                       </a:r>
                       <a:endParaRPr lang="ru-RU" dirty="0">
+                        <a:solidFill>
+                          <a:srgbClr val="FF0000"/>
+                        </a:solidFill>
                         <a:effectLst/>
                       </a:endParaRPr>
                     </a:p>
@@ -25393,11 +26295,17 @@
                       <a:pPr algn="ctr"/>
                       <a:r>
                         <a:rPr lang="sk-SK" dirty="0" smtClean="0">
+                          <a:solidFill>
+                            <a:srgbClr val="FF0000"/>
+                          </a:solidFill>
                           <a:effectLst/>
                         </a:rPr>
                         <a:t>96.24</a:t>
                       </a:r>
                       <a:endParaRPr lang="sk-SK" dirty="0">
+                        <a:solidFill>
+                          <a:srgbClr val="FF0000"/>
+                        </a:solidFill>
                         <a:effectLst/>
                       </a:endParaRPr>
                     </a:p>
@@ -25412,7 +26320,7 @@
                 </a:tc>
                 <a:extLst>
                   <a:ext uri="{0D108BD9-81ED-4DB2-BD59-A6C34878D82A}">
-                    <a16:rowId xmlns="" xmlns:a16="http://schemas.microsoft.com/office/drawing/2014/main" val="4188706716"/>
+                    <a16:rowId xmlns:a16="http://schemas.microsoft.com/office/drawing/2014/main" xmlns="" val="4188706716"/>
                   </a:ext>
                 </a:extLst>
               </a:tr>
@@ -25530,7 +26438,7 @@
           <p:cNvPr id="10" name="表格 9">
             <a:extLst>
               <a:ext uri="{FF2B5EF4-FFF2-40B4-BE49-F238E27FC236}">
-                <a16:creationId xmlns="" xmlns:a16="http://schemas.microsoft.com/office/drawing/2014/main" id="{D699D869-F231-4563-94A3-03B14486F76B}"/>
+                <a16:creationId xmlns:a16="http://schemas.microsoft.com/office/drawing/2014/main" xmlns="" id="{D699D869-F231-4563-94A3-03B14486F76B}"/>
               </a:ext>
             </a:extLst>
           </p:cNvPr>
@@ -25540,7 +26448,7 @@
           <p:nvPr>
             <p:extLst>
               <p:ext uri="{D42A27DB-BD31-4B8C-83A1-F6EECF244321}">
-                <p14:modId xmlns:p14="http://schemas.microsoft.com/office/powerpoint/2010/main" val="386165156"/>
+                <p14:modId xmlns:p14="http://schemas.microsoft.com/office/powerpoint/2010/main" val="790269833"/>
               </p:ext>
             </p:extLst>
           </p:nvPr>
@@ -25559,28 +26467,28 @@
                 <a:gridCol w="3087821">
                   <a:extLst>
                     <a:ext uri="{9D8B030D-6E8A-4147-A177-3AD203B41FA5}">
-                      <a16:colId xmlns="" xmlns:a16="http://schemas.microsoft.com/office/drawing/2014/main" val="323982264"/>
+                      <a16:colId xmlns:a16="http://schemas.microsoft.com/office/drawing/2014/main" xmlns="" val="323982264"/>
                     </a:ext>
                   </a:extLst>
                 </a:gridCol>
                 <a:gridCol w="1901952">
                   <a:extLst>
                     <a:ext uri="{9D8B030D-6E8A-4147-A177-3AD203B41FA5}">
-                      <a16:colId xmlns="" xmlns:a16="http://schemas.microsoft.com/office/drawing/2014/main" val="3244197200"/>
+                      <a16:colId xmlns:a16="http://schemas.microsoft.com/office/drawing/2014/main" xmlns="" val="3244197200"/>
                     </a:ext>
                   </a:extLst>
                 </a:gridCol>
                 <a:gridCol w="1706880">
                   <a:extLst>
                     <a:ext uri="{9D8B030D-6E8A-4147-A177-3AD203B41FA5}">
-                      <a16:colId xmlns="" xmlns:a16="http://schemas.microsoft.com/office/drawing/2014/main" val="1784650501"/>
+                      <a16:colId xmlns:a16="http://schemas.microsoft.com/office/drawing/2014/main" xmlns="" val="1784650501"/>
                     </a:ext>
                   </a:extLst>
                 </a:gridCol>
                 <a:gridCol w="1480738">
                   <a:extLst>
                     <a:ext uri="{9D8B030D-6E8A-4147-A177-3AD203B41FA5}">
-                      <a16:colId xmlns="" xmlns:a16="http://schemas.microsoft.com/office/drawing/2014/main" val="1626703488"/>
+                      <a16:colId xmlns:a16="http://schemas.microsoft.com/office/drawing/2014/main" xmlns="" val="1626703488"/>
                     </a:ext>
                   </a:extLst>
                 </a:gridCol>
@@ -25667,7 +26575,7 @@
                 </a:tc>
                 <a:extLst>
                   <a:ext uri="{0D108BD9-81ED-4DB2-BD59-A6C34878D82A}">
-                    <a16:rowId xmlns="" xmlns:a16="http://schemas.microsoft.com/office/drawing/2014/main" val="2750491912"/>
+                    <a16:rowId xmlns:a16="http://schemas.microsoft.com/office/drawing/2014/main" xmlns="" val="2750491912"/>
                   </a:ext>
                 </a:extLst>
               </a:tr>
@@ -25883,7 +26791,7 @@
                 </a:tc>
                 <a:extLst>
                   <a:ext uri="{0D108BD9-81ED-4DB2-BD59-A6C34878D82A}">
-                    <a16:rowId xmlns="" xmlns:a16="http://schemas.microsoft.com/office/drawing/2014/main" val="2192882660"/>
+                    <a16:rowId xmlns:a16="http://schemas.microsoft.com/office/drawing/2014/main" xmlns="" val="2192882660"/>
                   </a:ext>
                 </a:extLst>
               </a:tr>
@@ -25894,14 +26802,26 @@
                     <a:lstStyle/>
                     <a:p>
                       <a:r>
-                        <a:rPr lang="en-US" altLang="zh-CN" dirty="0" smtClean="0"/>
+                        <a:rPr lang="en-US" altLang="zh-CN" dirty="0" smtClean="0">
+                          <a:solidFill>
+                            <a:srgbClr val="FF0000"/>
+                          </a:solidFill>
+                        </a:rPr>
                         <a:t>Multilingual</a:t>
                       </a:r>
                       <a:r>
-                        <a:rPr lang="en-US" altLang="zh-CN" baseline="0" dirty="0" smtClean="0"/>
+                        <a:rPr lang="en-US" altLang="zh-CN" baseline="0" dirty="0" smtClean="0">
+                          <a:solidFill>
+                            <a:srgbClr val="FF0000"/>
+                          </a:solidFill>
+                        </a:rPr>
                         <a:t> BERT</a:t>
                       </a:r>
-                      <a:endParaRPr lang="zh-CN" altLang="en-US" dirty="0"/>
+                      <a:endParaRPr lang="zh-CN" altLang="en-US" dirty="0">
+                        <a:solidFill>
+                          <a:srgbClr val="FF0000"/>
+                        </a:solidFill>
+                      </a:endParaRPr>
                     </a:p>
                   </a:txBody>
                   <a:tcPr>
@@ -25920,11 +26840,17 @@
                       <a:pPr algn="ctr"/>
                       <a:r>
                         <a:rPr lang="sk-SK" dirty="0" smtClean="0">
+                          <a:solidFill>
+                            <a:srgbClr val="FF0000"/>
+                          </a:solidFill>
                           <a:effectLst/>
                         </a:rPr>
                         <a:t>81.61</a:t>
                       </a:r>
                       <a:endParaRPr lang="sk-SK" dirty="0">
+                        <a:solidFill>
+                          <a:srgbClr val="FF0000"/>
+                        </a:solidFill>
                         <a:effectLst/>
                       </a:endParaRPr>
                     </a:p>
@@ -25945,11 +26871,17 @@
                       <a:pPr algn="ctr"/>
                       <a:r>
                         <a:rPr lang="en-US" dirty="0" smtClean="0">
+                          <a:solidFill>
+                            <a:srgbClr val="FF0000"/>
+                          </a:solidFill>
                           <a:effectLst/>
                         </a:rPr>
                         <a:t>92</a:t>
                       </a:r>
                       <a:endParaRPr lang="ru-RU" dirty="0">
+                        <a:solidFill>
+                          <a:srgbClr val="FF0000"/>
+                        </a:solidFill>
                         <a:effectLst/>
                       </a:endParaRPr>
                     </a:p>
@@ -25970,11 +26902,17 @@
                       <a:pPr algn="ctr"/>
                       <a:r>
                         <a:rPr lang="sk-SK" dirty="0" smtClean="0">
+                          <a:solidFill>
+                            <a:srgbClr val="FF0000"/>
+                          </a:solidFill>
                           <a:effectLst/>
                         </a:rPr>
                         <a:t>95</a:t>
                       </a:r>
                       <a:endParaRPr lang="sk-SK" dirty="0">
+                        <a:solidFill>
+                          <a:srgbClr val="FF0000"/>
+                        </a:solidFill>
                         <a:effectLst/>
                       </a:endParaRPr>
                     </a:p>
@@ -25989,7 +26927,7 @@
                 </a:tc>
                 <a:extLst>
                   <a:ext uri="{0D108BD9-81ED-4DB2-BD59-A6C34878D82A}">
-                    <a16:rowId xmlns="" xmlns:a16="http://schemas.microsoft.com/office/drawing/2014/main" val="4188706716"/>
+                    <a16:rowId xmlns:a16="http://schemas.microsoft.com/office/drawing/2014/main" xmlns="" val="4188706716"/>
                   </a:ext>
                 </a:extLst>
               </a:tr>
@@ -27418,14 +28356,26 @@
           <a:lstStyle/>
           <a:p>
             <a:r>
-              <a:rPr lang="en-US" altLang="zh-CN" dirty="0" err="1" smtClean="0"/>
-              <a:t>r</a:t>
-            </a:r>
-            <a:r>
-              <a:rPr lang="en-US" altLang="zh-CN" dirty="0" err="1" smtClean="0"/>
+              <a:rPr lang="en-US" altLang="zh-CN" dirty="0" err="1" smtClean="0">
+                <a:solidFill>
+                  <a:srgbClr val="0000FF"/>
+                </a:solidFill>
+              </a:rPr>
+              <a:t>p</a:t>
+            </a:r>
+            <a:r>
+              <a:rPr lang="en-US" altLang="zh-CN" dirty="0" err="1" smtClean="0">
+                <a:solidFill>
+                  <a:srgbClr val="0000FF"/>
+                </a:solidFill>
+              </a:rPr>
               <a:t>@n</a:t>
             </a:r>
-            <a:endParaRPr lang="en-US" altLang="zh-CN" dirty="0"/>
+            <a:endParaRPr lang="en-US" altLang="zh-CN" dirty="0">
+              <a:solidFill>
+                <a:srgbClr val="0000FF"/>
+              </a:solidFill>
+            </a:endParaRPr>
           </a:p>
           <a:p>
             <a:pPr lvl="1"/>
@@ -27434,24 +28384,56 @@
               <a:t>前</a:t>
             </a:r>
             <a:r>
+              <a:rPr lang="en-US" altLang="zh-CN" dirty="0"/>
+              <a:t>n</a:t>
+            </a:r>
+            <a:r>
+              <a:rPr lang="zh-CN" altLang="en-US" dirty="0" smtClean="0"/>
+              <a:t>个</a:t>
+            </a:r>
+            <a:r>
+              <a:rPr lang="zh-CN" altLang="en-US" dirty="0" smtClean="0"/>
+              <a:t>文档</a:t>
+            </a:r>
+            <a:r>
+              <a:rPr lang="zh-CN" altLang="en-US" dirty="0" smtClean="0"/>
+              <a:t>里是否出现</a:t>
+            </a:r>
+            <a:r>
+              <a:rPr lang="zh-CN" altLang="en-US" dirty="0" smtClean="0"/>
+              <a:t>正确</a:t>
+            </a:r>
+            <a:r>
+              <a:rPr lang="zh-CN" altLang="en-US" dirty="0" smtClean="0"/>
+              <a:t>答案</a:t>
+            </a:r>
+            <a:endParaRPr lang="en-US" altLang="zh-CN" dirty="0" smtClean="0"/>
+          </a:p>
+          <a:p>
+            <a:pPr lvl="1"/>
+            <a:r>
+              <a:rPr lang="en-US" altLang="zh-CN" dirty="0"/>
+              <a:t>p</a:t>
+            </a:r>
+            <a:r>
               <a:rPr lang="en-US" altLang="zh-CN" dirty="0" smtClean="0"/>
-              <a:t>n</a:t>
-            </a:r>
-            <a:r>
-              <a:rPr lang="zh-CN" altLang="en-US" dirty="0" smtClean="0"/>
-              <a:t>个文档里出现正确答案的召回率</a:t>
-            </a:r>
-            <a:endParaRPr lang="en-US" altLang="zh-CN" dirty="0" smtClean="0"/>
-          </a:p>
-          <a:p>
-            <a:pPr lvl="1"/>
-            <a:r>
-              <a:rPr lang="en-US" altLang="zh-CN" dirty="0"/>
-              <a:t>r</a:t>
+              <a:t>@1</a:t>
             </a:r>
             <a:r>
               <a:rPr lang="en-US" altLang="zh-CN" dirty="0" smtClean="0"/>
-              <a:t>@1, r@3, r@5</a:t>
+              <a:t>, </a:t>
+            </a:r>
+            <a:r>
+              <a:rPr lang="en-US" altLang="zh-CN" dirty="0" smtClean="0"/>
+              <a:t>p@3</a:t>
+            </a:r>
+            <a:r>
+              <a:rPr lang="en-US" altLang="zh-CN" dirty="0" smtClean="0"/>
+              <a:t>, </a:t>
+            </a:r>
+            <a:r>
+              <a:rPr lang="en-US" altLang="zh-CN" dirty="0" smtClean="0"/>
+              <a:t>p@5</a:t>
             </a:r>
             <a:endParaRPr lang="en-US" altLang="zh-CN" dirty="0" smtClean="0"/>
           </a:p>
@@ -27614,32 +28596,64 @@
           <a:lstStyle/>
           <a:p>
             <a:r>
-              <a:rPr lang="zh-CN" altLang="en-US" dirty="0" smtClean="0"/>
+              <a:rPr lang="zh-CN" altLang="en-US" dirty="0" smtClean="0">
+                <a:solidFill>
+                  <a:srgbClr val="0000FF"/>
+                </a:solidFill>
+              </a:rPr>
               <a:t>核心：计算</a:t>
             </a:r>
             <a:r>
-              <a:rPr lang="en-US" altLang="zh-CN" dirty="0" smtClean="0"/>
+              <a:rPr lang="en-US" altLang="zh-CN" dirty="0" smtClean="0">
+                <a:solidFill>
+                  <a:srgbClr val="0000FF"/>
+                </a:solidFill>
+              </a:rPr>
               <a:t>query</a:t>
             </a:r>
             <a:r>
-              <a:rPr lang="zh-CN" altLang="en-US" dirty="0" smtClean="0"/>
+              <a:rPr lang="zh-CN" altLang="en-US" dirty="0" smtClean="0">
+                <a:solidFill>
+                  <a:srgbClr val="0000FF"/>
+                </a:solidFill>
+              </a:rPr>
               <a:t>和所有文档的匹配程度</a:t>
             </a:r>
-            <a:endParaRPr lang="en-US" altLang="zh-CN" dirty="0" smtClean="0"/>
-          </a:p>
-          <a:p>
-            <a:r>
-              <a:rPr lang="zh-CN" altLang="en-US" dirty="0" smtClean="0"/>
+            <a:endParaRPr lang="en-US" altLang="zh-CN" dirty="0" smtClean="0">
+              <a:solidFill>
+                <a:srgbClr val="0000FF"/>
+              </a:solidFill>
+            </a:endParaRPr>
+          </a:p>
+          <a:p>
+            <a:r>
+              <a:rPr lang="zh-CN" altLang="en-US" dirty="0" smtClean="0">
+                <a:solidFill>
+                  <a:srgbClr val="0000FF"/>
+                </a:solidFill>
+              </a:rPr>
               <a:t>基于表示</a:t>
             </a:r>
-            <a:endParaRPr lang="en-US" altLang="zh-CN" dirty="0" smtClean="0"/>
-          </a:p>
-          <a:p>
-            <a:r>
-              <a:rPr lang="zh-CN" altLang="en-US" dirty="0" smtClean="0"/>
+            <a:endParaRPr lang="en-US" altLang="zh-CN" dirty="0" smtClean="0">
+              <a:solidFill>
+                <a:srgbClr val="0000FF"/>
+              </a:solidFill>
+            </a:endParaRPr>
+          </a:p>
+          <a:p>
+            <a:r>
+              <a:rPr lang="zh-CN" altLang="en-US" dirty="0" smtClean="0">
+                <a:solidFill>
+                  <a:srgbClr val="0000FF"/>
+                </a:solidFill>
+              </a:rPr>
               <a:t>基于交互</a:t>
             </a:r>
-            <a:endParaRPr lang="en-US" altLang="zh-CN" dirty="0"/>
+            <a:endParaRPr lang="en-US" altLang="zh-CN" dirty="0">
+              <a:solidFill>
+                <a:srgbClr val="0000FF"/>
+              </a:solidFill>
+            </a:endParaRPr>
           </a:p>
           <a:p>
             <a:pPr lvl="1"/>
@@ -27800,10 +28814,18 @@
           <a:lstStyle/>
           <a:p>
             <a:r>
-              <a:rPr lang="zh-CN" altLang="en-US" dirty="0" smtClean="0"/>
+              <a:rPr lang="zh-CN" altLang="en-US" dirty="0" smtClean="0">
+                <a:solidFill>
+                  <a:srgbClr val="0000FF"/>
+                </a:solidFill>
+              </a:rPr>
               <a:t>基于表示</a:t>
             </a:r>
-            <a:endParaRPr lang="en-US" altLang="zh-CN" dirty="0" smtClean="0"/>
+            <a:endParaRPr lang="en-US" altLang="zh-CN" dirty="0" smtClean="0">
+              <a:solidFill>
+                <a:srgbClr val="0000FF"/>
+              </a:solidFill>
+            </a:endParaRPr>
           </a:p>
           <a:p>
             <a:pPr lvl="1"/>
@@ -28087,10 +29109,18 @@
           <a:lstStyle/>
           <a:p>
             <a:r>
-              <a:rPr lang="zh-CN" altLang="en-US" dirty="0" smtClean="0"/>
+              <a:rPr lang="zh-CN" altLang="en-US" dirty="0" smtClean="0">
+                <a:solidFill>
+                  <a:srgbClr val="0000FF"/>
+                </a:solidFill>
+              </a:rPr>
               <a:t>基于交互</a:t>
             </a:r>
-            <a:endParaRPr lang="en-US" altLang="zh-CN" dirty="0" smtClean="0"/>
+            <a:endParaRPr lang="en-US" altLang="zh-CN" dirty="0" smtClean="0">
+              <a:solidFill>
+                <a:srgbClr val="0000FF"/>
+              </a:solidFill>
+            </a:endParaRPr>
           </a:p>
           <a:p>
             <a:pPr lvl="1"/>
@@ -28120,11 +29150,7 @@
             <a:pPr lvl="1"/>
             <a:r>
               <a:rPr lang="zh-CN" altLang="en-US" dirty="0" smtClean="0"/>
-              <a:t>典型模型</a:t>
-            </a:r>
-            <a:r>
-              <a:rPr lang="zh-CN" altLang="en-US" dirty="0" smtClean="0"/>
-              <a:t>：</a:t>
+              <a:t>典型模型：</a:t>
             </a:r>
             <a:r>
               <a:rPr lang="en-US" altLang="zh-CN" dirty="0" smtClean="0"/>
@@ -28319,10 +29345,18 @@
           <a:lstStyle/>
           <a:p>
             <a:r>
-              <a:rPr lang="zh-CN" altLang="en-US" dirty="0" smtClean="0"/>
+              <a:rPr lang="zh-CN" altLang="en-US" dirty="0" smtClean="0">
+                <a:solidFill>
+                  <a:srgbClr val="0000FF"/>
+                </a:solidFill>
+              </a:rPr>
               <a:t>训练方法</a:t>
             </a:r>
-            <a:endParaRPr lang="en-US" altLang="zh-CN" dirty="0" smtClean="0"/>
+            <a:endParaRPr lang="en-US" altLang="zh-CN" dirty="0" smtClean="0">
+              <a:solidFill>
+                <a:srgbClr val="0000FF"/>
+              </a:solidFill>
+            </a:endParaRPr>
           </a:p>
           <a:p>
             <a:pPr lvl="1"/>
@@ -28620,7 +29654,7 @@
         </p:nvSpPr>
         <p:spPr>
           <a:xfrm>
-            <a:off x="532697" y="3877949"/>
+            <a:off x="518621" y="3877949"/>
             <a:ext cx="1659187" cy="635004"/>
           </a:xfrm>
           <a:prstGeom prst="rect">
@@ -28683,7 +29717,7 @@
         </p:nvSpPr>
         <p:spPr>
           <a:xfrm>
-            <a:off x="734584" y="5897356"/>
+            <a:off x="720508" y="5897356"/>
             <a:ext cx="1263027" cy="369332"/>
           </a:xfrm>
           <a:prstGeom prst="rect">
@@ -28713,7 +29747,7 @@
         </p:nvSpPr>
         <p:spPr>
           <a:xfrm>
-            <a:off x="532697" y="4767072"/>
+            <a:off x="518621" y="4767072"/>
             <a:ext cx="1659187" cy="635004"/>
           </a:xfrm>
           <a:prstGeom prst="rect">
@@ -28784,7 +29818,7 @@
         </p:nvSpPr>
         <p:spPr>
           <a:xfrm>
-            <a:off x="532697" y="2988826"/>
+            <a:off x="518621" y="2988826"/>
             <a:ext cx="1659187" cy="635004"/>
           </a:xfrm>
           <a:prstGeom prst="rect">
@@ -28855,7 +29889,7 @@
         </p:nvSpPr>
         <p:spPr>
           <a:xfrm>
-            <a:off x="4119833" y="3873639"/>
+            <a:off x="3388304" y="3873639"/>
             <a:ext cx="1659187" cy="635004"/>
           </a:xfrm>
           <a:prstGeom prst="rect">
@@ -28918,7 +29952,7 @@
         </p:nvSpPr>
         <p:spPr>
           <a:xfrm>
-            <a:off x="4349857" y="5897356"/>
+            <a:off x="3618328" y="5897356"/>
             <a:ext cx="1218148" cy="369332"/>
           </a:xfrm>
           <a:prstGeom prst="rect">
@@ -28948,7 +29982,7 @@
         </p:nvSpPr>
         <p:spPr>
           <a:xfrm>
-            <a:off x="4119833" y="4762762"/>
+            <a:off x="3388304" y="4762762"/>
             <a:ext cx="1659187" cy="635004"/>
           </a:xfrm>
           <a:prstGeom prst="rect">
@@ -29019,7 +30053,7 @@
         </p:nvSpPr>
         <p:spPr>
           <a:xfrm>
-            <a:off x="4119833" y="2984516"/>
+            <a:off x="3388304" y="2984516"/>
             <a:ext cx="1659187" cy="635004"/>
           </a:xfrm>
           <a:prstGeom prst="rect">
@@ -29093,8 +30127,8 @@
         </p:nvCxnSpPr>
         <p:spPr>
           <a:xfrm flipV="1">
-            <a:off x="1362291" y="2409393"/>
-            <a:ext cx="1212098" cy="579433"/>
+            <a:off x="1348215" y="2409393"/>
+            <a:ext cx="832270" cy="579433"/>
           </a:xfrm>
           <a:prstGeom prst="straightConnector1">
             <a:avLst/>
@@ -29139,8 +30173,8 @@
         </p:nvCxnSpPr>
         <p:spPr>
           <a:xfrm flipH="1" flipV="1">
-            <a:off x="3774288" y="2409393"/>
-            <a:ext cx="1175139" cy="575123"/>
+            <a:off x="3380384" y="2409393"/>
+            <a:ext cx="837514" cy="575123"/>
           </a:xfrm>
           <a:prstGeom prst="straightConnector1">
             <a:avLst/>
@@ -29182,7 +30216,7 @@
         </p:nvSpPr>
         <p:spPr>
           <a:xfrm>
-            <a:off x="2574389" y="2082018"/>
+            <a:off x="2180485" y="2082018"/>
             <a:ext cx="1199899" cy="654750"/>
           </a:xfrm>
           <a:prstGeom prst="roundRect">
@@ -29256,7 +30290,7 @@
         </p:nvCxnSpPr>
         <p:spPr>
           <a:xfrm flipH="1" flipV="1">
-            <a:off x="3169945" y="1758119"/>
+            <a:off x="2776041" y="1758119"/>
             <a:ext cx="4394" cy="323899"/>
           </a:xfrm>
           <a:prstGeom prst="straightConnector1">
@@ -29299,7 +30333,7 @@
         </p:nvSpPr>
         <p:spPr>
           <a:xfrm>
-            <a:off x="2699344" y="1388787"/>
+            <a:off x="2305440" y="1388787"/>
             <a:ext cx="941202" cy="369332"/>
           </a:xfrm>
           <a:prstGeom prst="rect">
@@ -29340,7 +30374,7 @@
         </p:nvCxnSpPr>
         <p:spPr>
           <a:xfrm flipH="1" flipV="1">
-            <a:off x="1362291" y="5402076"/>
+            <a:off x="1348215" y="5402076"/>
             <a:ext cx="3807" cy="495280"/>
           </a:xfrm>
           <a:prstGeom prst="straightConnector1">
@@ -29386,7 +30420,7 @@
         </p:nvCxnSpPr>
         <p:spPr>
           <a:xfrm flipH="1" flipV="1">
-            <a:off x="4949427" y="5397766"/>
+            <a:off x="4217898" y="5397766"/>
             <a:ext cx="9504" cy="499590"/>
           </a:xfrm>
           <a:prstGeom prst="straightConnector1">
@@ -29432,7 +30466,7 @@
         </p:nvCxnSpPr>
         <p:spPr>
           <a:xfrm flipV="1">
-            <a:off x="1362291" y="4512953"/>
+            <a:off x="1348215" y="4512953"/>
             <a:ext cx="0" cy="254119"/>
           </a:xfrm>
           <a:prstGeom prst="straightConnector1">
@@ -29478,7 +30512,7 @@
         </p:nvCxnSpPr>
         <p:spPr>
           <a:xfrm flipV="1">
-            <a:off x="4949427" y="4508643"/>
+            <a:off x="4217898" y="4508643"/>
             <a:ext cx="0" cy="254119"/>
           </a:xfrm>
           <a:prstGeom prst="straightConnector1">
@@ -29524,7 +30558,7 @@
         </p:nvCxnSpPr>
         <p:spPr>
           <a:xfrm flipV="1">
-            <a:off x="4949427" y="3619520"/>
+            <a:off x="4217898" y="3619520"/>
             <a:ext cx="0" cy="254119"/>
           </a:xfrm>
           <a:prstGeom prst="straightConnector1">
@@ -29570,7 +30604,7 @@
         </p:nvCxnSpPr>
         <p:spPr>
           <a:xfrm flipV="1">
-            <a:off x="1362291" y="3623830"/>
+            <a:off x="1348215" y="3623830"/>
             <a:ext cx="0" cy="254119"/>
           </a:xfrm>
           <a:prstGeom prst="straightConnector1">
@@ -29608,13 +30642,16 @@
       <p:cxnSp>
         <p:nvCxnSpPr>
           <p:cNvPr id="52" name="直线箭头连接符 51"/>
-          <p:cNvCxnSpPr/>
+          <p:cNvCxnSpPr>
+            <a:stCxn id="5" idx="3"/>
+            <a:endCxn id="13" idx="1"/>
+          </p:cNvCxnSpPr>
           <p:nvPr/>
         </p:nvCxnSpPr>
         <p:spPr>
-          <a:xfrm>
-            <a:off x="2461847" y="4160151"/>
-            <a:ext cx="1402130" cy="0"/>
+          <a:xfrm flipV="1">
+            <a:off x="2177808" y="4191141"/>
+            <a:ext cx="1210496" cy="4310"/>
           </a:xfrm>
           <a:prstGeom prst="straightConnector1">
             <a:avLst/>
@@ -29653,13 +30690,16 @@
       <p:cxnSp>
         <p:nvCxnSpPr>
           <p:cNvPr id="53" name="直线箭头连接符 52"/>
-          <p:cNvCxnSpPr/>
+          <p:cNvCxnSpPr>
+            <a:stCxn id="7" idx="3"/>
+            <a:endCxn id="15" idx="1"/>
+          </p:cNvCxnSpPr>
           <p:nvPr/>
         </p:nvCxnSpPr>
         <p:spPr>
-          <a:xfrm>
-            <a:off x="2468880" y="5028976"/>
-            <a:ext cx="1402130" cy="0"/>
+          <a:xfrm flipV="1">
+            <a:off x="2177808" y="5080264"/>
+            <a:ext cx="1210496" cy="4310"/>
           </a:xfrm>
           <a:prstGeom prst="straightConnector1">
             <a:avLst/>
@@ -29703,7 +30743,7 @@
         </p:nvSpPr>
         <p:spPr>
           <a:xfrm>
-            <a:off x="2827208" y="3854063"/>
+            <a:off x="2433304" y="3854063"/>
             <a:ext cx="671408" cy="369332"/>
           </a:xfrm>
           <a:prstGeom prst="rect">
@@ -29733,7 +30773,7 @@
         </p:nvSpPr>
         <p:spPr>
           <a:xfrm>
-            <a:off x="2836949" y="4710932"/>
+            <a:off x="2443045" y="4710932"/>
             <a:ext cx="772315" cy="369332"/>
           </a:xfrm>
           <a:prstGeom prst="rect">
@@ -29755,6 +30795,404 @@
           </a:p>
         </p:txBody>
       </p:sp>
+      <p:graphicFrame>
+        <p:nvGraphicFramePr>
+          <p:cNvPr id="40" name="表格 39">
+            <a:extLst>
+              <a:ext uri="{FF2B5EF4-FFF2-40B4-BE49-F238E27FC236}">
+                <a16:creationId xmlns:a16="http://schemas.microsoft.com/office/drawing/2014/main" xmlns="" id="{D699D869-F231-4563-94A3-03B14486F76B}"/>
+              </a:ext>
+            </a:extLst>
+          </p:cNvPr>
+          <p:cNvGraphicFramePr>
+            <a:graphicFrameLocks noGrp="1"/>
+          </p:cNvGraphicFramePr>
+          <p:nvPr>
+            <p:extLst>
+              <p:ext uri="{D42A27DB-BD31-4B8C-83A1-F6EECF244321}">
+                <p14:modId xmlns:p14="http://schemas.microsoft.com/office/powerpoint/2010/main" val="1227121275"/>
+              </p:ext>
+            </p:extLst>
+          </p:nvPr>
+        </p:nvGraphicFramePr>
+        <p:xfrm>
+          <a:off x="4446541" y="1527661"/>
+          <a:ext cx="4499762" cy="1097280"/>
+        </p:xfrm>
+        <a:graphic>
+          <a:graphicData uri="http://schemas.openxmlformats.org/drawingml/2006/table">
+            <a:tbl>
+              <a:tblPr firstRow="1" bandRow="1">
+                <a:tableStyleId>{5940675A-B579-460E-94D1-54222C63F5DA}</a:tableStyleId>
+              </a:tblPr>
+              <a:tblGrid>
+                <a:gridCol w="1374582">
+                  <a:extLst>
+                    <a:ext uri="{9D8B030D-6E8A-4147-A177-3AD203B41FA5}">
+                      <a16:colId xmlns:a16="http://schemas.microsoft.com/office/drawing/2014/main" xmlns="" val="323982264"/>
+                    </a:ext>
+                  </a:extLst>
+                </a:gridCol>
+                <a:gridCol w="1050364">
+                  <a:extLst>
+                    <a:ext uri="{9D8B030D-6E8A-4147-A177-3AD203B41FA5}">
+                      <a16:colId xmlns:a16="http://schemas.microsoft.com/office/drawing/2014/main" xmlns="" val="3244197200"/>
+                    </a:ext>
+                  </a:extLst>
+                </a:gridCol>
+                <a:gridCol w="1043436">
+                  <a:extLst>
+                    <a:ext uri="{9D8B030D-6E8A-4147-A177-3AD203B41FA5}">
+                      <a16:colId xmlns:a16="http://schemas.microsoft.com/office/drawing/2014/main" xmlns="" val="1784650501"/>
+                    </a:ext>
+                  </a:extLst>
+                </a:gridCol>
+                <a:gridCol w="1031380">
+                  <a:extLst>
+                    <a:ext uri="{9D8B030D-6E8A-4147-A177-3AD203B41FA5}">
+                      <a16:colId xmlns:a16="http://schemas.microsoft.com/office/drawing/2014/main" xmlns="" val="1626703488"/>
+                    </a:ext>
+                  </a:extLst>
+                </a:gridCol>
+              </a:tblGrid>
+              <a:tr h="0">
+                <a:tc>
+                  <a:txBody>
+                    <a:bodyPr/>
+                    <a:lstStyle/>
+                    <a:p>
+                      <a:endParaRPr lang="zh-CN" altLang="en-US" dirty="0"/>
+                    </a:p>
+                  </a:txBody>
+                  <a:tcPr>
+                    <a:solidFill>
+                      <a:schemeClr val="bg1">
+                        <a:lumMod val="85000"/>
+                      </a:schemeClr>
+                    </a:solidFill>
+                  </a:tcPr>
+                </a:tc>
+                <a:tc>
+                  <a:txBody>
+                    <a:bodyPr/>
+                    <a:lstStyle/>
+                    <a:p>
+                      <a:pPr algn="ctr"/>
+                      <a:r>
+                        <a:rPr lang="en-US" altLang="zh-CN" dirty="0" smtClean="0"/>
+                        <a:t>P@1</a:t>
+                      </a:r>
+                      <a:endParaRPr lang="zh-CN" altLang="en-US" dirty="0"/>
+                    </a:p>
+                  </a:txBody>
+                  <a:tcPr>
+                    <a:solidFill>
+                      <a:schemeClr val="bg1">
+                        <a:lumMod val="85000"/>
+                      </a:schemeClr>
+                    </a:solidFill>
+                  </a:tcPr>
+                </a:tc>
+                <a:tc>
+                  <a:txBody>
+                    <a:bodyPr/>
+                    <a:lstStyle/>
+                    <a:p>
+                      <a:pPr algn="ctr"/>
+                      <a:r>
+                        <a:rPr lang="en-US" altLang="zh-CN" dirty="0" smtClean="0"/>
+                        <a:t>P@3</a:t>
+                      </a:r>
+                      <a:endParaRPr lang="zh-CN" altLang="en-US" dirty="0"/>
+                    </a:p>
+                  </a:txBody>
+                  <a:tcPr>
+                    <a:solidFill>
+                      <a:schemeClr val="bg1">
+                        <a:lumMod val="85000"/>
+                      </a:schemeClr>
+                    </a:solidFill>
+                  </a:tcPr>
+                </a:tc>
+                <a:tc>
+                  <a:txBody>
+                    <a:bodyPr/>
+                    <a:lstStyle/>
+                    <a:p>
+                      <a:pPr algn="ctr"/>
+                      <a:r>
+                        <a:rPr lang="en-US" altLang="zh-CN" dirty="0" smtClean="0"/>
+                        <a:t>P@5</a:t>
+                      </a:r>
+                      <a:endParaRPr lang="zh-CN" altLang="en-US" dirty="0"/>
+                    </a:p>
+                  </a:txBody>
+                  <a:tcPr>
+                    <a:solidFill>
+                      <a:schemeClr val="bg1">
+                        <a:lumMod val="85000"/>
+                      </a:schemeClr>
+                    </a:solidFill>
+                  </a:tcPr>
+                </a:tc>
+                <a:extLst>
+                  <a:ext uri="{0D108BD9-81ED-4DB2-BD59-A6C34878D82A}">
+                    <a16:rowId xmlns:a16="http://schemas.microsoft.com/office/drawing/2014/main" xmlns="" val="2750491912"/>
+                  </a:ext>
+                </a:extLst>
+              </a:tr>
+              <a:tr h="290054">
+                <a:tc>
+                  <a:txBody>
+                    <a:bodyPr/>
+                    <a:lstStyle/>
+                    <a:p>
+                      <a:r>
+                        <a:rPr lang="en-US" altLang="zh-CN" dirty="0" smtClean="0"/>
+                        <a:t>BM25</a:t>
+                      </a:r>
+                      <a:endParaRPr lang="zh-CN" altLang="en-US" dirty="0"/>
+                    </a:p>
+                  </a:txBody>
+                  <a:tcPr>
+                    <a:solidFill>
+                      <a:schemeClr val="bg1">
+                        <a:lumMod val="85000"/>
+                      </a:schemeClr>
+                    </a:solidFill>
+                  </a:tcPr>
+                </a:tc>
+                <a:tc>
+                  <a:txBody>
+                    <a:bodyPr/>
+                    <a:lstStyle/>
+                    <a:p>
+                      <a:pPr algn="ctr"/>
+                      <a:r>
+                        <a:rPr lang="sk-SK" dirty="0" smtClean="0">
+                          <a:solidFill>
+                            <a:schemeClr val="tx1"/>
+                          </a:solidFill>
+                          <a:effectLst/>
+                        </a:rPr>
+                        <a:t>70.7</a:t>
+                      </a:r>
+                      <a:endParaRPr lang="sk-SK" dirty="0">
+                        <a:solidFill>
+                          <a:schemeClr val="tx1"/>
+                        </a:solidFill>
+                        <a:effectLst/>
+                      </a:endParaRPr>
+                    </a:p>
+                  </a:txBody>
+                  <a:tcPr anchor="ctr">
+                    <a:solidFill>
+                      <a:schemeClr val="bg1">
+                        <a:lumMod val="85000"/>
+                      </a:schemeClr>
+                    </a:solidFill>
+                  </a:tcPr>
+                </a:tc>
+                <a:tc>
+                  <a:txBody>
+                    <a:bodyPr/>
+                    <a:lstStyle/>
+                    <a:p>
+                      <a:pPr algn="ctr"/>
+                      <a:r>
+                        <a:rPr lang="sk-SK" dirty="0" smtClean="0">
+                          <a:solidFill>
+                            <a:schemeClr val="tx1"/>
+                          </a:solidFill>
+                          <a:effectLst/>
+                        </a:rPr>
+                        <a:t>86.42</a:t>
+                      </a:r>
+                      <a:endParaRPr lang="sk-SK" dirty="0">
+                        <a:solidFill>
+                          <a:schemeClr val="tx1"/>
+                        </a:solidFill>
+                        <a:effectLst/>
+                      </a:endParaRPr>
+                    </a:p>
+                  </a:txBody>
+                  <a:tcPr anchor="ctr">
+                    <a:solidFill>
+                      <a:schemeClr val="bg1">
+                        <a:lumMod val="85000"/>
+                      </a:schemeClr>
+                    </a:solidFill>
+                  </a:tcPr>
+                </a:tc>
+                <a:tc>
+                  <a:txBody>
+                    <a:bodyPr/>
+                    <a:lstStyle/>
+                    <a:p>
+                      <a:pPr algn="ctr"/>
+                      <a:r>
+                        <a:rPr lang="sk-SK" dirty="0" smtClean="0">
+                          <a:solidFill>
+                            <a:schemeClr val="tx1"/>
+                          </a:solidFill>
+                          <a:effectLst/>
+                        </a:rPr>
+                        <a:t>91.55</a:t>
+                      </a:r>
+                      <a:endParaRPr lang="sk-SK" dirty="0">
+                        <a:solidFill>
+                          <a:schemeClr val="tx1"/>
+                        </a:solidFill>
+                        <a:effectLst/>
+                      </a:endParaRPr>
+                    </a:p>
+                  </a:txBody>
+                  <a:tcPr anchor="ctr">
+                    <a:solidFill>
+                      <a:schemeClr val="bg1">
+                        <a:lumMod val="85000"/>
+                      </a:schemeClr>
+                    </a:solidFill>
+                  </a:tcPr>
+                </a:tc>
+                <a:extLst>
+                  <a:ext uri="{0D108BD9-81ED-4DB2-BD59-A6C34878D82A}">
+                    <a16:rowId xmlns:a16="http://schemas.microsoft.com/office/drawing/2014/main" xmlns="" val="2192882660"/>
+                  </a:ext>
+                </a:extLst>
+              </a:tr>
+              <a:tr h="290054">
+                <a:tc>
+                  <a:txBody>
+                    <a:bodyPr/>
+                    <a:lstStyle/>
+                    <a:p>
+                      <a:r>
+                        <a:rPr lang="en-US" altLang="zh-CN" dirty="0" err="1" smtClean="0">
+                          <a:solidFill>
+                            <a:schemeClr val="tx1"/>
+                          </a:solidFill>
+                        </a:rPr>
+                        <a:t>TextRNN</a:t>
+                      </a:r>
+                      <a:endParaRPr lang="zh-CN" altLang="en-US" dirty="0">
+                        <a:solidFill>
+                          <a:schemeClr val="tx1"/>
+                        </a:solidFill>
+                      </a:endParaRPr>
+                    </a:p>
+                  </a:txBody>
+                  <a:tcPr>
+                    <a:solidFill>
+                      <a:schemeClr val="bg1">
+                        <a:lumMod val="85000"/>
+                      </a:schemeClr>
+                    </a:solidFill>
+                  </a:tcPr>
+                </a:tc>
+                <a:tc>
+                  <a:txBody>
+                    <a:bodyPr/>
+                    <a:lstStyle/>
+                    <a:p>
+                      <a:pPr algn="ctr"/>
+                      <a:r>
+                        <a:rPr lang="sk-SK" dirty="0" smtClean="0">
+                          <a:solidFill>
+                            <a:schemeClr val="tx1"/>
+                          </a:solidFill>
+                          <a:effectLst/>
+                        </a:rPr>
+                        <a:t>82.79</a:t>
+                      </a:r>
+                      <a:endParaRPr lang="sk-SK" dirty="0">
+                        <a:solidFill>
+                          <a:schemeClr val="tx1"/>
+                        </a:solidFill>
+                        <a:effectLst/>
+                      </a:endParaRPr>
+                    </a:p>
+                  </a:txBody>
+                  <a:tcPr anchor="ctr">
+                    <a:solidFill>
+                      <a:schemeClr val="bg1">
+                        <a:lumMod val="85000"/>
+                      </a:schemeClr>
+                    </a:solidFill>
+                  </a:tcPr>
+                </a:tc>
+                <a:tc>
+                  <a:txBody>
+                    <a:bodyPr/>
+                    <a:lstStyle/>
+                    <a:p>
+                      <a:pPr algn="ctr"/>
+                      <a:r>
+                        <a:rPr lang="sk-SK" dirty="0" smtClean="0">
+                          <a:solidFill>
+                            <a:schemeClr val="tx1"/>
+                          </a:solidFill>
+                          <a:effectLst/>
+                        </a:rPr>
+                        <a:t>94.44</a:t>
+                      </a:r>
+                      <a:endParaRPr lang="sk-SK" dirty="0">
+                        <a:solidFill>
+                          <a:schemeClr val="tx1"/>
+                        </a:solidFill>
+                        <a:effectLst/>
+                      </a:endParaRPr>
+                    </a:p>
+                  </a:txBody>
+                  <a:tcPr anchor="ctr">
+                    <a:solidFill>
+                      <a:schemeClr val="bg1">
+                        <a:lumMod val="85000"/>
+                      </a:schemeClr>
+                    </a:solidFill>
+                  </a:tcPr>
+                </a:tc>
+                <a:tc>
+                  <a:txBody>
+                    <a:bodyPr/>
+                    <a:lstStyle/>
+                    <a:p>
+                      <a:pPr algn="ctr"/>
+                      <a:r>
+                        <a:rPr lang="sk-SK" dirty="0" smtClean="0">
+                          <a:solidFill>
+                            <a:schemeClr val="tx1"/>
+                          </a:solidFill>
+                          <a:effectLst/>
+                        </a:rPr>
+                        <a:t>96.85</a:t>
+                      </a:r>
+                      <a:endParaRPr lang="sk-SK" dirty="0">
+                        <a:solidFill>
+                          <a:schemeClr val="tx1"/>
+                        </a:solidFill>
+                        <a:effectLst/>
+                      </a:endParaRPr>
+                    </a:p>
+                  </a:txBody>
+                  <a:tcPr anchor="ctr">
+                    <a:solidFill>
+                      <a:schemeClr val="bg1">
+                        <a:lumMod val="85000"/>
+                      </a:schemeClr>
+                    </a:solidFill>
+                  </a:tcPr>
+                </a:tc>
+                <a:extLst>
+                  <a:ext uri="{0D108BD9-81ED-4DB2-BD59-A6C34878D82A}">
+                    <a16:rowId xmlns:a16="http://schemas.microsoft.com/office/drawing/2014/main" xmlns="" val="4188706716"/>
+                  </a:ext>
+                </a:extLst>
+              </a:tr>
+            </a:tbl>
+          </a:graphicData>
+        </a:graphic>
+      </p:graphicFrame>
     </p:spTree>
     <p:extLst>
       <p:ext uri="{BB962C8B-B14F-4D97-AF65-F5344CB8AC3E}">

--- a/src/2020-9-3-text-ranker/TextRanker.pptx
+++ b/src/2020-9-3-text-ranker/TextRanker.pptx
@@ -245,7 +245,7 @@
           <a:p>
             <a:fld id="{5401280E-9C21-5147-B3E2-08F52498B9FE}" type="datetimeFigureOut">
               <a:rPr kumimoji="1" lang="zh-CN" altLang="en-US" smtClean="0"/>
-              <a:t>2020/9/13</a:t>
+              <a:t>2020/9/14</a:t>
             </a:fld>
             <a:endParaRPr kumimoji="1" lang="zh-CN" altLang="en-US"/>
           </a:p>
@@ -411,7 +411,7 @@
           <a:p>
             <a:fld id="{9ADC4465-A6AC-F04C-B0E6-FA479ED39315}" type="datetimeFigureOut">
               <a:rPr kumimoji="1" lang="zh-CN" altLang="en-US" smtClean="0"/>
-              <a:t>2020/9/13</a:t>
+              <a:t>2020/9/14</a:t>
             </a:fld>
             <a:endParaRPr kumimoji="1" lang="zh-CN" altLang="en-US"/>
           </a:p>
@@ -3298,7 +3298,7 @@
           <a:p>
             <a:fld id="{72149E17-1610-6341-A525-4FB5593A67E6}" type="datetimeFigureOut">
               <a:rPr kumimoji="1" lang="zh-CN" altLang="en-US" smtClean="0"/>
-              <a:t>2020/9/13</a:t>
+              <a:t>2020/9/14</a:t>
             </a:fld>
             <a:endParaRPr kumimoji="1" lang="zh-CN" altLang="en-US"/>
           </a:p>
@@ -3393,7 +3393,7 @@
           <a:p>
             <a:fld id="{72149E17-1610-6341-A525-4FB5593A67E6}" type="datetimeFigureOut">
               <a:rPr kumimoji="1" lang="zh-CN" altLang="en-US" smtClean="0"/>
-              <a:t>2020/9/13</a:t>
+              <a:t>2020/9/14</a:t>
             </a:fld>
             <a:endParaRPr kumimoji="1" lang="zh-CN" altLang="en-US"/>
           </a:p>
@@ -3668,7 +3668,7 @@
           <a:p>
             <a:fld id="{72149E17-1610-6341-A525-4FB5593A67E6}" type="datetimeFigureOut">
               <a:rPr kumimoji="1" lang="zh-CN" altLang="en-US" smtClean="0"/>
-              <a:t>2020/9/13</a:t>
+              <a:t>2020/9/14</a:t>
             </a:fld>
             <a:endParaRPr kumimoji="1" lang="zh-CN" altLang="en-US"/>
           </a:p>
@@ -3920,7 +3920,7 @@
           <a:p>
             <a:fld id="{72149E17-1610-6341-A525-4FB5593A67E6}" type="datetimeFigureOut">
               <a:rPr kumimoji="1" lang="zh-CN" altLang="en-US" smtClean="0"/>
-              <a:t>2020/9/13</a:t>
+              <a:t>2020/9/14</a:t>
             </a:fld>
             <a:endParaRPr kumimoji="1" lang="zh-CN" altLang="en-US"/>
           </a:p>
@@ -4088,7 +4088,7 @@
           <a:p>
             <a:fld id="{72149E17-1610-6341-A525-4FB5593A67E6}" type="datetimeFigureOut">
               <a:rPr kumimoji="1" lang="zh-CN" altLang="en-US" smtClean="0"/>
-              <a:t>2020/9/13</a:t>
+              <a:t>2020/9/14</a:t>
             </a:fld>
             <a:endParaRPr kumimoji="1" lang="zh-CN" altLang="en-US"/>
           </a:p>
@@ -4266,7 +4266,7 @@
           <a:p>
             <a:fld id="{72149E17-1610-6341-A525-4FB5593A67E6}" type="datetimeFigureOut">
               <a:rPr kumimoji="1" lang="zh-CN" altLang="en-US" smtClean="0"/>
-              <a:t>2020/9/13</a:t>
+              <a:t>2020/9/14</a:t>
             </a:fld>
             <a:endParaRPr kumimoji="1" lang="zh-CN" altLang="en-US"/>
           </a:p>
@@ -4456,7 +4456,7 @@
           <a:p>
             <a:fld id="{19596FE3-A52D-5246-AFDD-E9BC5D86587F}" type="datetimeFigureOut">
               <a:rPr kumimoji="1" lang="zh-CN" altLang="en-US" smtClean="0"/>
-              <a:t>2020/9/13</a:t>
+              <a:t>2020/9/14</a:t>
             </a:fld>
             <a:endParaRPr kumimoji="1" lang="zh-CN" altLang="en-US"/>
           </a:p>
@@ -4624,7 +4624,7 @@
           <a:p>
             <a:fld id="{19596FE3-A52D-5246-AFDD-E9BC5D86587F}" type="datetimeFigureOut">
               <a:rPr kumimoji="1" lang="zh-CN" altLang="en-US" smtClean="0"/>
-              <a:t>2020/9/13</a:t>
+              <a:t>2020/9/14</a:t>
             </a:fld>
             <a:endParaRPr kumimoji="1" lang="zh-CN" altLang="en-US"/>
           </a:p>
@@ -4869,7 +4869,7 @@
           <a:p>
             <a:fld id="{19596FE3-A52D-5246-AFDD-E9BC5D86587F}" type="datetimeFigureOut">
               <a:rPr kumimoji="1" lang="zh-CN" altLang="en-US" smtClean="0"/>
-              <a:t>2020/9/13</a:t>
+              <a:t>2020/9/14</a:t>
             </a:fld>
             <a:endParaRPr kumimoji="1" lang="zh-CN" altLang="en-US"/>
           </a:p>
@@ -5098,7 +5098,7 @@
           <a:p>
             <a:fld id="{19596FE3-A52D-5246-AFDD-E9BC5D86587F}" type="datetimeFigureOut">
               <a:rPr kumimoji="1" lang="zh-CN" altLang="en-US" smtClean="0"/>
-              <a:t>2020/9/13</a:t>
+              <a:t>2020/9/14</a:t>
             </a:fld>
             <a:endParaRPr kumimoji="1" lang="zh-CN" altLang="en-US"/>
           </a:p>
@@ -5639,7 +5639,7 @@
           <a:p>
             <a:fld id="{19596FE3-A52D-5246-AFDD-E9BC5D86587F}" type="datetimeFigureOut">
               <a:rPr kumimoji="1" lang="zh-CN" altLang="en-US" smtClean="0"/>
-              <a:t>2020/9/13</a:t>
+              <a:t>2020/9/14</a:t>
             </a:fld>
             <a:endParaRPr kumimoji="1" lang="zh-CN" altLang="en-US"/>
           </a:p>
@@ -5756,7 +5756,7 @@
           <a:p>
             <a:fld id="{19596FE3-A52D-5246-AFDD-E9BC5D86587F}" type="datetimeFigureOut">
               <a:rPr kumimoji="1" lang="zh-CN" altLang="en-US" smtClean="0"/>
-              <a:t>2020/9/13</a:t>
+              <a:t>2020/9/14</a:t>
             </a:fld>
             <a:endParaRPr kumimoji="1" lang="zh-CN" altLang="en-US"/>
           </a:p>
@@ -5851,7 +5851,7 @@
           <a:p>
             <a:fld id="{19596FE3-A52D-5246-AFDD-E9BC5D86587F}" type="datetimeFigureOut">
               <a:rPr kumimoji="1" lang="zh-CN" altLang="en-US" smtClean="0"/>
-              <a:t>2020/9/13</a:t>
+              <a:t>2020/9/14</a:t>
             </a:fld>
             <a:endParaRPr kumimoji="1" lang="zh-CN" altLang="en-US"/>
           </a:p>
@@ -6126,7 +6126,7 @@
           <a:p>
             <a:fld id="{19596FE3-A52D-5246-AFDD-E9BC5D86587F}" type="datetimeFigureOut">
               <a:rPr kumimoji="1" lang="zh-CN" altLang="en-US" smtClean="0"/>
-              <a:t>2020/9/13</a:t>
+              <a:t>2020/9/14</a:t>
             </a:fld>
             <a:endParaRPr kumimoji="1" lang="zh-CN" altLang="en-US"/>
           </a:p>
@@ -6378,7 +6378,7 @@
           <a:p>
             <a:fld id="{19596FE3-A52D-5246-AFDD-E9BC5D86587F}" type="datetimeFigureOut">
               <a:rPr kumimoji="1" lang="zh-CN" altLang="en-US" smtClean="0"/>
-              <a:t>2020/9/13</a:t>
+              <a:t>2020/9/14</a:t>
             </a:fld>
             <a:endParaRPr kumimoji="1" lang="zh-CN" altLang="en-US"/>
           </a:p>
@@ -6546,7 +6546,7 @@
           <a:p>
             <a:fld id="{19596FE3-A52D-5246-AFDD-E9BC5D86587F}" type="datetimeFigureOut">
               <a:rPr kumimoji="1" lang="zh-CN" altLang="en-US" smtClean="0"/>
-              <a:t>2020/9/13</a:t>
+              <a:t>2020/9/14</a:t>
             </a:fld>
             <a:endParaRPr kumimoji="1" lang="zh-CN" altLang="en-US"/>
           </a:p>
@@ -6724,7 +6724,7 @@
           <a:p>
             <a:fld id="{19596FE3-A52D-5246-AFDD-E9BC5D86587F}" type="datetimeFigureOut">
               <a:rPr kumimoji="1" lang="zh-CN" altLang="en-US" smtClean="0"/>
-              <a:t>2020/9/13</a:t>
+              <a:t>2020/9/14</a:t>
             </a:fld>
             <a:endParaRPr kumimoji="1" lang="zh-CN" altLang="en-US"/>
           </a:p>
@@ -6914,7 +6914,7 @@
           <a:p>
             <a:fld id="{D61E3598-565F-7343-8C64-503116B36FA7}" type="datetimeFigureOut">
               <a:rPr kumimoji="1" lang="zh-CN" altLang="en-US" smtClean="0"/>
-              <a:t>2020/9/13</a:t>
+              <a:t>2020/9/14</a:t>
             </a:fld>
             <a:endParaRPr kumimoji="1" lang="zh-CN" altLang="en-US"/>
           </a:p>
@@ -7082,7 +7082,7 @@
           <a:p>
             <a:fld id="{D61E3598-565F-7343-8C64-503116B36FA7}" type="datetimeFigureOut">
               <a:rPr kumimoji="1" lang="zh-CN" altLang="en-US" smtClean="0"/>
-              <a:t>2020/9/13</a:t>
+              <a:t>2020/9/14</a:t>
             </a:fld>
             <a:endParaRPr kumimoji="1" lang="zh-CN" altLang="en-US"/>
           </a:p>
@@ -7327,7 +7327,7 @@
           <a:p>
             <a:fld id="{D61E3598-565F-7343-8C64-503116B36FA7}" type="datetimeFigureOut">
               <a:rPr kumimoji="1" lang="zh-CN" altLang="en-US" smtClean="0"/>
-              <a:t>2020/9/13</a:t>
+              <a:t>2020/9/14</a:t>
             </a:fld>
             <a:endParaRPr kumimoji="1" lang="zh-CN" altLang="en-US"/>
           </a:p>
@@ -7651,7 +7651,7 @@
           <a:p>
             <a:fld id="{D61E3598-565F-7343-8C64-503116B36FA7}" type="datetimeFigureOut">
               <a:rPr kumimoji="1" lang="zh-CN" altLang="en-US" smtClean="0"/>
-              <a:t>2020/9/13</a:t>
+              <a:t>2020/9/14</a:t>
             </a:fld>
             <a:endParaRPr kumimoji="1" lang="zh-CN" altLang="en-US"/>
           </a:p>
@@ -8015,7 +8015,7 @@
           <a:p>
             <a:fld id="{D61E3598-565F-7343-8C64-503116B36FA7}" type="datetimeFigureOut">
               <a:rPr kumimoji="1" lang="zh-CN" altLang="en-US" smtClean="0"/>
-              <a:t>2020/9/13</a:t>
+              <a:t>2020/9/14</a:t>
             </a:fld>
             <a:endParaRPr kumimoji="1" lang="zh-CN" altLang="en-US"/>
           </a:p>
@@ -8132,7 +8132,7 @@
           <a:p>
             <a:fld id="{D61E3598-565F-7343-8C64-503116B36FA7}" type="datetimeFigureOut">
               <a:rPr kumimoji="1" lang="zh-CN" altLang="en-US" smtClean="0"/>
-              <a:t>2020/9/13</a:t>
+              <a:t>2020/9/14</a:t>
             </a:fld>
             <a:endParaRPr kumimoji="1" lang="zh-CN" altLang="en-US"/>
           </a:p>
@@ -8227,7 +8227,7 @@
           <a:p>
             <a:fld id="{D61E3598-565F-7343-8C64-503116B36FA7}" type="datetimeFigureOut">
               <a:rPr kumimoji="1" lang="zh-CN" altLang="en-US" smtClean="0"/>
-              <a:t>2020/9/13</a:t>
+              <a:t>2020/9/14</a:t>
             </a:fld>
             <a:endParaRPr kumimoji="1" lang="zh-CN" altLang="en-US"/>
           </a:p>
@@ -8502,7 +8502,7 @@
           <a:p>
             <a:fld id="{D61E3598-565F-7343-8C64-503116B36FA7}" type="datetimeFigureOut">
               <a:rPr kumimoji="1" lang="zh-CN" altLang="en-US" smtClean="0"/>
-              <a:t>2020/9/13</a:t>
+              <a:t>2020/9/14</a:t>
             </a:fld>
             <a:endParaRPr kumimoji="1" lang="zh-CN" altLang="en-US"/>
           </a:p>
@@ -8754,7 +8754,7 @@
           <a:p>
             <a:fld id="{D61E3598-565F-7343-8C64-503116B36FA7}" type="datetimeFigureOut">
               <a:rPr kumimoji="1" lang="zh-CN" altLang="en-US" smtClean="0"/>
-              <a:t>2020/9/13</a:t>
+              <a:t>2020/9/14</a:t>
             </a:fld>
             <a:endParaRPr kumimoji="1" lang="zh-CN" altLang="en-US"/>
           </a:p>
@@ -8922,7 +8922,7 @@
           <a:p>
             <a:fld id="{D61E3598-565F-7343-8C64-503116B36FA7}" type="datetimeFigureOut">
               <a:rPr kumimoji="1" lang="zh-CN" altLang="en-US" smtClean="0"/>
-              <a:t>2020/9/13</a:t>
+              <a:t>2020/9/14</a:t>
             </a:fld>
             <a:endParaRPr kumimoji="1" lang="zh-CN" altLang="en-US"/>
           </a:p>
@@ -9100,7 +9100,7 @@
           <a:p>
             <a:fld id="{D61E3598-565F-7343-8C64-503116B36FA7}" type="datetimeFigureOut">
               <a:rPr kumimoji="1" lang="zh-CN" altLang="en-US" smtClean="0"/>
-              <a:t>2020/9/13</a:t>
+              <a:t>2020/9/14</a:t>
             </a:fld>
             <a:endParaRPr kumimoji="1" lang="zh-CN" altLang="en-US"/>
           </a:p>
@@ -9385,7 +9385,7 @@
           <a:p>
             <a:fld id="{72149E17-1610-6341-A525-4FB5593A67E6}" type="datetimeFigureOut">
               <a:rPr kumimoji="1" lang="zh-CN" altLang="en-US" smtClean="0"/>
-              <a:t>2020/9/13</a:t>
+              <a:t>2020/9/14</a:t>
             </a:fld>
             <a:endParaRPr kumimoji="1" lang="zh-CN" altLang="en-US"/>
           </a:p>
@@ -9553,7 +9553,7 @@
           <a:p>
             <a:fld id="{72149E17-1610-6341-A525-4FB5593A67E6}" type="datetimeFigureOut">
               <a:rPr kumimoji="1" lang="zh-CN" altLang="en-US" smtClean="0"/>
-              <a:t>2020/9/13</a:t>
+              <a:t>2020/9/14</a:t>
             </a:fld>
             <a:endParaRPr kumimoji="1" lang="zh-CN" altLang="en-US"/>
           </a:p>
@@ -9798,7 +9798,7 @@
           <a:p>
             <a:fld id="{72149E17-1610-6341-A525-4FB5593A67E6}" type="datetimeFigureOut">
               <a:rPr kumimoji="1" lang="zh-CN" altLang="en-US" smtClean="0"/>
-              <a:t>2020/9/13</a:t>
+              <a:t>2020/9/14</a:t>
             </a:fld>
             <a:endParaRPr kumimoji="1" lang="zh-CN" altLang="en-US"/>
           </a:p>
@@ -10027,7 +10027,7 @@
           <a:p>
             <a:fld id="{72149E17-1610-6341-A525-4FB5593A67E6}" type="datetimeFigureOut">
               <a:rPr kumimoji="1" lang="zh-CN" altLang="en-US" smtClean="0"/>
-              <a:t>2020/9/13</a:t>
+              <a:t>2020/9/14</a:t>
             </a:fld>
             <a:endParaRPr kumimoji="1" lang="zh-CN" altLang="en-US"/>
           </a:p>
@@ -10391,7 +10391,7 @@
           <a:p>
             <a:fld id="{72149E17-1610-6341-A525-4FB5593A67E6}" type="datetimeFigureOut">
               <a:rPr kumimoji="1" lang="zh-CN" altLang="en-US" smtClean="0"/>
-              <a:t>2020/9/13</a:t>
+              <a:t>2020/9/14</a:t>
             </a:fld>
             <a:endParaRPr kumimoji="1" lang="zh-CN" altLang="en-US"/>
           </a:p>
@@ -11292,7 +11292,7 @@
           <a:p>
             <a:fld id="{72149E17-1610-6341-A525-4FB5593A67E6}" type="datetimeFigureOut">
               <a:rPr kumimoji="1" lang="zh-CN" altLang="en-US" smtClean="0"/>
-              <a:t>2020/9/13</a:t>
+              <a:t>2020/9/14</a:t>
             </a:fld>
             <a:endParaRPr kumimoji="1" lang="zh-CN" altLang="en-US"/>
           </a:p>
@@ -11830,7 +11830,7 @@
           <a:p>
             <a:fld id="{19596FE3-A52D-5246-AFDD-E9BC5D86587F}" type="datetimeFigureOut">
               <a:rPr kumimoji="1" lang="zh-CN" altLang="en-US" smtClean="0"/>
-              <a:t>2020/9/13</a:t>
+              <a:t>2020/9/14</a:t>
             </a:fld>
             <a:endParaRPr kumimoji="1" lang="zh-CN" altLang="en-US"/>
           </a:p>
@@ -12368,7 +12368,7 @@
           <a:p>
             <a:fld id="{D61E3598-565F-7343-8C64-503116B36FA7}" type="datetimeFigureOut">
               <a:rPr kumimoji="1" lang="zh-CN" altLang="en-US" smtClean="0"/>
-              <a:t>2020/9/13</a:t>
+              <a:t>2020/9/14</a:t>
             </a:fld>
             <a:endParaRPr kumimoji="1" lang="zh-CN" altLang="en-US"/>
           </a:p>
@@ -14254,7 +14254,7 @@
                             <a:solidFill>
                               <a:schemeClr val="tx1"/>
                             </a:solidFill>
-                            <a:latin typeface="Cambria Math" panose="02040503050406030204" pitchFamily="18" charset="0"/>
+                            <a:latin typeface="Cambria Math" charset="0"/>
                             <a:ea typeface="宋体" panose="02010600030101010101" pitchFamily="2" charset="-122"/>
                           </a:rPr>
                         </m:ctrlPr>
@@ -14479,7 +14479,7 @@
                             <a:solidFill>
                               <a:schemeClr val="tx1"/>
                             </a:solidFill>
-                            <a:latin typeface="Cambria Math" panose="02040503050406030204" pitchFamily="18" charset="0"/>
+                            <a:latin typeface="Cambria Math" charset="0"/>
                           </a:rPr>
                         </m:ctrlPr>
                       </m:dPr>
@@ -14660,7 +14660,7 @@
           <p:cNvPr id="6" name="表格 5">
             <a:extLst>
               <a:ext uri="{FF2B5EF4-FFF2-40B4-BE49-F238E27FC236}">
-                <a16:creationId xmlns:a16="http://schemas.microsoft.com/office/drawing/2014/main" id="{D699D869-F231-4563-94A3-03B14486F76B}"/>
+                <a16:creationId xmlns:a16="http://schemas.microsoft.com/office/drawing/2014/main" xmlns="" id="{D699D869-F231-4563-94A3-03B14486F76B}"/>
               </a:ext>
             </a:extLst>
           </p:cNvPr>
@@ -14689,28 +14689,28 @@
                 <a:gridCol w="1927350">
                   <a:extLst>
                     <a:ext uri="{9D8B030D-6E8A-4147-A177-3AD203B41FA5}">
-                      <a16:colId xmlns:a16="http://schemas.microsoft.com/office/drawing/2014/main" val="323982264"/>
+                      <a16:colId xmlns:a16="http://schemas.microsoft.com/office/drawing/2014/main" xmlns="" val="323982264"/>
                     </a:ext>
                   </a:extLst>
                 </a:gridCol>
                 <a:gridCol w="1472752">
                   <a:extLst>
                     <a:ext uri="{9D8B030D-6E8A-4147-A177-3AD203B41FA5}">
-                      <a16:colId xmlns:a16="http://schemas.microsoft.com/office/drawing/2014/main" val="3244197200"/>
+                      <a16:colId xmlns:a16="http://schemas.microsoft.com/office/drawing/2014/main" xmlns="" val="3244197200"/>
                     </a:ext>
                   </a:extLst>
                 </a:gridCol>
                 <a:gridCol w="1463040">
                   <a:extLst>
                     <a:ext uri="{9D8B030D-6E8A-4147-A177-3AD203B41FA5}">
-                      <a16:colId xmlns:a16="http://schemas.microsoft.com/office/drawing/2014/main" val="1784650501"/>
+                      <a16:colId xmlns:a16="http://schemas.microsoft.com/office/drawing/2014/main" xmlns="" val="1784650501"/>
                     </a:ext>
                   </a:extLst>
                 </a:gridCol>
                 <a:gridCol w="1446135">
                   <a:extLst>
                     <a:ext uri="{9D8B030D-6E8A-4147-A177-3AD203B41FA5}">
-                      <a16:colId xmlns:a16="http://schemas.microsoft.com/office/drawing/2014/main" val="1626703488"/>
+                      <a16:colId xmlns:a16="http://schemas.microsoft.com/office/drawing/2014/main" xmlns="" val="1626703488"/>
                     </a:ext>
                   </a:extLst>
                 </a:gridCol>
@@ -14797,7 +14797,7 @@
                 </a:tc>
                 <a:extLst>
                   <a:ext uri="{0D108BD9-81ED-4DB2-BD59-A6C34878D82A}">
-                    <a16:rowId xmlns:a16="http://schemas.microsoft.com/office/drawing/2014/main" val="2750491912"/>
+                    <a16:rowId xmlns:a16="http://schemas.microsoft.com/office/drawing/2014/main" xmlns="" val="2750491912"/>
                   </a:ext>
                 </a:extLst>
               </a:tr>
@@ -14899,7 +14899,7 @@
                 </a:tc>
                 <a:extLst>
                   <a:ext uri="{0D108BD9-81ED-4DB2-BD59-A6C34878D82A}">
-                    <a16:rowId xmlns:a16="http://schemas.microsoft.com/office/drawing/2014/main" val="2192882660"/>
+                    <a16:rowId xmlns:a16="http://schemas.microsoft.com/office/drawing/2014/main" xmlns="" val="2192882660"/>
                   </a:ext>
                 </a:extLst>
               </a:tr>
@@ -14995,7 +14995,7 @@
                 </a:tc>
                 <a:extLst>
                   <a:ext uri="{0D108BD9-81ED-4DB2-BD59-A6C34878D82A}">
-                    <a16:rowId xmlns:a16="http://schemas.microsoft.com/office/drawing/2014/main" val="4188706716"/>
+                    <a16:rowId xmlns:a16="http://schemas.microsoft.com/office/drawing/2014/main" xmlns="" val="4188706716"/>
                   </a:ext>
                 </a:extLst>
               </a:tr>
@@ -16458,7 +16458,7 @@
           <p:cNvPr id="6" name="表格 5">
             <a:extLst>
               <a:ext uri="{FF2B5EF4-FFF2-40B4-BE49-F238E27FC236}">
-                <a16:creationId xmlns:a16="http://schemas.microsoft.com/office/drawing/2014/main" id="{D699D869-F231-4563-94A3-03B14486F76B}"/>
+                <a16:creationId xmlns:a16="http://schemas.microsoft.com/office/drawing/2014/main" xmlns="" id="{D699D869-F231-4563-94A3-03B14486F76B}"/>
               </a:ext>
             </a:extLst>
           </p:cNvPr>
@@ -16487,28 +16487,28 @@
                 <a:gridCol w="1927350">
                   <a:extLst>
                     <a:ext uri="{9D8B030D-6E8A-4147-A177-3AD203B41FA5}">
-                      <a16:colId xmlns:a16="http://schemas.microsoft.com/office/drawing/2014/main" val="323982264"/>
+                      <a16:colId xmlns:a16="http://schemas.microsoft.com/office/drawing/2014/main" xmlns="" val="323982264"/>
                     </a:ext>
                   </a:extLst>
                 </a:gridCol>
                 <a:gridCol w="1227289">
                   <a:extLst>
                     <a:ext uri="{9D8B030D-6E8A-4147-A177-3AD203B41FA5}">
-                      <a16:colId xmlns:a16="http://schemas.microsoft.com/office/drawing/2014/main" val="3244197200"/>
+                      <a16:colId xmlns:a16="http://schemas.microsoft.com/office/drawing/2014/main" xmlns="" val="3244197200"/>
                     </a:ext>
                   </a:extLst>
                 </a:gridCol>
                 <a:gridCol w="1577319">
                   <a:extLst>
                     <a:ext uri="{9D8B030D-6E8A-4147-A177-3AD203B41FA5}">
-                      <a16:colId xmlns:a16="http://schemas.microsoft.com/office/drawing/2014/main" val="1784650501"/>
+                      <a16:colId xmlns:a16="http://schemas.microsoft.com/office/drawing/2014/main" xmlns="" val="1784650501"/>
                     </a:ext>
                   </a:extLst>
                 </a:gridCol>
                 <a:gridCol w="1577319">
                   <a:extLst>
                     <a:ext uri="{9D8B030D-6E8A-4147-A177-3AD203B41FA5}">
-                      <a16:colId xmlns:a16="http://schemas.microsoft.com/office/drawing/2014/main" val="1626703488"/>
+                      <a16:colId xmlns:a16="http://schemas.microsoft.com/office/drawing/2014/main" xmlns="" val="1626703488"/>
                     </a:ext>
                   </a:extLst>
                 </a:gridCol>
@@ -16595,7 +16595,7 @@
                 </a:tc>
                 <a:extLst>
                   <a:ext uri="{0D108BD9-81ED-4DB2-BD59-A6C34878D82A}">
-                    <a16:rowId xmlns:a16="http://schemas.microsoft.com/office/drawing/2014/main" val="2750491912"/>
+                    <a16:rowId xmlns:a16="http://schemas.microsoft.com/office/drawing/2014/main" xmlns="" val="2750491912"/>
                   </a:ext>
                 </a:extLst>
               </a:tr>
@@ -16705,7 +16705,7 @@
                 </a:tc>
                 <a:extLst>
                   <a:ext uri="{0D108BD9-81ED-4DB2-BD59-A6C34878D82A}">
-                    <a16:rowId xmlns:a16="http://schemas.microsoft.com/office/drawing/2014/main" val="2192882660"/>
+                    <a16:rowId xmlns:a16="http://schemas.microsoft.com/office/drawing/2014/main" xmlns="" val="2192882660"/>
                   </a:ext>
                 </a:extLst>
               </a:tr>
@@ -16804,7 +16804,7 @@
                 </a:tc>
                 <a:extLst>
                   <a:ext uri="{0D108BD9-81ED-4DB2-BD59-A6C34878D82A}">
-                    <a16:rowId xmlns:a16="http://schemas.microsoft.com/office/drawing/2014/main" val="4188706716"/>
+                    <a16:rowId xmlns:a16="http://schemas.microsoft.com/office/drawing/2014/main" xmlns="" val="4188706716"/>
                   </a:ext>
                 </a:extLst>
               </a:tr>
@@ -16894,7 +16894,7 @@
                 </a:tc>
                 <a:extLst>
                   <a:ext uri="{0D108BD9-81ED-4DB2-BD59-A6C34878D82A}">
-                    <a16:rowId xmlns:a16="http://schemas.microsoft.com/office/drawing/2014/main" val="10003"/>
+                    <a16:rowId xmlns:a16="http://schemas.microsoft.com/office/drawing/2014/main" xmlns="" val="10003"/>
                   </a:ext>
                 </a:extLst>
               </a:tr>
@@ -16993,7 +16993,7 @@
                 </a:tc>
                 <a:extLst>
                   <a:ext uri="{0D108BD9-81ED-4DB2-BD59-A6C34878D82A}">
-                    <a16:rowId xmlns:a16="http://schemas.microsoft.com/office/drawing/2014/main" val="10004"/>
+                    <a16:rowId xmlns:a16="http://schemas.microsoft.com/office/drawing/2014/main" xmlns="" val="10004"/>
                   </a:ext>
                 </a:extLst>
               </a:tr>
@@ -17092,7 +17092,7 @@
                 </a:tc>
                 <a:extLst>
                   <a:ext uri="{0D108BD9-81ED-4DB2-BD59-A6C34878D82A}">
-                    <a16:rowId xmlns:a16="http://schemas.microsoft.com/office/drawing/2014/main" val="10005"/>
+                    <a16:rowId xmlns:a16="http://schemas.microsoft.com/office/drawing/2014/main" xmlns="" val="10005"/>
                   </a:ext>
                 </a:extLst>
               </a:tr>
@@ -17651,7 +17651,7 @@
           <p:cNvPr id="7" name="表格 6">
             <a:extLst>
               <a:ext uri="{FF2B5EF4-FFF2-40B4-BE49-F238E27FC236}">
-                <a16:creationId xmlns:a16="http://schemas.microsoft.com/office/drawing/2014/main" id="{D699D869-F231-4563-94A3-03B14486F76B}"/>
+                <a16:creationId xmlns:a16="http://schemas.microsoft.com/office/drawing/2014/main" xmlns="" id="{D699D869-F231-4563-94A3-03B14486F76B}"/>
               </a:ext>
             </a:extLst>
           </p:cNvPr>
@@ -17680,28 +17680,28 @@
                 <a:gridCol w="1927350">
                   <a:extLst>
                     <a:ext uri="{9D8B030D-6E8A-4147-A177-3AD203B41FA5}">
-                      <a16:colId xmlns:a16="http://schemas.microsoft.com/office/drawing/2014/main" val="323982264"/>
+                      <a16:colId xmlns:a16="http://schemas.microsoft.com/office/drawing/2014/main" xmlns="" val="323982264"/>
                     </a:ext>
                   </a:extLst>
                 </a:gridCol>
                 <a:gridCol w="1227289">
                   <a:extLst>
                     <a:ext uri="{9D8B030D-6E8A-4147-A177-3AD203B41FA5}">
-                      <a16:colId xmlns:a16="http://schemas.microsoft.com/office/drawing/2014/main" val="3244197200"/>
+                      <a16:colId xmlns:a16="http://schemas.microsoft.com/office/drawing/2014/main" xmlns="" val="3244197200"/>
                     </a:ext>
                   </a:extLst>
                 </a:gridCol>
                 <a:gridCol w="1577319">
                   <a:extLst>
                     <a:ext uri="{9D8B030D-6E8A-4147-A177-3AD203B41FA5}">
-                      <a16:colId xmlns:a16="http://schemas.microsoft.com/office/drawing/2014/main" val="1784650501"/>
+                      <a16:colId xmlns:a16="http://schemas.microsoft.com/office/drawing/2014/main" xmlns="" val="1784650501"/>
                     </a:ext>
                   </a:extLst>
                 </a:gridCol>
                 <a:gridCol w="1577319">
                   <a:extLst>
                     <a:ext uri="{9D8B030D-6E8A-4147-A177-3AD203B41FA5}">
-                      <a16:colId xmlns:a16="http://schemas.microsoft.com/office/drawing/2014/main" val="1626703488"/>
+                      <a16:colId xmlns:a16="http://schemas.microsoft.com/office/drawing/2014/main" xmlns="" val="1626703488"/>
                     </a:ext>
                   </a:extLst>
                 </a:gridCol>
@@ -17788,7 +17788,7 @@
                 </a:tc>
                 <a:extLst>
                   <a:ext uri="{0D108BD9-81ED-4DB2-BD59-A6C34878D82A}">
-                    <a16:rowId xmlns:a16="http://schemas.microsoft.com/office/drawing/2014/main" val="2750491912"/>
+                    <a16:rowId xmlns:a16="http://schemas.microsoft.com/office/drawing/2014/main" xmlns="" val="2750491912"/>
                   </a:ext>
                 </a:extLst>
               </a:tr>
@@ -17898,7 +17898,7 @@
                 </a:tc>
                 <a:extLst>
                   <a:ext uri="{0D108BD9-81ED-4DB2-BD59-A6C34878D82A}">
-                    <a16:rowId xmlns:a16="http://schemas.microsoft.com/office/drawing/2014/main" val="2192882660"/>
+                    <a16:rowId xmlns:a16="http://schemas.microsoft.com/office/drawing/2014/main" xmlns="" val="2192882660"/>
                   </a:ext>
                 </a:extLst>
               </a:tr>
@@ -17998,7 +17998,7 @@
                 </a:tc>
                 <a:extLst>
                   <a:ext uri="{0D108BD9-81ED-4DB2-BD59-A6C34878D82A}">
-                    <a16:rowId xmlns:a16="http://schemas.microsoft.com/office/drawing/2014/main" val="4188706716"/>
+                    <a16:rowId xmlns:a16="http://schemas.microsoft.com/office/drawing/2014/main" xmlns="" val="4188706716"/>
                   </a:ext>
                 </a:extLst>
               </a:tr>
@@ -18097,7 +18097,7 @@
                 </a:tc>
                 <a:extLst>
                   <a:ext uri="{0D108BD9-81ED-4DB2-BD59-A6C34878D82A}">
-                    <a16:rowId xmlns:a16="http://schemas.microsoft.com/office/drawing/2014/main" val="3727776120"/>
+                    <a16:rowId xmlns:a16="http://schemas.microsoft.com/office/drawing/2014/main" xmlns="" val="3727776120"/>
                   </a:ext>
                 </a:extLst>
               </a:tr>
@@ -18468,7 +18468,7 @@
           <p:cNvPr id="8" name="表格 7">
             <a:extLst>
               <a:ext uri="{FF2B5EF4-FFF2-40B4-BE49-F238E27FC236}">
-                <a16:creationId xmlns:a16="http://schemas.microsoft.com/office/drawing/2014/main" id="{D699D869-F231-4563-94A3-03B14486F76B}"/>
+                <a16:creationId xmlns:a16="http://schemas.microsoft.com/office/drawing/2014/main" xmlns="" id="{D699D869-F231-4563-94A3-03B14486F76B}"/>
               </a:ext>
             </a:extLst>
           </p:cNvPr>
@@ -18497,28 +18497,28 @@
                 <a:gridCol w="1927350">
                   <a:extLst>
                     <a:ext uri="{9D8B030D-6E8A-4147-A177-3AD203B41FA5}">
-                      <a16:colId xmlns:a16="http://schemas.microsoft.com/office/drawing/2014/main" val="323982264"/>
+                      <a16:colId xmlns:a16="http://schemas.microsoft.com/office/drawing/2014/main" xmlns="" val="323982264"/>
                     </a:ext>
                   </a:extLst>
                 </a:gridCol>
                 <a:gridCol w="1227289">
                   <a:extLst>
                     <a:ext uri="{9D8B030D-6E8A-4147-A177-3AD203B41FA5}">
-                      <a16:colId xmlns:a16="http://schemas.microsoft.com/office/drawing/2014/main" val="3244197200"/>
+                      <a16:colId xmlns:a16="http://schemas.microsoft.com/office/drawing/2014/main" xmlns="" val="3244197200"/>
                     </a:ext>
                   </a:extLst>
                 </a:gridCol>
                 <a:gridCol w="1577319">
                   <a:extLst>
                     <a:ext uri="{9D8B030D-6E8A-4147-A177-3AD203B41FA5}">
-                      <a16:colId xmlns:a16="http://schemas.microsoft.com/office/drawing/2014/main" val="1784650501"/>
+                      <a16:colId xmlns:a16="http://schemas.microsoft.com/office/drawing/2014/main" xmlns="" val="1784650501"/>
                     </a:ext>
                   </a:extLst>
                 </a:gridCol>
                 <a:gridCol w="1577319">
                   <a:extLst>
                     <a:ext uri="{9D8B030D-6E8A-4147-A177-3AD203B41FA5}">
-                      <a16:colId xmlns:a16="http://schemas.microsoft.com/office/drawing/2014/main" val="1626703488"/>
+                      <a16:colId xmlns:a16="http://schemas.microsoft.com/office/drawing/2014/main" xmlns="" val="1626703488"/>
                     </a:ext>
                   </a:extLst>
                 </a:gridCol>
@@ -18605,7 +18605,7 @@
                 </a:tc>
                 <a:extLst>
                   <a:ext uri="{0D108BD9-81ED-4DB2-BD59-A6C34878D82A}">
-                    <a16:rowId xmlns:a16="http://schemas.microsoft.com/office/drawing/2014/main" val="2750491912"/>
+                    <a16:rowId xmlns:a16="http://schemas.microsoft.com/office/drawing/2014/main" xmlns="" val="2750491912"/>
                   </a:ext>
                 </a:extLst>
               </a:tr>
@@ -18715,7 +18715,7 @@
                 </a:tc>
                 <a:extLst>
                   <a:ext uri="{0D108BD9-81ED-4DB2-BD59-A6C34878D82A}">
-                    <a16:rowId xmlns:a16="http://schemas.microsoft.com/office/drawing/2014/main" val="2192882660"/>
+                    <a16:rowId xmlns:a16="http://schemas.microsoft.com/office/drawing/2014/main" xmlns="" val="2192882660"/>
                   </a:ext>
                 </a:extLst>
               </a:tr>
@@ -18815,7 +18815,7 @@
                 </a:tc>
                 <a:extLst>
                   <a:ext uri="{0D108BD9-81ED-4DB2-BD59-A6C34878D82A}">
-                    <a16:rowId xmlns:a16="http://schemas.microsoft.com/office/drawing/2014/main" val="4188706716"/>
+                    <a16:rowId xmlns:a16="http://schemas.microsoft.com/office/drawing/2014/main" xmlns="" val="4188706716"/>
                   </a:ext>
                 </a:extLst>
               </a:tr>
@@ -19216,7 +19216,7 @@
           <p:cNvPr id="7" name="表格 6">
             <a:extLst>
               <a:ext uri="{FF2B5EF4-FFF2-40B4-BE49-F238E27FC236}">
-                <a16:creationId xmlns:a16="http://schemas.microsoft.com/office/drawing/2014/main" id="{D699D869-F231-4563-94A3-03B14486F76B}"/>
+                <a16:creationId xmlns:a16="http://schemas.microsoft.com/office/drawing/2014/main" xmlns="" id="{D699D869-F231-4563-94A3-03B14486F76B}"/>
               </a:ext>
             </a:extLst>
           </p:cNvPr>
@@ -19245,28 +19245,28 @@
                 <a:gridCol w="1927350">
                   <a:extLst>
                     <a:ext uri="{9D8B030D-6E8A-4147-A177-3AD203B41FA5}">
-                      <a16:colId xmlns:a16="http://schemas.microsoft.com/office/drawing/2014/main" val="323982264"/>
+                      <a16:colId xmlns:a16="http://schemas.microsoft.com/office/drawing/2014/main" xmlns="" val="323982264"/>
                     </a:ext>
                   </a:extLst>
                 </a:gridCol>
                 <a:gridCol w="1227289">
                   <a:extLst>
                     <a:ext uri="{9D8B030D-6E8A-4147-A177-3AD203B41FA5}">
-                      <a16:colId xmlns:a16="http://schemas.microsoft.com/office/drawing/2014/main" val="3244197200"/>
+                      <a16:colId xmlns:a16="http://schemas.microsoft.com/office/drawing/2014/main" xmlns="" val="3244197200"/>
                     </a:ext>
                   </a:extLst>
                 </a:gridCol>
                 <a:gridCol w="1577319">
                   <a:extLst>
                     <a:ext uri="{9D8B030D-6E8A-4147-A177-3AD203B41FA5}">
-                      <a16:colId xmlns:a16="http://schemas.microsoft.com/office/drawing/2014/main" val="1784650501"/>
+                      <a16:colId xmlns:a16="http://schemas.microsoft.com/office/drawing/2014/main" xmlns="" val="1784650501"/>
                     </a:ext>
                   </a:extLst>
                 </a:gridCol>
                 <a:gridCol w="1577319">
                   <a:extLst>
                     <a:ext uri="{9D8B030D-6E8A-4147-A177-3AD203B41FA5}">
-                      <a16:colId xmlns:a16="http://schemas.microsoft.com/office/drawing/2014/main" val="1626703488"/>
+                      <a16:colId xmlns:a16="http://schemas.microsoft.com/office/drawing/2014/main" xmlns="" val="1626703488"/>
                     </a:ext>
                   </a:extLst>
                 </a:gridCol>
@@ -19353,7 +19353,7 @@
                 </a:tc>
                 <a:extLst>
                   <a:ext uri="{0D108BD9-81ED-4DB2-BD59-A6C34878D82A}">
-                    <a16:rowId xmlns:a16="http://schemas.microsoft.com/office/drawing/2014/main" val="2750491912"/>
+                    <a16:rowId xmlns:a16="http://schemas.microsoft.com/office/drawing/2014/main" xmlns="" val="2750491912"/>
                   </a:ext>
                 </a:extLst>
               </a:tr>
@@ -19463,7 +19463,7 @@
                 </a:tc>
                 <a:extLst>
                   <a:ext uri="{0D108BD9-81ED-4DB2-BD59-A6C34878D82A}">
-                    <a16:rowId xmlns:a16="http://schemas.microsoft.com/office/drawing/2014/main" val="2192882660"/>
+                    <a16:rowId xmlns:a16="http://schemas.microsoft.com/office/drawing/2014/main" xmlns="" val="2192882660"/>
                   </a:ext>
                 </a:extLst>
               </a:tr>
@@ -19559,7 +19559,7 @@
                 </a:tc>
                 <a:extLst>
                   <a:ext uri="{0D108BD9-81ED-4DB2-BD59-A6C34878D82A}">
-                    <a16:rowId xmlns:a16="http://schemas.microsoft.com/office/drawing/2014/main" val="4188706716"/>
+                    <a16:rowId xmlns:a16="http://schemas.microsoft.com/office/drawing/2014/main" xmlns="" val="4188706716"/>
                   </a:ext>
                 </a:extLst>
               </a:tr>
@@ -19968,7 +19968,7 @@
           <p:cNvPr id="8" name="表格 7">
             <a:extLst>
               <a:ext uri="{FF2B5EF4-FFF2-40B4-BE49-F238E27FC236}">
-                <a16:creationId xmlns:a16="http://schemas.microsoft.com/office/drawing/2014/main" id="{D699D869-F231-4563-94A3-03B14486F76B}"/>
+                <a16:creationId xmlns:a16="http://schemas.microsoft.com/office/drawing/2014/main" xmlns="" id="{D699D869-F231-4563-94A3-03B14486F76B}"/>
               </a:ext>
             </a:extLst>
           </p:cNvPr>
@@ -19997,28 +19997,28 @@
                 <a:gridCol w="1927350">
                   <a:extLst>
                     <a:ext uri="{9D8B030D-6E8A-4147-A177-3AD203B41FA5}">
-                      <a16:colId xmlns:a16="http://schemas.microsoft.com/office/drawing/2014/main" val="323982264"/>
+                      <a16:colId xmlns:a16="http://schemas.microsoft.com/office/drawing/2014/main" xmlns="" val="323982264"/>
                     </a:ext>
                   </a:extLst>
                 </a:gridCol>
                 <a:gridCol w="1227289">
                   <a:extLst>
                     <a:ext uri="{9D8B030D-6E8A-4147-A177-3AD203B41FA5}">
-                      <a16:colId xmlns:a16="http://schemas.microsoft.com/office/drawing/2014/main" val="3244197200"/>
+                      <a16:colId xmlns:a16="http://schemas.microsoft.com/office/drawing/2014/main" xmlns="" val="3244197200"/>
                     </a:ext>
                   </a:extLst>
                 </a:gridCol>
                 <a:gridCol w="1577319">
                   <a:extLst>
                     <a:ext uri="{9D8B030D-6E8A-4147-A177-3AD203B41FA5}">
-                      <a16:colId xmlns:a16="http://schemas.microsoft.com/office/drawing/2014/main" val="1784650501"/>
+                      <a16:colId xmlns:a16="http://schemas.microsoft.com/office/drawing/2014/main" xmlns="" val="1784650501"/>
                     </a:ext>
                   </a:extLst>
                 </a:gridCol>
                 <a:gridCol w="1577319">
                   <a:extLst>
                     <a:ext uri="{9D8B030D-6E8A-4147-A177-3AD203B41FA5}">
-                      <a16:colId xmlns:a16="http://schemas.microsoft.com/office/drawing/2014/main" val="1626703488"/>
+                      <a16:colId xmlns:a16="http://schemas.microsoft.com/office/drawing/2014/main" xmlns="" val="1626703488"/>
                     </a:ext>
                   </a:extLst>
                 </a:gridCol>
@@ -20105,7 +20105,7 @@
                 </a:tc>
                 <a:extLst>
                   <a:ext uri="{0D108BD9-81ED-4DB2-BD59-A6C34878D82A}">
-                    <a16:rowId xmlns:a16="http://schemas.microsoft.com/office/drawing/2014/main" val="2750491912"/>
+                    <a16:rowId xmlns:a16="http://schemas.microsoft.com/office/drawing/2014/main" xmlns="" val="2750491912"/>
                   </a:ext>
                 </a:extLst>
               </a:tr>
@@ -20198,7 +20198,7 @@
                 </a:tc>
                 <a:extLst>
                   <a:ext uri="{0D108BD9-81ED-4DB2-BD59-A6C34878D82A}">
-                    <a16:rowId xmlns:a16="http://schemas.microsoft.com/office/drawing/2014/main" val="2192882660"/>
+                    <a16:rowId xmlns:a16="http://schemas.microsoft.com/office/drawing/2014/main" xmlns="" val="2192882660"/>
                   </a:ext>
                 </a:extLst>
               </a:tr>
@@ -20308,7 +20308,7 @@
                 </a:tc>
                 <a:extLst>
                   <a:ext uri="{0D108BD9-81ED-4DB2-BD59-A6C34878D82A}">
-                    <a16:rowId xmlns:a16="http://schemas.microsoft.com/office/drawing/2014/main" val="4188706716"/>
+                    <a16:rowId xmlns:a16="http://schemas.microsoft.com/office/drawing/2014/main" xmlns="" val="4188706716"/>
                   </a:ext>
                 </a:extLst>
               </a:tr>
@@ -20873,7 +20873,7 @@
           <p:cNvPr id="7" name="表格 6">
             <a:extLst>
               <a:ext uri="{FF2B5EF4-FFF2-40B4-BE49-F238E27FC236}">
-                <a16:creationId xmlns:a16="http://schemas.microsoft.com/office/drawing/2014/main" id="{D699D869-F231-4563-94A3-03B14486F76B}"/>
+                <a16:creationId xmlns:a16="http://schemas.microsoft.com/office/drawing/2014/main" xmlns="" id="{D699D869-F231-4563-94A3-03B14486F76B}"/>
               </a:ext>
             </a:extLst>
           </p:cNvPr>
@@ -20902,28 +20902,28 @@
                 <a:gridCol w="1927350">
                   <a:extLst>
                     <a:ext uri="{9D8B030D-6E8A-4147-A177-3AD203B41FA5}">
-                      <a16:colId xmlns:a16="http://schemas.microsoft.com/office/drawing/2014/main" val="323982264"/>
+                      <a16:colId xmlns:a16="http://schemas.microsoft.com/office/drawing/2014/main" xmlns="" val="323982264"/>
                     </a:ext>
                   </a:extLst>
                 </a:gridCol>
                 <a:gridCol w="1468859">
                   <a:extLst>
                     <a:ext uri="{9D8B030D-6E8A-4147-A177-3AD203B41FA5}">
-                      <a16:colId xmlns:a16="http://schemas.microsoft.com/office/drawing/2014/main" val="3244197200"/>
+                      <a16:colId xmlns:a16="http://schemas.microsoft.com/office/drawing/2014/main" xmlns="" val="3244197200"/>
                     </a:ext>
                   </a:extLst>
                 </a:gridCol>
                 <a:gridCol w="1505244">
                   <a:extLst>
                     <a:ext uri="{9D8B030D-6E8A-4147-A177-3AD203B41FA5}">
-                      <a16:colId xmlns:a16="http://schemas.microsoft.com/office/drawing/2014/main" val="1784650501"/>
+                      <a16:colId xmlns:a16="http://schemas.microsoft.com/office/drawing/2014/main" xmlns="" val="1784650501"/>
                     </a:ext>
                   </a:extLst>
                 </a:gridCol>
                 <a:gridCol w="1407824">
                   <a:extLst>
                     <a:ext uri="{9D8B030D-6E8A-4147-A177-3AD203B41FA5}">
-                      <a16:colId xmlns:a16="http://schemas.microsoft.com/office/drawing/2014/main" val="1626703488"/>
+                      <a16:colId xmlns:a16="http://schemas.microsoft.com/office/drawing/2014/main" xmlns="" val="1626703488"/>
                     </a:ext>
                   </a:extLst>
                 </a:gridCol>
@@ -21010,7 +21010,7 @@
                 </a:tc>
                 <a:extLst>
                   <a:ext uri="{0D108BD9-81ED-4DB2-BD59-A6C34878D82A}">
-                    <a16:rowId xmlns:a16="http://schemas.microsoft.com/office/drawing/2014/main" val="2750491912"/>
+                    <a16:rowId xmlns:a16="http://schemas.microsoft.com/office/drawing/2014/main" xmlns="" val="2750491912"/>
                   </a:ext>
                 </a:extLst>
               </a:tr>
@@ -21103,7 +21103,7 @@
                 </a:tc>
                 <a:extLst>
                   <a:ext uri="{0D108BD9-81ED-4DB2-BD59-A6C34878D82A}">
-                    <a16:rowId xmlns:a16="http://schemas.microsoft.com/office/drawing/2014/main" val="2192882660"/>
+                    <a16:rowId xmlns:a16="http://schemas.microsoft.com/office/drawing/2014/main" xmlns="" val="2192882660"/>
                   </a:ext>
                 </a:extLst>
               </a:tr>
@@ -21221,7 +21221,7 @@
                 </a:tc>
                 <a:extLst>
                   <a:ext uri="{0D108BD9-81ED-4DB2-BD59-A6C34878D82A}">
-                    <a16:rowId xmlns:a16="http://schemas.microsoft.com/office/drawing/2014/main" val="4188706716"/>
+                    <a16:rowId xmlns:a16="http://schemas.microsoft.com/office/drawing/2014/main" xmlns="" val="4188706716"/>
                   </a:ext>
                 </a:extLst>
               </a:tr>
@@ -21320,7 +21320,7 @@
                 </a:tc>
                 <a:extLst>
                   <a:ext uri="{0D108BD9-81ED-4DB2-BD59-A6C34878D82A}">
-                    <a16:rowId xmlns:a16="http://schemas.microsoft.com/office/drawing/2014/main" val="3727776120"/>
+                    <a16:rowId xmlns:a16="http://schemas.microsoft.com/office/drawing/2014/main" xmlns="" val="3727776120"/>
                   </a:ext>
                 </a:extLst>
               </a:tr>
@@ -22786,7 +22786,7 @@
           <p:cNvPr id="6" name="表格 5">
             <a:extLst>
               <a:ext uri="{FF2B5EF4-FFF2-40B4-BE49-F238E27FC236}">
-                <a16:creationId xmlns:a16="http://schemas.microsoft.com/office/drawing/2014/main" id="{D699D869-F231-4563-94A3-03B14486F76B}"/>
+                <a16:creationId xmlns:a16="http://schemas.microsoft.com/office/drawing/2014/main" xmlns="" id="{D699D869-F231-4563-94A3-03B14486F76B}"/>
               </a:ext>
             </a:extLst>
           </p:cNvPr>
@@ -22815,28 +22815,28 @@
                 <a:gridCol w="3087821">
                   <a:extLst>
                     <a:ext uri="{9D8B030D-6E8A-4147-A177-3AD203B41FA5}">
-                      <a16:colId xmlns:a16="http://schemas.microsoft.com/office/drawing/2014/main" val="323982264"/>
+                      <a16:colId xmlns:a16="http://schemas.microsoft.com/office/drawing/2014/main" xmlns="" val="323982264"/>
                     </a:ext>
                   </a:extLst>
                 </a:gridCol>
                 <a:gridCol w="1901952">
                   <a:extLst>
                     <a:ext uri="{9D8B030D-6E8A-4147-A177-3AD203B41FA5}">
-                      <a16:colId xmlns:a16="http://schemas.microsoft.com/office/drawing/2014/main" val="3244197200"/>
+                      <a16:colId xmlns:a16="http://schemas.microsoft.com/office/drawing/2014/main" xmlns="" val="3244197200"/>
                     </a:ext>
                   </a:extLst>
                 </a:gridCol>
                 <a:gridCol w="1706880">
                   <a:extLst>
                     <a:ext uri="{9D8B030D-6E8A-4147-A177-3AD203B41FA5}">
-                      <a16:colId xmlns:a16="http://schemas.microsoft.com/office/drawing/2014/main" val="1784650501"/>
+                      <a16:colId xmlns:a16="http://schemas.microsoft.com/office/drawing/2014/main" xmlns="" val="1784650501"/>
                     </a:ext>
                   </a:extLst>
                 </a:gridCol>
                 <a:gridCol w="1480738">
                   <a:extLst>
                     <a:ext uri="{9D8B030D-6E8A-4147-A177-3AD203B41FA5}">
-                      <a16:colId xmlns:a16="http://schemas.microsoft.com/office/drawing/2014/main" val="1626703488"/>
+                      <a16:colId xmlns:a16="http://schemas.microsoft.com/office/drawing/2014/main" xmlns="" val="1626703488"/>
                     </a:ext>
                   </a:extLst>
                 </a:gridCol>
@@ -22923,7 +22923,7 @@
                 </a:tc>
                 <a:extLst>
                   <a:ext uri="{0D108BD9-81ED-4DB2-BD59-A6C34878D82A}">
-                    <a16:rowId xmlns:a16="http://schemas.microsoft.com/office/drawing/2014/main" val="2750491912"/>
+                    <a16:rowId xmlns:a16="http://schemas.microsoft.com/office/drawing/2014/main" xmlns="" val="2750491912"/>
                   </a:ext>
                 </a:extLst>
               </a:tr>
@@ -23041,7 +23041,7 @@
                 </a:tc>
                 <a:extLst>
                   <a:ext uri="{0D108BD9-81ED-4DB2-BD59-A6C34878D82A}">
-                    <a16:rowId xmlns:a16="http://schemas.microsoft.com/office/drawing/2014/main" val="2192882660"/>
+                    <a16:rowId xmlns:a16="http://schemas.microsoft.com/office/drawing/2014/main" xmlns="" val="2192882660"/>
                   </a:ext>
                 </a:extLst>
               </a:tr>
@@ -23145,7 +23145,7 @@
                 </a:tc>
                 <a:extLst>
                   <a:ext uri="{0D108BD9-81ED-4DB2-BD59-A6C34878D82A}">
-                    <a16:rowId xmlns:a16="http://schemas.microsoft.com/office/drawing/2014/main" val="4188706716"/>
+                    <a16:rowId xmlns:a16="http://schemas.microsoft.com/office/drawing/2014/main" xmlns="" val="4188706716"/>
                   </a:ext>
                 </a:extLst>
               </a:tr>
@@ -23241,7 +23241,7 @@
                 </a:tc>
                 <a:extLst>
                   <a:ext uri="{0D108BD9-81ED-4DB2-BD59-A6C34878D82A}">
-                    <a16:rowId xmlns:a16="http://schemas.microsoft.com/office/drawing/2014/main" val="10003"/>
+                    <a16:rowId xmlns:a16="http://schemas.microsoft.com/office/drawing/2014/main" xmlns="" val="10003"/>
                   </a:ext>
                 </a:extLst>
               </a:tr>
@@ -23254,7 +23254,7 @@
           <p:cNvPr id="7" name="表格 6">
             <a:extLst>
               <a:ext uri="{FF2B5EF4-FFF2-40B4-BE49-F238E27FC236}">
-                <a16:creationId xmlns:a16="http://schemas.microsoft.com/office/drawing/2014/main" id="{D699D869-F231-4563-94A3-03B14486F76B}"/>
+                <a16:creationId xmlns:a16="http://schemas.microsoft.com/office/drawing/2014/main" xmlns="" id="{D699D869-F231-4563-94A3-03B14486F76B}"/>
               </a:ext>
             </a:extLst>
           </p:cNvPr>
@@ -23283,28 +23283,28 @@
                 <a:gridCol w="3087821">
                   <a:extLst>
                     <a:ext uri="{9D8B030D-6E8A-4147-A177-3AD203B41FA5}">
-                      <a16:colId xmlns:a16="http://schemas.microsoft.com/office/drawing/2014/main" val="323982264"/>
+                      <a16:colId xmlns:a16="http://schemas.microsoft.com/office/drawing/2014/main" xmlns="" val="323982264"/>
                     </a:ext>
                   </a:extLst>
                 </a:gridCol>
                 <a:gridCol w="1901952">
                   <a:extLst>
                     <a:ext uri="{9D8B030D-6E8A-4147-A177-3AD203B41FA5}">
-                      <a16:colId xmlns:a16="http://schemas.microsoft.com/office/drawing/2014/main" val="3244197200"/>
+                      <a16:colId xmlns:a16="http://schemas.microsoft.com/office/drawing/2014/main" xmlns="" val="3244197200"/>
                     </a:ext>
                   </a:extLst>
                 </a:gridCol>
                 <a:gridCol w="1706880">
                   <a:extLst>
                     <a:ext uri="{9D8B030D-6E8A-4147-A177-3AD203B41FA5}">
-                      <a16:colId xmlns:a16="http://schemas.microsoft.com/office/drawing/2014/main" val="1784650501"/>
+                      <a16:colId xmlns:a16="http://schemas.microsoft.com/office/drawing/2014/main" xmlns="" val="1784650501"/>
                     </a:ext>
                   </a:extLst>
                 </a:gridCol>
                 <a:gridCol w="1480738">
                   <a:extLst>
                     <a:ext uri="{9D8B030D-6E8A-4147-A177-3AD203B41FA5}">
-                      <a16:colId xmlns:a16="http://schemas.microsoft.com/office/drawing/2014/main" val="1626703488"/>
+                      <a16:colId xmlns:a16="http://schemas.microsoft.com/office/drawing/2014/main" xmlns="" val="1626703488"/>
                     </a:ext>
                   </a:extLst>
                 </a:gridCol>
@@ -23391,7 +23391,7 @@
                 </a:tc>
                 <a:extLst>
                   <a:ext uri="{0D108BD9-81ED-4DB2-BD59-A6C34878D82A}">
-                    <a16:rowId xmlns:a16="http://schemas.microsoft.com/office/drawing/2014/main" val="2750491912"/>
+                    <a16:rowId xmlns:a16="http://schemas.microsoft.com/office/drawing/2014/main" xmlns="" val="2750491912"/>
                   </a:ext>
                 </a:extLst>
               </a:tr>
@@ -23484,7 +23484,7 @@
                 </a:tc>
                 <a:extLst>
                   <a:ext uri="{0D108BD9-81ED-4DB2-BD59-A6C34878D82A}">
-                    <a16:rowId xmlns:a16="http://schemas.microsoft.com/office/drawing/2014/main" val="10001"/>
+                    <a16:rowId xmlns:a16="http://schemas.microsoft.com/office/drawing/2014/main" xmlns="" val="10001"/>
                   </a:ext>
                 </a:extLst>
               </a:tr>
@@ -23577,7 +23577,7 @@
                 </a:tc>
                 <a:extLst>
                   <a:ext uri="{0D108BD9-81ED-4DB2-BD59-A6C34878D82A}">
-                    <a16:rowId xmlns:a16="http://schemas.microsoft.com/office/drawing/2014/main" val="2192882660"/>
+                    <a16:rowId xmlns:a16="http://schemas.microsoft.com/office/drawing/2014/main" xmlns="" val="2192882660"/>
                   </a:ext>
                 </a:extLst>
               </a:tr>
@@ -23701,7 +23701,7 @@
                 </a:tc>
                 <a:extLst>
                   <a:ext uri="{0D108BD9-81ED-4DB2-BD59-A6C34878D82A}">
-                    <a16:rowId xmlns:a16="http://schemas.microsoft.com/office/drawing/2014/main" val="4188706716"/>
+                    <a16:rowId xmlns:a16="http://schemas.microsoft.com/office/drawing/2014/main" xmlns="" val="4188706716"/>
                   </a:ext>
                 </a:extLst>
               </a:tr>
@@ -23801,7 +23801,7 @@
                 </a:tc>
                 <a:extLst>
                   <a:ext uri="{0D108BD9-81ED-4DB2-BD59-A6C34878D82A}">
-                    <a16:rowId xmlns:a16="http://schemas.microsoft.com/office/drawing/2014/main" val="10004"/>
+                    <a16:rowId xmlns:a16="http://schemas.microsoft.com/office/drawing/2014/main" xmlns="" val="10004"/>
                   </a:ext>
                 </a:extLst>
               </a:tr>
@@ -24209,7 +24209,7 @@
           <p:cNvPr id="6" name="表格 5">
             <a:extLst>
               <a:ext uri="{FF2B5EF4-FFF2-40B4-BE49-F238E27FC236}">
-                <a16:creationId xmlns:a16="http://schemas.microsoft.com/office/drawing/2014/main" id="{D699D869-F231-4563-94A3-03B14486F76B}"/>
+                <a16:creationId xmlns:a16="http://schemas.microsoft.com/office/drawing/2014/main" xmlns="" id="{D699D869-F231-4563-94A3-03B14486F76B}"/>
               </a:ext>
             </a:extLst>
           </p:cNvPr>
@@ -24238,28 +24238,28 @@
                 <a:gridCol w="3087821">
                   <a:extLst>
                     <a:ext uri="{9D8B030D-6E8A-4147-A177-3AD203B41FA5}">
-                      <a16:colId xmlns:a16="http://schemas.microsoft.com/office/drawing/2014/main" val="323982264"/>
+                      <a16:colId xmlns:a16="http://schemas.microsoft.com/office/drawing/2014/main" xmlns="" val="323982264"/>
                     </a:ext>
                   </a:extLst>
                 </a:gridCol>
                 <a:gridCol w="1901952">
                   <a:extLst>
                     <a:ext uri="{9D8B030D-6E8A-4147-A177-3AD203B41FA5}">
-                      <a16:colId xmlns:a16="http://schemas.microsoft.com/office/drawing/2014/main" val="3244197200"/>
+                      <a16:colId xmlns:a16="http://schemas.microsoft.com/office/drawing/2014/main" xmlns="" val="3244197200"/>
                     </a:ext>
                   </a:extLst>
                 </a:gridCol>
                 <a:gridCol w="1706880">
                   <a:extLst>
                     <a:ext uri="{9D8B030D-6E8A-4147-A177-3AD203B41FA5}">
-                      <a16:colId xmlns:a16="http://schemas.microsoft.com/office/drawing/2014/main" val="1784650501"/>
+                      <a16:colId xmlns:a16="http://schemas.microsoft.com/office/drawing/2014/main" xmlns="" val="1784650501"/>
                     </a:ext>
                   </a:extLst>
                 </a:gridCol>
                 <a:gridCol w="1480738">
                   <a:extLst>
                     <a:ext uri="{9D8B030D-6E8A-4147-A177-3AD203B41FA5}">
-                      <a16:colId xmlns:a16="http://schemas.microsoft.com/office/drawing/2014/main" val="1626703488"/>
+                      <a16:colId xmlns:a16="http://schemas.microsoft.com/office/drawing/2014/main" xmlns="" val="1626703488"/>
                     </a:ext>
                   </a:extLst>
                 </a:gridCol>
@@ -24346,7 +24346,7 @@
                 </a:tc>
                 <a:extLst>
                   <a:ext uri="{0D108BD9-81ED-4DB2-BD59-A6C34878D82A}">
-                    <a16:rowId xmlns:a16="http://schemas.microsoft.com/office/drawing/2014/main" val="2750491912"/>
+                    <a16:rowId xmlns:a16="http://schemas.microsoft.com/office/drawing/2014/main" xmlns="" val="2750491912"/>
                   </a:ext>
                 </a:extLst>
               </a:tr>
@@ -24447,7 +24447,7 @@
                 </a:tc>
                 <a:extLst>
                   <a:ext uri="{0D108BD9-81ED-4DB2-BD59-A6C34878D82A}">
-                    <a16:rowId xmlns:a16="http://schemas.microsoft.com/office/drawing/2014/main" val="10001"/>
+                    <a16:rowId xmlns:a16="http://schemas.microsoft.com/office/drawing/2014/main" xmlns="" val="10001"/>
                   </a:ext>
                 </a:extLst>
               </a:tr>
@@ -24544,7 +24544,7 @@
                 </a:tc>
                 <a:extLst>
                   <a:ext uri="{0D108BD9-81ED-4DB2-BD59-A6C34878D82A}">
-                    <a16:rowId xmlns:a16="http://schemas.microsoft.com/office/drawing/2014/main" val="2192882660"/>
+                    <a16:rowId xmlns:a16="http://schemas.microsoft.com/office/drawing/2014/main" xmlns="" val="2192882660"/>
                   </a:ext>
                 </a:extLst>
               </a:tr>
@@ -24644,7 +24644,7 @@
                 </a:tc>
                 <a:extLst>
                   <a:ext uri="{0D108BD9-81ED-4DB2-BD59-A6C34878D82A}">
-                    <a16:rowId xmlns:a16="http://schemas.microsoft.com/office/drawing/2014/main" val="4188706716"/>
+                    <a16:rowId xmlns:a16="http://schemas.microsoft.com/office/drawing/2014/main" xmlns="" val="4188706716"/>
                   </a:ext>
                 </a:extLst>
               </a:tr>
@@ -24740,7 +24740,7 @@
                 </a:tc>
                 <a:extLst>
                   <a:ext uri="{0D108BD9-81ED-4DB2-BD59-A6C34878D82A}">
-                    <a16:rowId xmlns:a16="http://schemas.microsoft.com/office/drawing/2014/main" val="10004"/>
+                    <a16:rowId xmlns:a16="http://schemas.microsoft.com/office/drawing/2014/main" xmlns="" val="10004"/>
                   </a:ext>
                 </a:extLst>
               </a:tr>
@@ -25188,7 +25188,7 @@
           <p:cNvPr id="8" name="表格 7">
             <a:extLst>
               <a:ext uri="{FF2B5EF4-FFF2-40B4-BE49-F238E27FC236}">
-                <a16:creationId xmlns:a16="http://schemas.microsoft.com/office/drawing/2014/main" id="{D699D869-F231-4563-94A3-03B14486F76B}"/>
+                <a16:creationId xmlns:a16="http://schemas.microsoft.com/office/drawing/2014/main" xmlns="" id="{D699D869-F231-4563-94A3-03B14486F76B}"/>
               </a:ext>
             </a:extLst>
           </p:cNvPr>
@@ -25217,28 +25217,28 @@
                 <a:gridCol w="3087821">
                   <a:extLst>
                     <a:ext uri="{9D8B030D-6E8A-4147-A177-3AD203B41FA5}">
-                      <a16:colId xmlns:a16="http://schemas.microsoft.com/office/drawing/2014/main" val="323982264"/>
+                      <a16:colId xmlns:a16="http://schemas.microsoft.com/office/drawing/2014/main" xmlns="" val="323982264"/>
                     </a:ext>
                   </a:extLst>
                 </a:gridCol>
                 <a:gridCol w="1901952">
                   <a:extLst>
                     <a:ext uri="{9D8B030D-6E8A-4147-A177-3AD203B41FA5}">
-                      <a16:colId xmlns:a16="http://schemas.microsoft.com/office/drawing/2014/main" val="3244197200"/>
+                      <a16:colId xmlns:a16="http://schemas.microsoft.com/office/drawing/2014/main" xmlns="" val="3244197200"/>
                     </a:ext>
                   </a:extLst>
                 </a:gridCol>
                 <a:gridCol w="1706880">
                   <a:extLst>
                     <a:ext uri="{9D8B030D-6E8A-4147-A177-3AD203B41FA5}">
-                      <a16:colId xmlns:a16="http://schemas.microsoft.com/office/drawing/2014/main" val="1784650501"/>
+                      <a16:colId xmlns:a16="http://schemas.microsoft.com/office/drawing/2014/main" xmlns="" val="1784650501"/>
                     </a:ext>
                   </a:extLst>
                 </a:gridCol>
                 <a:gridCol w="1480738">
                   <a:extLst>
                     <a:ext uri="{9D8B030D-6E8A-4147-A177-3AD203B41FA5}">
-                      <a16:colId xmlns:a16="http://schemas.microsoft.com/office/drawing/2014/main" val="1626703488"/>
+                      <a16:colId xmlns:a16="http://schemas.microsoft.com/office/drawing/2014/main" xmlns="" val="1626703488"/>
                     </a:ext>
                   </a:extLst>
                 </a:gridCol>
@@ -25325,7 +25325,7 @@
                 </a:tc>
                 <a:extLst>
                   <a:ext uri="{0D108BD9-81ED-4DB2-BD59-A6C34878D82A}">
-                    <a16:rowId xmlns:a16="http://schemas.microsoft.com/office/drawing/2014/main" val="2750491912"/>
+                    <a16:rowId xmlns:a16="http://schemas.microsoft.com/office/drawing/2014/main" xmlns="" val="2750491912"/>
                   </a:ext>
                 </a:extLst>
               </a:tr>
@@ -25418,7 +25418,7 @@
                 </a:tc>
                 <a:extLst>
                   <a:ext uri="{0D108BD9-81ED-4DB2-BD59-A6C34878D82A}">
-                    <a16:rowId xmlns:a16="http://schemas.microsoft.com/office/drawing/2014/main" val="2192882660"/>
+                    <a16:rowId xmlns:a16="http://schemas.microsoft.com/office/drawing/2014/main" xmlns="" val="2192882660"/>
                   </a:ext>
                 </a:extLst>
               </a:tr>
@@ -25518,7 +25518,7 @@
                 </a:tc>
                 <a:extLst>
                   <a:ext uri="{0D108BD9-81ED-4DB2-BD59-A6C34878D82A}">
-                    <a16:rowId xmlns:a16="http://schemas.microsoft.com/office/drawing/2014/main" val="4188706716"/>
+                    <a16:rowId xmlns:a16="http://schemas.microsoft.com/office/drawing/2014/main" xmlns="" val="4188706716"/>
                   </a:ext>
                 </a:extLst>
               </a:tr>
@@ -25615,7 +25615,7 @@
           <p:cNvPr id="9" name="表格 8">
             <a:extLst>
               <a:ext uri="{FF2B5EF4-FFF2-40B4-BE49-F238E27FC236}">
-                <a16:creationId xmlns:a16="http://schemas.microsoft.com/office/drawing/2014/main" id="{D699D869-F231-4563-94A3-03B14486F76B}"/>
+                <a16:creationId xmlns:a16="http://schemas.microsoft.com/office/drawing/2014/main" xmlns="" id="{D699D869-F231-4563-94A3-03B14486F76B}"/>
               </a:ext>
             </a:extLst>
           </p:cNvPr>
@@ -25644,28 +25644,28 @@
                 <a:gridCol w="3087821">
                   <a:extLst>
                     <a:ext uri="{9D8B030D-6E8A-4147-A177-3AD203B41FA5}">
-                      <a16:colId xmlns:a16="http://schemas.microsoft.com/office/drawing/2014/main" val="323982264"/>
+                      <a16:colId xmlns:a16="http://schemas.microsoft.com/office/drawing/2014/main" xmlns="" val="323982264"/>
                     </a:ext>
                   </a:extLst>
                 </a:gridCol>
                 <a:gridCol w="1901952">
                   <a:extLst>
                     <a:ext uri="{9D8B030D-6E8A-4147-A177-3AD203B41FA5}">
-                      <a16:colId xmlns:a16="http://schemas.microsoft.com/office/drawing/2014/main" val="3244197200"/>
+                      <a16:colId xmlns:a16="http://schemas.microsoft.com/office/drawing/2014/main" xmlns="" val="3244197200"/>
                     </a:ext>
                   </a:extLst>
                 </a:gridCol>
                 <a:gridCol w="1706880">
                   <a:extLst>
                     <a:ext uri="{9D8B030D-6E8A-4147-A177-3AD203B41FA5}">
-                      <a16:colId xmlns:a16="http://schemas.microsoft.com/office/drawing/2014/main" val="1784650501"/>
+                      <a16:colId xmlns:a16="http://schemas.microsoft.com/office/drawing/2014/main" xmlns="" val="1784650501"/>
                     </a:ext>
                   </a:extLst>
                 </a:gridCol>
                 <a:gridCol w="1480738">
                   <a:extLst>
                     <a:ext uri="{9D8B030D-6E8A-4147-A177-3AD203B41FA5}">
-                      <a16:colId xmlns:a16="http://schemas.microsoft.com/office/drawing/2014/main" val="1626703488"/>
+                      <a16:colId xmlns:a16="http://schemas.microsoft.com/office/drawing/2014/main" xmlns="" val="1626703488"/>
                     </a:ext>
                   </a:extLst>
                 </a:gridCol>
@@ -25752,7 +25752,7 @@
                 </a:tc>
                 <a:extLst>
                   <a:ext uri="{0D108BD9-81ED-4DB2-BD59-A6C34878D82A}">
-                    <a16:rowId xmlns:a16="http://schemas.microsoft.com/office/drawing/2014/main" val="2750491912"/>
+                    <a16:rowId xmlns:a16="http://schemas.microsoft.com/office/drawing/2014/main" xmlns="" val="2750491912"/>
                   </a:ext>
                 </a:extLst>
               </a:tr>
@@ -25845,7 +25845,7 @@
                 </a:tc>
                 <a:extLst>
                   <a:ext uri="{0D108BD9-81ED-4DB2-BD59-A6C34878D82A}">
-                    <a16:rowId xmlns:a16="http://schemas.microsoft.com/office/drawing/2014/main" val="10001"/>
+                    <a16:rowId xmlns:a16="http://schemas.microsoft.com/office/drawing/2014/main" xmlns="" val="10001"/>
                   </a:ext>
                 </a:extLst>
               </a:tr>
@@ -25938,7 +25938,7 @@
                 </a:tc>
                 <a:extLst>
                   <a:ext uri="{0D108BD9-81ED-4DB2-BD59-A6C34878D82A}">
-                    <a16:rowId xmlns:a16="http://schemas.microsoft.com/office/drawing/2014/main" val="2192882660"/>
+                    <a16:rowId xmlns:a16="http://schemas.microsoft.com/office/drawing/2014/main" xmlns="" val="2192882660"/>
                   </a:ext>
                 </a:extLst>
               </a:tr>
@@ -26062,7 +26062,7 @@
                 </a:tc>
                 <a:extLst>
                   <a:ext uri="{0D108BD9-81ED-4DB2-BD59-A6C34878D82A}">
-                    <a16:rowId xmlns:a16="http://schemas.microsoft.com/office/drawing/2014/main" val="4188706716"/>
+                    <a16:rowId xmlns:a16="http://schemas.microsoft.com/office/drawing/2014/main" xmlns="" val="4188706716"/>
                   </a:ext>
                 </a:extLst>
               </a:tr>
@@ -26166,7 +26166,7 @@
                 </a:tc>
                 <a:extLst>
                   <a:ext uri="{0D108BD9-81ED-4DB2-BD59-A6C34878D82A}">
-                    <a16:rowId xmlns:a16="http://schemas.microsoft.com/office/drawing/2014/main" val="10004"/>
+                    <a16:rowId xmlns:a16="http://schemas.microsoft.com/office/drawing/2014/main" xmlns="" val="10004"/>
                   </a:ext>
                 </a:extLst>
               </a:tr>
@@ -26179,7 +26179,7 @@
           <p:cNvPr id="10" name="表格 9">
             <a:extLst>
               <a:ext uri="{FF2B5EF4-FFF2-40B4-BE49-F238E27FC236}">
-                <a16:creationId xmlns:a16="http://schemas.microsoft.com/office/drawing/2014/main" id="{D699D869-F231-4563-94A3-03B14486F76B}"/>
+                <a16:creationId xmlns:a16="http://schemas.microsoft.com/office/drawing/2014/main" xmlns="" id="{D699D869-F231-4563-94A3-03B14486F76B}"/>
               </a:ext>
             </a:extLst>
           </p:cNvPr>
@@ -26208,28 +26208,28 @@
                 <a:gridCol w="3087821">
                   <a:extLst>
                     <a:ext uri="{9D8B030D-6E8A-4147-A177-3AD203B41FA5}">
-                      <a16:colId xmlns:a16="http://schemas.microsoft.com/office/drawing/2014/main" val="323982264"/>
+                      <a16:colId xmlns:a16="http://schemas.microsoft.com/office/drawing/2014/main" xmlns="" val="323982264"/>
                     </a:ext>
                   </a:extLst>
                 </a:gridCol>
                 <a:gridCol w="1901952">
                   <a:extLst>
                     <a:ext uri="{9D8B030D-6E8A-4147-A177-3AD203B41FA5}">
-                      <a16:colId xmlns:a16="http://schemas.microsoft.com/office/drawing/2014/main" val="3244197200"/>
+                      <a16:colId xmlns:a16="http://schemas.microsoft.com/office/drawing/2014/main" xmlns="" val="3244197200"/>
                     </a:ext>
                   </a:extLst>
                 </a:gridCol>
                 <a:gridCol w="1706880">
                   <a:extLst>
                     <a:ext uri="{9D8B030D-6E8A-4147-A177-3AD203B41FA5}">
-                      <a16:colId xmlns:a16="http://schemas.microsoft.com/office/drawing/2014/main" val="1784650501"/>
+                      <a16:colId xmlns:a16="http://schemas.microsoft.com/office/drawing/2014/main" xmlns="" val="1784650501"/>
                     </a:ext>
                   </a:extLst>
                 </a:gridCol>
                 <a:gridCol w="1480738">
                   <a:extLst>
                     <a:ext uri="{9D8B030D-6E8A-4147-A177-3AD203B41FA5}">
-                      <a16:colId xmlns:a16="http://schemas.microsoft.com/office/drawing/2014/main" val="1626703488"/>
+                      <a16:colId xmlns:a16="http://schemas.microsoft.com/office/drawing/2014/main" xmlns="" val="1626703488"/>
                     </a:ext>
                   </a:extLst>
                 </a:gridCol>
@@ -26316,7 +26316,7 @@
                 </a:tc>
                 <a:extLst>
                   <a:ext uri="{0D108BD9-81ED-4DB2-BD59-A6C34878D82A}">
-                    <a16:rowId xmlns:a16="http://schemas.microsoft.com/office/drawing/2014/main" val="2750491912"/>
+                    <a16:rowId xmlns:a16="http://schemas.microsoft.com/office/drawing/2014/main" xmlns="" val="2750491912"/>
                   </a:ext>
                 </a:extLst>
               </a:tr>
@@ -26426,7 +26426,7 @@
                 </a:tc>
                 <a:extLst>
                   <a:ext uri="{0D108BD9-81ED-4DB2-BD59-A6C34878D82A}">
-                    <a16:rowId xmlns:a16="http://schemas.microsoft.com/office/drawing/2014/main" val="10001"/>
+                    <a16:rowId xmlns:a16="http://schemas.microsoft.com/office/drawing/2014/main" xmlns="" val="10001"/>
                   </a:ext>
                 </a:extLst>
               </a:tr>
@@ -26519,7 +26519,7 @@
                 </a:tc>
                 <a:extLst>
                   <a:ext uri="{0D108BD9-81ED-4DB2-BD59-A6C34878D82A}">
-                    <a16:rowId xmlns:a16="http://schemas.microsoft.com/office/drawing/2014/main" val="2192882660"/>
+                    <a16:rowId xmlns:a16="http://schemas.microsoft.com/office/drawing/2014/main" xmlns="" val="2192882660"/>
                   </a:ext>
                 </a:extLst>
               </a:tr>
@@ -26643,7 +26643,7 @@
                 </a:tc>
                 <a:extLst>
                   <a:ext uri="{0D108BD9-81ED-4DB2-BD59-A6C34878D82A}">
-                    <a16:rowId xmlns:a16="http://schemas.microsoft.com/office/drawing/2014/main" val="4188706716"/>
+                    <a16:rowId xmlns:a16="http://schemas.microsoft.com/office/drawing/2014/main" xmlns="" val="4188706716"/>
                   </a:ext>
                 </a:extLst>
               </a:tr>
@@ -26747,7 +26747,7 @@
                 </a:tc>
                 <a:extLst>
                   <a:ext uri="{0D108BD9-81ED-4DB2-BD59-A6C34878D82A}">
-                    <a16:rowId xmlns:a16="http://schemas.microsoft.com/office/drawing/2014/main" val="10004"/>
+                    <a16:rowId xmlns:a16="http://schemas.microsoft.com/office/drawing/2014/main" xmlns="" val="10004"/>
                   </a:ext>
                 </a:extLst>
               </a:tr>
@@ -28092,7 +28092,7 @@
           <p:cNvPr id="6" name="矩形 5">
             <a:extLst>
               <a:ext uri="{FF2B5EF4-FFF2-40B4-BE49-F238E27FC236}">
-                <a16:creationId xmlns:a16="http://schemas.microsoft.com/office/drawing/2014/main" id="{E5771E15-112A-41FF-9F02-AAEB3F09EF96}"/>
+                <a16:creationId xmlns:a16="http://schemas.microsoft.com/office/drawing/2014/main" xmlns="" id="{E5771E15-112A-41FF-9F02-AAEB3F09EF96}"/>
               </a:ext>
             </a:extLst>
           </p:cNvPr>
@@ -28161,7 +28161,7 @@
           <p:cNvPr id="8" name="矩形 7">
             <a:extLst>
               <a:ext uri="{FF2B5EF4-FFF2-40B4-BE49-F238E27FC236}">
-                <a16:creationId xmlns:a16="http://schemas.microsoft.com/office/drawing/2014/main" id="{589B53AB-57F2-4A31-8CE0-B9CA6A0FA0FB}"/>
+                <a16:creationId xmlns:a16="http://schemas.microsoft.com/office/drawing/2014/main" xmlns="" id="{589B53AB-57F2-4A31-8CE0-B9CA6A0FA0FB}"/>
               </a:ext>
             </a:extLst>
           </p:cNvPr>
@@ -28246,7 +28246,7 @@
           <p:cNvPr id="10" name="矩形 9">
             <a:extLst>
               <a:ext uri="{FF2B5EF4-FFF2-40B4-BE49-F238E27FC236}">
-                <a16:creationId xmlns:a16="http://schemas.microsoft.com/office/drawing/2014/main" id="{0B1103FC-21B8-4796-B1F9-A64FD922D347}"/>
+                <a16:creationId xmlns:a16="http://schemas.microsoft.com/office/drawing/2014/main" xmlns="" id="{0B1103FC-21B8-4796-B1F9-A64FD922D347}"/>
               </a:ext>
             </a:extLst>
           </p:cNvPr>
@@ -28331,7 +28331,7 @@
           <p:cNvPr id="12" name="直接箭头连接符 11">
             <a:extLst>
               <a:ext uri="{FF2B5EF4-FFF2-40B4-BE49-F238E27FC236}">
-                <a16:creationId xmlns:a16="http://schemas.microsoft.com/office/drawing/2014/main" id="{86BFDF61-B9CF-406E-B956-A7469C85C315}"/>
+                <a16:creationId xmlns:a16="http://schemas.microsoft.com/office/drawing/2014/main" xmlns="" id="{86BFDF61-B9CF-406E-B956-A7469C85C315}"/>
               </a:ext>
             </a:extLst>
           </p:cNvPr>
@@ -28384,7 +28384,7 @@
           <p:cNvPr id="14" name="直接箭头连接符 13">
             <a:extLst>
               <a:ext uri="{FF2B5EF4-FFF2-40B4-BE49-F238E27FC236}">
-                <a16:creationId xmlns:a16="http://schemas.microsoft.com/office/drawing/2014/main" id="{50BAAB52-22C7-4284-BD95-8C42690000E4}"/>
+                <a16:creationId xmlns:a16="http://schemas.microsoft.com/office/drawing/2014/main" xmlns="" id="{50BAAB52-22C7-4284-BD95-8C42690000E4}"/>
               </a:ext>
             </a:extLst>
           </p:cNvPr>
@@ -28436,7 +28436,7 @@
               <p:cNvPr id="15" name="文本框 14">
                 <a:extLst>
                   <a:ext uri="{FF2B5EF4-FFF2-40B4-BE49-F238E27FC236}">
-                    <a16:creationId xmlns:a16="http://schemas.microsoft.com/office/drawing/2014/main" id="{DFCEA071-EE1C-4E7D-9D56-4A5D7B6950A0}"/>
+                    <a16:creationId xmlns:a16="http://schemas.microsoft.com/office/drawing/2014/main" xmlns="" id="{DFCEA071-EE1C-4E7D-9D56-4A5D7B6950A0}"/>
                   </a:ext>
                 </a:extLst>
               </p:cNvPr>
@@ -28470,7 +28470,7 @@
                         <m:sSubPr>
                           <m:ctrlPr>
                             <a:rPr lang="en-US" altLang="zh-CN" i="1" smtClean="0">
-                              <a:latin typeface="Cambria Math" panose="02040503050406030204" pitchFamily="18" charset="0"/>
+                              <a:latin typeface="Cambria Math" charset="0"/>
                             </a:rPr>
                           </m:ctrlPr>
                         </m:sSubPr>
@@ -28563,7 +28563,7 @@
               <p:cNvPr id="17" name="文本框 16">
                 <a:extLst>
                   <a:ext uri="{FF2B5EF4-FFF2-40B4-BE49-F238E27FC236}">
-                    <a16:creationId xmlns:a16="http://schemas.microsoft.com/office/drawing/2014/main" id="{B1EDAEFE-BCD6-459B-9050-7AD65A8BA515}"/>
+                    <a16:creationId xmlns:a16="http://schemas.microsoft.com/office/drawing/2014/main" xmlns="" id="{B1EDAEFE-BCD6-459B-9050-7AD65A8BA515}"/>
                   </a:ext>
                 </a:extLst>
               </p:cNvPr>
@@ -28597,7 +28597,7 @@
                         <m:sSubPr>
                           <m:ctrlPr>
                             <a:rPr lang="en-US" altLang="zh-CN" i="1" smtClean="0">
-                              <a:latin typeface="Cambria Math" panose="02040503050406030204" pitchFamily="18" charset="0"/>
+                              <a:latin typeface="Cambria Math" charset="0"/>
                             </a:rPr>
                           </m:ctrlPr>
                         </m:sSubPr>
@@ -28690,7 +28690,7 @@
               <p:cNvPr id="19" name="文本框 18">
                 <a:extLst>
                   <a:ext uri="{FF2B5EF4-FFF2-40B4-BE49-F238E27FC236}">
-                    <a16:creationId xmlns:a16="http://schemas.microsoft.com/office/drawing/2014/main" id="{9A09E8CC-C20B-417B-B349-20A71DA1060F}"/>
+                    <a16:creationId xmlns:a16="http://schemas.microsoft.com/office/drawing/2014/main" xmlns="" id="{9A09E8CC-C20B-417B-B349-20A71DA1060F}"/>
                   </a:ext>
                 </a:extLst>
               </p:cNvPr>
@@ -28724,7 +28724,7 @@
                         <m:sSubPr>
                           <m:ctrlPr>
                             <a:rPr lang="en-US" altLang="zh-CN" i="1" smtClean="0">
-                              <a:latin typeface="Cambria Math" panose="02040503050406030204" pitchFamily="18" charset="0"/>
+                              <a:latin typeface="Cambria Math" charset="0"/>
                             </a:rPr>
                           </m:ctrlPr>
                         </m:sSubPr>
@@ -28815,7 +28815,7 @@
           <p:cNvPr id="21" name="直接箭头连接符 20">
             <a:extLst>
               <a:ext uri="{FF2B5EF4-FFF2-40B4-BE49-F238E27FC236}">
-                <a16:creationId xmlns:a16="http://schemas.microsoft.com/office/drawing/2014/main" id="{8C6405CD-0D94-4E50-ACEB-26E07584D744}"/>
+                <a16:creationId xmlns:a16="http://schemas.microsoft.com/office/drawing/2014/main" xmlns="" id="{8C6405CD-0D94-4E50-ACEB-26E07584D744}"/>
               </a:ext>
             </a:extLst>
           </p:cNvPr>
@@ -28868,7 +28868,7 @@
           <p:cNvPr id="22" name="直接箭头连接符 21">
             <a:extLst>
               <a:ext uri="{FF2B5EF4-FFF2-40B4-BE49-F238E27FC236}">
-                <a16:creationId xmlns:a16="http://schemas.microsoft.com/office/drawing/2014/main" id="{CEE7BE24-7DC4-4288-8F59-2E81FEB534DB}"/>
+                <a16:creationId xmlns:a16="http://schemas.microsoft.com/office/drawing/2014/main" xmlns="" id="{CEE7BE24-7DC4-4288-8F59-2E81FEB534DB}"/>
               </a:ext>
             </a:extLst>
           </p:cNvPr>
@@ -28921,7 +28921,7 @@
           <p:cNvPr id="25" name="直接箭头连接符 24">
             <a:extLst>
               <a:ext uri="{FF2B5EF4-FFF2-40B4-BE49-F238E27FC236}">
-                <a16:creationId xmlns:a16="http://schemas.microsoft.com/office/drawing/2014/main" id="{5AD2B451-4932-48E2-B8E6-697FA2D09445}"/>
+                <a16:creationId xmlns:a16="http://schemas.microsoft.com/office/drawing/2014/main" xmlns="" id="{5AD2B451-4932-48E2-B8E6-697FA2D09445}"/>
               </a:ext>
             </a:extLst>
           </p:cNvPr>
@@ -28974,7 +28974,7 @@
           <p:cNvPr id="37" name="直接箭头连接符 36">
             <a:extLst>
               <a:ext uri="{FF2B5EF4-FFF2-40B4-BE49-F238E27FC236}">
-                <a16:creationId xmlns:a16="http://schemas.microsoft.com/office/drawing/2014/main" id="{0F9E3770-757E-46E9-8D31-0DE530F20AD4}"/>
+                <a16:creationId xmlns:a16="http://schemas.microsoft.com/office/drawing/2014/main" xmlns="" id="{0F9E3770-757E-46E9-8D31-0DE530F20AD4}"/>
               </a:ext>
             </a:extLst>
           </p:cNvPr>
@@ -29027,7 +29027,7 @@
           <p:cNvPr id="40" name="直接箭头连接符 39">
             <a:extLst>
               <a:ext uri="{FF2B5EF4-FFF2-40B4-BE49-F238E27FC236}">
-                <a16:creationId xmlns:a16="http://schemas.microsoft.com/office/drawing/2014/main" id="{36C7D30A-003F-43CD-B9F5-9AF01A9C9640}"/>
+                <a16:creationId xmlns:a16="http://schemas.microsoft.com/office/drawing/2014/main" xmlns="" id="{36C7D30A-003F-43CD-B9F5-9AF01A9C9640}"/>
               </a:ext>
             </a:extLst>
           </p:cNvPr>
@@ -29080,7 +29080,7 @@
           <p:cNvPr id="43" name="直接箭头连接符 42">
             <a:extLst>
               <a:ext uri="{FF2B5EF4-FFF2-40B4-BE49-F238E27FC236}">
-                <a16:creationId xmlns:a16="http://schemas.microsoft.com/office/drawing/2014/main" id="{34360533-70D7-4B22-84C7-4D221D4F556B}"/>
+                <a16:creationId xmlns:a16="http://schemas.microsoft.com/office/drawing/2014/main" xmlns="" id="{34360533-70D7-4B22-84C7-4D221D4F556B}"/>
               </a:ext>
             </a:extLst>
           </p:cNvPr>
@@ -29135,7 +29135,7 @@
               <p:cNvPr id="47" name="矩形 46">
                 <a:extLst>
                   <a:ext uri="{FF2B5EF4-FFF2-40B4-BE49-F238E27FC236}">
-                    <a16:creationId xmlns:a16="http://schemas.microsoft.com/office/drawing/2014/main" id="{BD364D0A-A437-4207-A252-EAB5D5947FE2}"/>
+                    <a16:creationId xmlns:a16="http://schemas.microsoft.com/office/drawing/2014/main" xmlns="" id="{BD364D0A-A437-4207-A252-EAB5D5947FE2}"/>
                   </a:ext>
                 </a:extLst>
               </p:cNvPr>
@@ -29196,7 +29196,7 @@
                               <a:solidFill>
                                 <a:schemeClr val="tx1"/>
                               </a:solidFill>
-                              <a:latin typeface="Cambria Math" panose="02040503050406030204" pitchFamily="18" charset="0"/>
+                              <a:latin typeface="Cambria Math" charset="0"/>
                             </a:rPr>
                           </m:ctrlPr>
                         </m:sSubPr>
@@ -29299,7 +29299,7 @@
               <p:cNvPr id="50" name="矩形 49">
                 <a:extLst>
                   <a:ext uri="{FF2B5EF4-FFF2-40B4-BE49-F238E27FC236}">
-                    <a16:creationId xmlns:a16="http://schemas.microsoft.com/office/drawing/2014/main" id="{A1F58E43-74A1-4A1F-815A-11762662F76C}"/>
+                    <a16:creationId xmlns:a16="http://schemas.microsoft.com/office/drawing/2014/main" xmlns="" id="{A1F58E43-74A1-4A1F-815A-11762662F76C}"/>
                   </a:ext>
                 </a:extLst>
               </p:cNvPr>
@@ -29360,7 +29360,7 @@
                               <a:solidFill>
                                 <a:schemeClr val="tx1"/>
                               </a:solidFill>
-                              <a:latin typeface="Cambria Math" panose="02040503050406030204" pitchFamily="18" charset="0"/>
+                              <a:latin typeface="Cambria Math" charset="0"/>
                             </a:rPr>
                           </m:ctrlPr>
                         </m:sSubPr>
@@ -29463,7 +29463,7 @@
               <p:cNvPr id="52" name="矩形 51">
                 <a:extLst>
                   <a:ext uri="{FF2B5EF4-FFF2-40B4-BE49-F238E27FC236}">
-                    <a16:creationId xmlns:a16="http://schemas.microsoft.com/office/drawing/2014/main" id="{E97EF020-21AA-4378-8AB6-4851D702D9D4}"/>
+                    <a16:creationId xmlns:a16="http://schemas.microsoft.com/office/drawing/2014/main" xmlns="" id="{E97EF020-21AA-4378-8AB6-4851D702D9D4}"/>
                   </a:ext>
                 </a:extLst>
               </p:cNvPr>
@@ -29524,7 +29524,7 @@
                               <a:solidFill>
                                 <a:schemeClr val="tx1"/>
                               </a:solidFill>
-                              <a:latin typeface="Cambria Math" panose="02040503050406030204" pitchFamily="18" charset="0"/>
+                              <a:latin typeface="Cambria Math" charset="0"/>
                             </a:rPr>
                           </m:ctrlPr>
                         </m:sSubPr>
@@ -29627,7 +29627,7 @@
               <p:cNvPr id="61" name="矩形 60">
                 <a:extLst>
                   <a:ext uri="{FF2B5EF4-FFF2-40B4-BE49-F238E27FC236}">
-                    <a16:creationId xmlns:a16="http://schemas.microsoft.com/office/drawing/2014/main" id="{0B2A1176-179A-4C98-B2F3-F15B43085612}"/>
+                    <a16:creationId xmlns:a16="http://schemas.microsoft.com/office/drawing/2014/main" xmlns="" id="{0B2A1176-179A-4C98-B2F3-F15B43085612}"/>
                   </a:ext>
                 </a:extLst>
               </p:cNvPr>
@@ -29791,7 +29791,7 @@
           <p:cNvPr id="63" name="直接箭头连接符 62">
             <a:extLst>
               <a:ext uri="{FF2B5EF4-FFF2-40B4-BE49-F238E27FC236}">
-                <a16:creationId xmlns:a16="http://schemas.microsoft.com/office/drawing/2014/main" id="{F81F91EA-F775-45FD-B7DA-EE2192F96778}"/>
+                <a16:creationId xmlns:a16="http://schemas.microsoft.com/office/drawing/2014/main" xmlns="" id="{F81F91EA-F775-45FD-B7DA-EE2192F96778}"/>
               </a:ext>
             </a:extLst>
           </p:cNvPr>
@@ -29844,7 +29844,7 @@
           <p:cNvPr id="64" name="直接箭头连接符 63">
             <a:extLst>
               <a:ext uri="{FF2B5EF4-FFF2-40B4-BE49-F238E27FC236}">
-                <a16:creationId xmlns:a16="http://schemas.microsoft.com/office/drawing/2014/main" id="{F8CD74EF-8BCE-4DCE-A99E-825EB26D5824}"/>
+                <a16:creationId xmlns:a16="http://schemas.microsoft.com/office/drawing/2014/main" xmlns="" id="{F8CD74EF-8BCE-4DCE-A99E-825EB26D5824}"/>
               </a:ext>
             </a:extLst>
           </p:cNvPr>
@@ -29898,7 +29898,7 @@
           <p:cNvPr id="67" name="直接箭头连接符 66">
             <a:extLst>
               <a:ext uri="{FF2B5EF4-FFF2-40B4-BE49-F238E27FC236}">
-                <a16:creationId xmlns:a16="http://schemas.microsoft.com/office/drawing/2014/main" id="{39F50B3D-6AC6-4D7F-8EA0-B4DF90A720F6}"/>
+                <a16:creationId xmlns:a16="http://schemas.microsoft.com/office/drawing/2014/main" xmlns="" id="{39F50B3D-6AC6-4D7F-8EA0-B4DF90A720F6}"/>
               </a:ext>
             </a:extLst>
           </p:cNvPr>
@@ -29952,7 +29952,7 @@
           <p:cNvPr id="70" name="直接箭头连接符 69">
             <a:extLst>
               <a:ext uri="{FF2B5EF4-FFF2-40B4-BE49-F238E27FC236}">
-                <a16:creationId xmlns:a16="http://schemas.microsoft.com/office/drawing/2014/main" id="{502BD3E9-1351-4564-BDB2-ECB97DC2237C}"/>
+                <a16:creationId xmlns:a16="http://schemas.microsoft.com/office/drawing/2014/main" xmlns="" id="{502BD3E9-1351-4564-BDB2-ECB97DC2237C}"/>
               </a:ext>
             </a:extLst>
           </p:cNvPr>
@@ -30007,7 +30007,7 @@
               <p:cNvPr id="74" name="矩形 73">
                 <a:extLst>
                   <a:ext uri="{FF2B5EF4-FFF2-40B4-BE49-F238E27FC236}">
-                    <a16:creationId xmlns:a16="http://schemas.microsoft.com/office/drawing/2014/main" id="{E5137D44-BCF9-4684-AEB2-DB58F5A366EC}"/>
+                    <a16:creationId xmlns:a16="http://schemas.microsoft.com/office/drawing/2014/main" xmlns="" id="{E5137D44-BCF9-4684-AEB2-DB58F5A366EC}"/>
                   </a:ext>
                 </a:extLst>
               </p:cNvPr>
@@ -30171,7 +30171,7 @@
           <p:cNvPr id="78" name="直接箭头连接符 77">
             <a:extLst>
               <a:ext uri="{FF2B5EF4-FFF2-40B4-BE49-F238E27FC236}">
-                <a16:creationId xmlns:a16="http://schemas.microsoft.com/office/drawing/2014/main" id="{B291B16F-BC7F-4371-B547-CF1111B97D0B}"/>
+                <a16:creationId xmlns:a16="http://schemas.microsoft.com/office/drawing/2014/main" xmlns="" id="{B291B16F-BC7F-4371-B547-CF1111B97D0B}"/>
               </a:ext>
             </a:extLst>
           </p:cNvPr>
@@ -30224,7 +30224,7 @@
           <p:cNvPr id="81" name="直接箭头连接符 80">
             <a:extLst>
               <a:ext uri="{FF2B5EF4-FFF2-40B4-BE49-F238E27FC236}">
-                <a16:creationId xmlns:a16="http://schemas.microsoft.com/office/drawing/2014/main" id="{A4F32560-4F61-4E1A-BADB-EB193C266BE6}"/>
+                <a16:creationId xmlns:a16="http://schemas.microsoft.com/office/drawing/2014/main" xmlns="" id="{A4F32560-4F61-4E1A-BADB-EB193C266BE6}"/>
               </a:ext>
             </a:extLst>
           </p:cNvPr>
@@ -30764,7 +30764,7 @@
               <p:cNvPr id="9" name="文本框 8">
                 <a:extLst>
                   <a:ext uri="{FF2B5EF4-FFF2-40B4-BE49-F238E27FC236}">
-                    <a16:creationId xmlns:a16="http://schemas.microsoft.com/office/drawing/2014/main" id="{C90D6AAF-0914-4C1E-BDA7-7749D40A1B48}"/>
+                    <a16:creationId xmlns:a16="http://schemas.microsoft.com/office/drawing/2014/main" xmlns="" id="{C90D6AAF-0914-4C1E-BDA7-7749D40A1B48}"/>
                   </a:ext>
                 </a:extLst>
               </p:cNvPr>
@@ -30815,7 +30815,7 @@
                       <m:sSupPr>
                         <m:ctrlPr>
                           <a:rPr lang="en-US" altLang="zh-CN" b="0" i="1" smtClean="0">
-                            <a:latin typeface="Cambria Math" panose="02040503050406030204" pitchFamily="18" charset="0"/>
+                            <a:latin typeface="Cambria Math" charset="0"/>
                           </a:rPr>
                         </m:ctrlPr>
                       </m:sSupPr>
@@ -30869,7 +30869,7 @@
                       <m:sSupPr>
                         <m:ctrlPr>
                           <a:rPr lang="en-US" altLang="zh-CN" b="0" i="1" smtClean="0">
-                            <a:latin typeface="Cambria Math" panose="02040503050406030204" pitchFamily="18" charset="0"/>
+                            <a:latin typeface="Cambria Math" charset="0"/>
                           </a:rPr>
                         </m:ctrlPr>
                       </m:sSupPr>
@@ -30903,7 +30903,7 @@
                       <m:dPr>
                         <m:ctrlPr>
                           <a:rPr lang="en-US" altLang="zh-CN" b="0" i="1" smtClean="0">
-                            <a:latin typeface="Cambria Math" panose="02040503050406030204" pitchFamily="18" charset="0"/>
+                            <a:latin typeface="Cambria Math" charset="0"/>
                           </a:rPr>
                         </m:ctrlPr>
                       </m:dPr>
@@ -30912,7 +30912,7 @@
                           <m:sSupPr>
                             <m:ctrlPr>
                               <a:rPr lang="en-US" altLang="zh-CN" i="1">
-                                <a:latin typeface="Cambria Math" panose="02040503050406030204" pitchFamily="18" charset="0"/>
+                                <a:latin typeface="Cambria Math" charset="0"/>
                               </a:rPr>
                             </m:ctrlPr>
                           </m:sSupPr>
@@ -30949,7 +30949,7 @@
                           <m:sSupPr>
                             <m:ctrlPr>
                               <a:rPr lang="en-US" altLang="zh-CN" i="1">
-                                <a:latin typeface="Cambria Math" panose="02040503050406030204" pitchFamily="18" charset="0"/>
+                                <a:latin typeface="Cambria Math" charset="0"/>
                               </a:rPr>
                             </m:ctrlPr>
                           </m:sSupPr>
@@ -30988,7 +30988,7 @@
                       <m:sSupPr>
                         <m:ctrlPr>
                           <a:rPr lang="en-US" altLang="zh-CN" i="1" smtClean="0">
-                            <a:latin typeface="Cambria Math" panose="02040503050406030204" pitchFamily="18" charset="0"/>
+                            <a:latin typeface="Cambria Math" charset="0"/>
                           </a:rPr>
                         </m:ctrlPr>
                       </m:sSupPr>
@@ -31022,7 +31022,7 @@
                       <m:sSupPr>
                         <m:ctrlPr>
                           <a:rPr lang="en-US" altLang="zh-CN" i="1" dirty="0" smtClean="0">
-                            <a:latin typeface="Cambria Math" panose="02040503050406030204" pitchFamily="18" charset="0"/>
+                            <a:latin typeface="Cambria Math" charset="0"/>
                           </a:rPr>
                         </m:ctrlPr>
                       </m:sSupPr>
@@ -31059,7 +31059,7 @@
                       <m:sSupPr>
                         <m:ctrlPr>
                           <a:rPr lang="en-US" altLang="zh-CN" i="1">
-                            <a:latin typeface="Cambria Math" panose="02040503050406030204" pitchFamily="18" charset="0"/>
+                            <a:latin typeface="Cambria Math" charset="0"/>
                           </a:rPr>
                         </m:ctrlPr>
                       </m:sSupPr>
@@ -31090,7 +31090,7 @@
                       <m:sSupPr>
                         <m:ctrlPr>
                           <a:rPr lang="en-US" altLang="zh-CN" i="1">
-                            <a:latin typeface="Cambria Math" panose="02040503050406030204" pitchFamily="18" charset="0"/>
+                            <a:latin typeface="Cambria Math" charset="0"/>
                           </a:rPr>
                         </m:ctrlPr>
                       </m:sSupPr>
@@ -31124,7 +31124,7 @@
                       <m:sSupPr>
                         <m:ctrlPr>
                           <a:rPr lang="en-US" altLang="zh-CN" i="1" dirty="0">
-                            <a:latin typeface="Cambria Math" panose="02040503050406030204" pitchFamily="18" charset="0"/>
+                            <a:latin typeface="Cambria Math" charset="0"/>
                           </a:rPr>
                         </m:ctrlPr>
                       </m:sSupPr>
@@ -31201,7 +31201,7 @@
                       <m:sSupPr>
                         <m:ctrlPr>
                           <a:rPr lang="en-US" altLang="zh-CN" b="0" i="1" smtClean="0">
-                            <a:latin typeface="Cambria Math" panose="02040503050406030204" pitchFamily="18" charset="0"/>
+                            <a:latin typeface="Cambria Math" charset="0"/>
                           </a:rPr>
                         </m:ctrlPr>
                       </m:sSupPr>
@@ -31235,7 +31235,7 @@
                       <m:dPr>
                         <m:ctrlPr>
                           <a:rPr lang="en-US" altLang="zh-CN" b="0" i="1" smtClean="0">
-                            <a:latin typeface="Cambria Math" panose="02040503050406030204" pitchFamily="18" charset="0"/>
+                            <a:latin typeface="Cambria Math" charset="0"/>
                           </a:rPr>
                         </m:ctrlPr>
                       </m:dPr>
@@ -31244,7 +31244,7 @@
                           <m:sSupPr>
                             <m:ctrlPr>
                               <a:rPr lang="en-US" altLang="zh-CN" i="1">
-                                <a:latin typeface="Cambria Math" panose="02040503050406030204" pitchFamily="18" charset="0"/>
+                                <a:latin typeface="Cambria Math" charset="0"/>
                               </a:rPr>
                             </m:ctrlPr>
                           </m:sSupPr>
@@ -31281,7 +31281,7 @@
                           <m:sSupPr>
                             <m:ctrlPr>
                               <a:rPr lang="en-US" altLang="zh-CN" i="1">
-                                <a:latin typeface="Cambria Math" panose="02040503050406030204" pitchFamily="18" charset="0"/>
+                                <a:latin typeface="Cambria Math" charset="0"/>
                               </a:rPr>
                             </m:ctrlPr>
                           </m:sSupPr>
@@ -31332,7 +31332,7 @@
                       <m:sSupPr>
                         <m:ctrlPr>
                           <a:rPr lang="en-US" altLang="zh-CN" i="1">
-                            <a:latin typeface="Cambria Math" panose="02040503050406030204" pitchFamily="18" charset="0"/>
+                            <a:latin typeface="Cambria Math" charset="0"/>
                           </a:rPr>
                         </m:ctrlPr>
                       </m:sSupPr>
@@ -31363,7 +31363,7 @@
                       <m:sSupPr>
                         <m:ctrlPr>
                           <a:rPr lang="en-US" altLang="zh-CN" i="1">
-                            <a:latin typeface="Cambria Math" panose="02040503050406030204" pitchFamily="18" charset="0"/>
+                            <a:latin typeface="Cambria Math" charset="0"/>
                           </a:rPr>
                         </m:ctrlPr>
                       </m:sSupPr>
@@ -31397,7 +31397,7 @@
                       <m:sSupPr>
                         <m:ctrlPr>
                           <a:rPr lang="en-US" altLang="zh-CN" i="1" dirty="0">
-                            <a:latin typeface="Cambria Math" panose="02040503050406030204" pitchFamily="18" charset="0"/>
+                            <a:latin typeface="Cambria Math" charset="0"/>
                           </a:rPr>
                         </m:ctrlPr>
                       </m:sSupPr>
@@ -31870,7 +31870,7 @@
           <p:cNvPr id="7" name="表格 6">
             <a:extLst>
               <a:ext uri="{FF2B5EF4-FFF2-40B4-BE49-F238E27FC236}">
-                <a16:creationId xmlns:a16="http://schemas.microsoft.com/office/drawing/2014/main" id="{622D6A98-1A69-4575-8E0F-33C4C98790B8}"/>
+                <a16:creationId xmlns:a16="http://schemas.microsoft.com/office/drawing/2014/main" xmlns="" id="{622D6A98-1A69-4575-8E0F-33C4C98790B8}"/>
               </a:ext>
             </a:extLst>
           </p:cNvPr>
@@ -31880,7 +31880,7 @@
           <p:nvPr>
             <p:extLst>
               <p:ext uri="{D42A27DB-BD31-4B8C-83A1-F6EECF244321}">
-                <p14:modId xmlns:p14="http://schemas.microsoft.com/office/powerpoint/2010/main" val="275377988"/>
+                <p14:modId xmlns:p14="http://schemas.microsoft.com/office/powerpoint/2010/main" val="908349490"/>
               </p:ext>
             </p:extLst>
           </p:nvPr>
@@ -31899,28 +31899,28 @@
                 <a:gridCol w="2401555">
                   <a:extLst>
                     <a:ext uri="{9D8B030D-6E8A-4147-A177-3AD203B41FA5}">
-                      <a16:colId xmlns:a16="http://schemas.microsoft.com/office/drawing/2014/main" val="323982264"/>
+                      <a16:colId xmlns:a16="http://schemas.microsoft.com/office/drawing/2014/main" xmlns="" val="323982264"/>
                     </a:ext>
                   </a:extLst>
                 </a:gridCol>
                 <a:gridCol w="1647929">
                   <a:extLst>
                     <a:ext uri="{9D8B030D-6E8A-4147-A177-3AD203B41FA5}">
-                      <a16:colId xmlns:a16="http://schemas.microsoft.com/office/drawing/2014/main" val="3244197200"/>
+                      <a16:colId xmlns:a16="http://schemas.microsoft.com/office/drawing/2014/main" xmlns="" val="3244197200"/>
                     </a:ext>
                   </a:extLst>
                 </a:gridCol>
                 <a:gridCol w="1477108">
                   <a:extLst>
                     <a:ext uri="{9D8B030D-6E8A-4147-A177-3AD203B41FA5}">
-                      <a16:colId xmlns:a16="http://schemas.microsoft.com/office/drawing/2014/main" val="1784650501"/>
+                      <a16:colId xmlns:a16="http://schemas.microsoft.com/office/drawing/2014/main" xmlns="" val="1784650501"/>
                     </a:ext>
                   </a:extLst>
                 </a:gridCol>
                 <a:gridCol w="1295284">
                   <a:extLst>
                     <a:ext uri="{9D8B030D-6E8A-4147-A177-3AD203B41FA5}">
-                      <a16:colId xmlns:a16="http://schemas.microsoft.com/office/drawing/2014/main" val="1626703488"/>
+                      <a16:colId xmlns:a16="http://schemas.microsoft.com/office/drawing/2014/main" xmlns="" val="1626703488"/>
                     </a:ext>
                   </a:extLst>
                 </a:gridCol>
@@ -32007,7 +32007,7 @@
                 </a:tc>
                 <a:extLst>
                   <a:ext uri="{0D108BD9-81ED-4DB2-BD59-A6C34878D82A}">
-                    <a16:rowId xmlns:a16="http://schemas.microsoft.com/office/drawing/2014/main" val="2750491912"/>
+                    <a16:rowId xmlns:a16="http://schemas.microsoft.com/office/drawing/2014/main" xmlns="" val="2750491912"/>
                   </a:ext>
                 </a:extLst>
               </a:tr>
@@ -32117,7 +32117,7 @@
                 </a:tc>
                 <a:extLst>
                   <a:ext uri="{0D108BD9-81ED-4DB2-BD59-A6C34878D82A}">
-                    <a16:rowId xmlns:a16="http://schemas.microsoft.com/office/drawing/2014/main" val="2192882660"/>
+                    <a16:rowId xmlns:a16="http://schemas.microsoft.com/office/drawing/2014/main" xmlns="" val="2192882660"/>
                   </a:ext>
                 </a:extLst>
               </a:tr>
@@ -32217,7 +32217,7 @@
                 </a:tc>
                 <a:extLst>
                   <a:ext uri="{0D108BD9-81ED-4DB2-BD59-A6C34878D82A}">
-                    <a16:rowId xmlns:a16="http://schemas.microsoft.com/office/drawing/2014/main" val="4188706716"/>
+                    <a16:rowId xmlns:a16="http://schemas.microsoft.com/office/drawing/2014/main" xmlns="" val="4188706716"/>
                   </a:ext>
                 </a:extLst>
               </a:tr>
@@ -32248,6 +32248,12 @@
                     <a:lstStyle/>
                     <a:p>
                       <a:pPr algn="ctr"/>
+                      <a:r>
+                        <a:rPr lang="sk-SK" dirty="0" smtClean="0">
+                          <a:effectLst/>
+                        </a:rPr>
+                        <a:t>81.26</a:t>
+                      </a:r>
                       <a:endParaRPr lang="sk-SK" dirty="0">
                         <a:effectLst/>
                       </a:endParaRPr>
@@ -32267,6 +32273,12 @@
                     <a:lstStyle/>
                     <a:p>
                       <a:pPr algn="ctr"/>
+                      <a:r>
+                        <a:rPr lang="en-US" dirty="0" smtClean="0">
+                          <a:effectLst/>
+                        </a:rPr>
+                        <a:t>93.89</a:t>
+                      </a:r>
                       <a:endParaRPr lang="ru-RU" dirty="0">
                         <a:effectLst/>
                       </a:endParaRPr>
@@ -32286,6 +32298,12 @@
                     <a:lstStyle/>
                     <a:p>
                       <a:pPr algn="ctr"/>
+                      <a:r>
+                        <a:rPr lang="en-US" dirty="0" smtClean="0">
+                          <a:effectLst/>
+                        </a:rPr>
+                        <a:t>96.43</a:t>
+                      </a:r>
                       <a:endParaRPr lang="ru-RU" dirty="0">
                         <a:effectLst/>
                       </a:endParaRPr>
@@ -32301,7 +32319,7 @@
                 </a:tc>
                 <a:extLst>
                   <a:ext uri="{0D108BD9-81ED-4DB2-BD59-A6C34878D82A}">
-                    <a16:rowId xmlns:a16="http://schemas.microsoft.com/office/drawing/2014/main" val="3727776120"/>
+                    <a16:rowId xmlns:a16="http://schemas.microsoft.com/office/drawing/2014/main" xmlns="" val="3727776120"/>
                   </a:ext>
                 </a:extLst>
               </a:tr>
@@ -32349,6 +32367,12 @@
                     <a:lstStyle/>
                     <a:p>
                       <a:pPr algn="ctr"/>
+                      <a:r>
+                        <a:rPr lang="sk-SK" dirty="0" smtClean="0">
+                          <a:effectLst/>
+                        </a:rPr>
+                        <a:t>81.19</a:t>
+                      </a:r>
                       <a:endParaRPr lang="sk-SK" dirty="0">
                         <a:effectLst/>
                       </a:endParaRPr>
@@ -32368,6 +32392,12 @@
                     <a:lstStyle/>
                     <a:p>
                       <a:pPr algn="ctr"/>
+                      <a:r>
+                        <a:rPr lang="en-US" dirty="0" smtClean="0">
+                          <a:effectLst/>
+                        </a:rPr>
+                        <a:t>93.76</a:t>
+                      </a:r>
                       <a:endParaRPr lang="ru-RU" dirty="0">
                         <a:effectLst/>
                       </a:endParaRPr>
@@ -32387,6 +32417,12 @@
                     <a:lstStyle/>
                     <a:p>
                       <a:pPr algn="ctr"/>
+                      <a:r>
+                        <a:rPr lang="en-US" dirty="0" smtClean="0">
+                          <a:effectLst/>
+                        </a:rPr>
+                        <a:t>96.28</a:t>
+                      </a:r>
                       <a:endParaRPr lang="ru-RU" dirty="0">
                         <a:effectLst/>
                       </a:endParaRPr>
@@ -32402,7 +32438,7 @@
                 </a:tc>
                 <a:extLst>
                   <a:ext uri="{0D108BD9-81ED-4DB2-BD59-A6C34878D82A}">
-                    <a16:rowId xmlns:a16="http://schemas.microsoft.com/office/drawing/2014/main" val="1987569908"/>
+                    <a16:rowId xmlns:a16="http://schemas.microsoft.com/office/drawing/2014/main" xmlns="" val="1987569908"/>
                   </a:ext>
                 </a:extLst>
               </a:tr>
@@ -32450,6 +32486,12 @@
                     <a:lstStyle/>
                     <a:p>
                       <a:pPr algn="ctr"/>
+                      <a:r>
+                        <a:rPr lang="sk-SK" dirty="0" smtClean="0">
+                          <a:effectLst/>
+                        </a:rPr>
+                        <a:t>81.41</a:t>
+                      </a:r>
                       <a:endParaRPr lang="sk-SK" dirty="0">
                         <a:effectLst/>
                       </a:endParaRPr>
@@ -32469,6 +32511,12 @@
                     <a:lstStyle/>
                     <a:p>
                       <a:pPr algn="ctr"/>
+                      <a:r>
+                        <a:rPr lang="en-US" dirty="0" smtClean="0">
+                          <a:effectLst/>
+                        </a:rPr>
+                        <a:t>93.89</a:t>
+                      </a:r>
                       <a:endParaRPr lang="ru-RU" dirty="0">
                         <a:effectLst/>
                       </a:endParaRPr>
@@ -32488,6 +32536,12 @@
                     <a:lstStyle/>
                     <a:p>
                       <a:pPr algn="ctr"/>
+                      <a:r>
+                        <a:rPr lang="en-US" dirty="0" smtClean="0">
+                          <a:effectLst/>
+                        </a:rPr>
+                        <a:t>96.48</a:t>
+                      </a:r>
                       <a:endParaRPr lang="ru-RU" dirty="0">
                         <a:effectLst/>
                       </a:endParaRPr>
@@ -32503,7 +32557,7 @@
                 </a:tc>
                 <a:extLst>
                   <a:ext uri="{0D108BD9-81ED-4DB2-BD59-A6C34878D82A}">
-                    <a16:rowId xmlns:a16="http://schemas.microsoft.com/office/drawing/2014/main" val="4029897615"/>
+                    <a16:rowId xmlns:a16="http://schemas.microsoft.com/office/drawing/2014/main" xmlns="" val="4029897615"/>
                   </a:ext>
                 </a:extLst>
               </a:tr>
@@ -32929,7 +32983,7 @@
           <p:cNvPr id="6" name="图片 5">
             <a:extLst>
               <a:ext uri="{FF2B5EF4-FFF2-40B4-BE49-F238E27FC236}">
-                <a16:creationId xmlns:a16="http://schemas.microsoft.com/office/drawing/2014/main" id="{C405213C-BBF1-4307-AFF5-05E761DE2729}"/>
+                <a16:creationId xmlns:a16="http://schemas.microsoft.com/office/drawing/2014/main" xmlns="" id="{C405213C-BBF1-4307-AFF5-05E761DE2729}"/>
               </a:ext>
             </a:extLst>
           </p:cNvPr>
@@ -36065,7 +36119,7 @@
           <p:cNvPr id="40" name="表格 39">
             <a:extLst>
               <a:ext uri="{FF2B5EF4-FFF2-40B4-BE49-F238E27FC236}">
-                <a16:creationId xmlns:a16="http://schemas.microsoft.com/office/drawing/2014/main" id="{D699D869-F231-4563-94A3-03B14486F76B}"/>
+                <a16:creationId xmlns:a16="http://schemas.microsoft.com/office/drawing/2014/main" xmlns="" id="{D699D869-F231-4563-94A3-03B14486F76B}"/>
               </a:ext>
             </a:extLst>
           </p:cNvPr>
@@ -36094,28 +36148,28 @@
                 <a:gridCol w="1374582">
                   <a:extLst>
                     <a:ext uri="{9D8B030D-6E8A-4147-A177-3AD203B41FA5}">
-                      <a16:colId xmlns:a16="http://schemas.microsoft.com/office/drawing/2014/main" val="323982264"/>
+                      <a16:colId xmlns:a16="http://schemas.microsoft.com/office/drawing/2014/main" xmlns="" val="323982264"/>
                     </a:ext>
                   </a:extLst>
                 </a:gridCol>
                 <a:gridCol w="1050364">
                   <a:extLst>
                     <a:ext uri="{9D8B030D-6E8A-4147-A177-3AD203B41FA5}">
-                      <a16:colId xmlns:a16="http://schemas.microsoft.com/office/drawing/2014/main" val="3244197200"/>
+                      <a16:colId xmlns:a16="http://schemas.microsoft.com/office/drawing/2014/main" xmlns="" val="3244197200"/>
                     </a:ext>
                   </a:extLst>
                 </a:gridCol>
                 <a:gridCol w="1043436">
                   <a:extLst>
                     <a:ext uri="{9D8B030D-6E8A-4147-A177-3AD203B41FA5}">
-                      <a16:colId xmlns:a16="http://schemas.microsoft.com/office/drawing/2014/main" val="1784650501"/>
+                      <a16:colId xmlns:a16="http://schemas.microsoft.com/office/drawing/2014/main" xmlns="" val="1784650501"/>
                     </a:ext>
                   </a:extLst>
                 </a:gridCol>
                 <a:gridCol w="1031380">
                   <a:extLst>
                     <a:ext uri="{9D8B030D-6E8A-4147-A177-3AD203B41FA5}">
-                      <a16:colId xmlns:a16="http://schemas.microsoft.com/office/drawing/2014/main" val="1626703488"/>
+                      <a16:colId xmlns:a16="http://schemas.microsoft.com/office/drawing/2014/main" xmlns="" val="1626703488"/>
                     </a:ext>
                   </a:extLst>
                 </a:gridCol>
@@ -36202,7 +36256,7 @@
                 </a:tc>
                 <a:extLst>
                   <a:ext uri="{0D108BD9-81ED-4DB2-BD59-A6C34878D82A}">
-                    <a16:rowId xmlns:a16="http://schemas.microsoft.com/office/drawing/2014/main" val="2750491912"/>
+                    <a16:rowId xmlns:a16="http://schemas.microsoft.com/office/drawing/2014/main" xmlns="" val="2750491912"/>
                   </a:ext>
                 </a:extLst>
               </a:tr>
@@ -36304,7 +36358,7 @@
                 </a:tc>
                 <a:extLst>
                   <a:ext uri="{0D108BD9-81ED-4DB2-BD59-A6C34878D82A}">
-                    <a16:rowId xmlns:a16="http://schemas.microsoft.com/office/drawing/2014/main" val="2192882660"/>
+                    <a16:rowId xmlns:a16="http://schemas.microsoft.com/office/drawing/2014/main" xmlns="" val="2192882660"/>
                   </a:ext>
                 </a:extLst>
               </a:tr>
@@ -36414,7 +36468,7 @@
                 </a:tc>
                 <a:extLst>
                   <a:ext uri="{0D108BD9-81ED-4DB2-BD59-A6C34878D82A}">
-                    <a16:rowId xmlns:a16="http://schemas.microsoft.com/office/drawing/2014/main" val="4188706716"/>
+                    <a16:rowId xmlns:a16="http://schemas.microsoft.com/office/drawing/2014/main" xmlns="" val="4188706716"/>
                   </a:ext>
                 </a:extLst>
               </a:tr>
